--- a/Presentation/PechaKucha Presentation.pptx
+++ b/Presentation/PechaKucha Presentation.pptx
@@ -162,18 +162,18 @@
   <pc:docChgLst>
     <pc:chgData name="Al-Jalil" userId="8c65f59ad036e82e" providerId="LiveId" clId="{46F47A16-3D8E-4A33-987A-6D61DFAFDBB9}"/>
     <pc:docChg chg="undo redo custSel addSld delSld modSld sldOrd modShowInfo">
-      <pc:chgData name="Al-Jalil" userId="8c65f59ad036e82e" providerId="LiveId" clId="{46F47A16-3D8E-4A33-987A-6D61DFAFDBB9}" dt="2020-12-04T05:49:55.085" v="7184" actId="20577"/>
+      <pc:chgData name="Al-Jalil" userId="8c65f59ad036e82e" providerId="LiveId" clId="{46F47A16-3D8E-4A33-987A-6D61DFAFDBB9}" dt="2020-12-04T14:16:31.805" v="7237" actId="27636"/>
       <pc:docMkLst>
         <pc:docMk/>
       </pc:docMkLst>
       <pc:sldChg chg="addSp delSp modSp mod modTransition modNotesTx">
-        <pc:chgData name="Al-Jalil" userId="8c65f59ad036e82e" providerId="LiveId" clId="{46F47A16-3D8E-4A33-987A-6D61DFAFDBB9}" dt="2020-12-04T04:25:44.735" v="6948" actId="20577"/>
+        <pc:chgData name="Al-Jalil" userId="8c65f59ad036e82e" providerId="LiveId" clId="{46F47A16-3D8E-4A33-987A-6D61DFAFDBB9}" dt="2020-12-04T14:16:15.324" v="7222" actId="20577"/>
         <pc:sldMkLst>
           <pc:docMk/>
           <pc:sldMk cId="2906562058" sldId="256"/>
         </pc:sldMkLst>
         <pc:spChg chg="mod">
-          <ac:chgData name="Al-Jalil" userId="8c65f59ad036e82e" providerId="LiveId" clId="{46F47A16-3D8E-4A33-987A-6D61DFAFDBB9}" dt="2020-12-04T03:32:06.745" v="2270" actId="20577"/>
+          <ac:chgData name="Al-Jalil" userId="8c65f59ad036e82e" providerId="LiveId" clId="{46F47A16-3D8E-4A33-987A-6D61DFAFDBB9}" dt="2020-12-04T14:16:15.324" v="7222" actId="20577"/>
           <ac:spMkLst>
             <pc:docMk/>
             <pc:sldMk cId="2906562058" sldId="256"/>
@@ -291,7 +291,7 @@
         </pc:sldMkLst>
       </pc:sldChg>
       <pc:sldChg chg="addSp delSp modSp mod modTransition delCm modNotesTx">
-        <pc:chgData name="Al-Jalil" userId="8c65f59ad036e82e" providerId="LiveId" clId="{46F47A16-3D8E-4A33-987A-6D61DFAFDBB9}" dt="2020-12-04T05:45:05.775" v="7020" actId="14100"/>
+        <pc:chgData name="Al-Jalil" userId="8c65f59ad036e82e" providerId="LiveId" clId="{46F47A16-3D8E-4A33-987A-6D61DFAFDBB9}" dt="2020-12-04T14:16:31.805" v="7237" actId="27636"/>
         <pc:sldMkLst>
           <pc:docMk/>
           <pc:sldMk cId="2284628993" sldId="285"/>
@@ -337,7 +337,7 @@
           </ac:spMkLst>
         </pc:spChg>
         <pc:spChg chg="add mod">
-          <ac:chgData name="Al-Jalil" userId="8c65f59ad036e82e" providerId="LiveId" clId="{46F47A16-3D8E-4A33-987A-6D61DFAFDBB9}" dt="2020-12-04T04:15:36.366" v="6297" actId="20577"/>
+          <ac:chgData name="Al-Jalil" userId="8c65f59ad036e82e" providerId="LiveId" clId="{46F47A16-3D8E-4A33-987A-6D61DFAFDBB9}" dt="2020-12-04T14:16:31.805" v="7237" actId="27636"/>
           <ac:spMkLst>
             <pc:docMk/>
             <pc:sldMk cId="2284628993" sldId="285"/>
@@ -537,7 +537,7 @@
         </pc:picChg>
       </pc:sldChg>
       <pc:sldChg chg="addSp delSp modSp mod modTransition modNotesTx">
-        <pc:chgData name="Al-Jalil" userId="8c65f59ad036e82e" providerId="LiveId" clId="{46F47A16-3D8E-4A33-987A-6D61DFAFDBB9}" dt="2020-12-04T05:49:55.085" v="7184" actId="20577"/>
+        <pc:chgData name="Al-Jalil" userId="8c65f59ad036e82e" providerId="LiveId" clId="{46F47A16-3D8E-4A33-987A-6D61DFAFDBB9}" dt="2020-12-04T05:56:48.807" v="7204" actId="20577"/>
         <pc:sldMkLst>
           <pc:docMk/>
           <pc:sldMk cId="4103562706" sldId="287"/>
@@ -591,7 +591,7 @@
           </ac:spMkLst>
         </pc:spChg>
         <pc:spChg chg="add mod">
-          <ac:chgData name="Al-Jalil" userId="8c65f59ad036e82e" providerId="LiveId" clId="{46F47A16-3D8E-4A33-987A-6D61DFAFDBB9}" dt="2020-12-04T05:48:37.074" v="7163" actId="403"/>
+          <ac:chgData name="Al-Jalil" userId="8c65f59ad036e82e" providerId="LiveId" clId="{46F47A16-3D8E-4A33-987A-6D61DFAFDBB9}" dt="2020-12-04T05:56:48.807" v="7204" actId="20577"/>
           <ac:spMkLst>
             <pc:docMk/>
             <pc:sldMk cId="4103562706" sldId="287"/>
@@ -1118,7 +1118,7 @@
           <a:p>
             <a:fld id="{87D04BBD-D788-4381-BAF7-845792DB8D74}" type="datetimeFigureOut">
               <a:rPr lang="en-US" smtClean="0"/>
-              <a:t>12/3/2020</a:t>
+              <a:t>12/4/2020</a:t>
             </a:fld>
             <a:endParaRPr lang="en-US"/>
           </a:p>
@@ -2576,7 +2576,7 @@
           <a:p>
             <a:fld id="{04546E32-E3FA-419D-B9BB-2B2CFD2DC736}" type="datetime1">
               <a:rPr lang="en-US" smtClean="0"/>
-              <a:t>12/3/2020</a:t>
+              <a:t>12/4/2020</a:t>
             </a:fld>
             <a:endParaRPr lang="en-US"/>
           </a:p>
@@ -2774,7 +2774,7 @@
           <a:p>
             <a:fld id="{ABE13666-0764-414A-85F1-64578663F033}" type="datetime1">
               <a:rPr lang="en-US" smtClean="0"/>
-              <a:t>12/3/2020</a:t>
+              <a:t>12/4/2020</a:t>
             </a:fld>
             <a:endParaRPr lang="en-US"/>
           </a:p>
@@ -2982,7 +2982,7 @@
           <a:p>
             <a:fld id="{DB18FDC8-9765-4FAA-852C-8094A99246E5}" type="datetime1">
               <a:rPr lang="en-US" smtClean="0"/>
-              <a:t>12/3/2020</a:t>
+              <a:t>12/4/2020</a:t>
             </a:fld>
             <a:endParaRPr lang="en-US"/>
           </a:p>
@@ -3180,7 +3180,7 @@
           <a:p>
             <a:fld id="{4C3913D0-A0A9-4D88-8F9B-623F8ABC8E51}" type="datetime1">
               <a:rPr lang="en-US" smtClean="0"/>
-              <a:t>12/3/2020</a:t>
+              <a:t>12/4/2020</a:t>
             </a:fld>
             <a:endParaRPr lang="en-US"/>
           </a:p>
@@ -3455,7 +3455,7 @@
           <a:p>
             <a:fld id="{F39749DE-B476-4AF8-9D9F-ABDC6F77DC35}" type="datetime1">
               <a:rPr lang="en-US" smtClean="0"/>
-              <a:t>12/3/2020</a:t>
+              <a:t>12/4/2020</a:t>
             </a:fld>
             <a:endParaRPr lang="en-US"/>
           </a:p>
@@ -3720,7 +3720,7 @@
           <a:p>
             <a:fld id="{207434AC-5C22-450B-AD11-0C6FE48DEFEC}" type="datetime1">
               <a:rPr lang="en-US" smtClean="0"/>
-              <a:t>12/3/2020</a:t>
+              <a:t>12/4/2020</a:t>
             </a:fld>
             <a:endParaRPr lang="en-US"/>
           </a:p>
@@ -4132,7 +4132,7 @@
           <a:p>
             <a:fld id="{DE1EA934-D589-4CFC-AA0C-CB5BE84CDFC2}" type="datetime1">
               <a:rPr lang="en-US" smtClean="0"/>
-              <a:t>12/3/2020</a:t>
+              <a:t>12/4/2020</a:t>
             </a:fld>
             <a:endParaRPr lang="en-US"/>
           </a:p>
@@ -4273,7 +4273,7 @@
           <a:p>
             <a:fld id="{B5C85264-4ED4-4421-9414-B7F39D816300}" type="datetime1">
               <a:rPr lang="en-US" smtClean="0"/>
-              <a:t>12/3/2020</a:t>
+              <a:t>12/4/2020</a:t>
             </a:fld>
             <a:endParaRPr lang="en-US"/>
           </a:p>
@@ -4386,7 +4386,7 @@
           <a:p>
             <a:fld id="{53B39897-2777-4254-9133-96FD2D064310}" type="datetime1">
               <a:rPr lang="en-US" smtClean="0"/>
-              <a:t>12/3/2020</a:t>
+              <a:t>12/4/2020</a:t>
             </a:fld>
             <a:endParaRPr lang="en-US"/>
           </a:p>
@@ -4697,7 +4697,7 @@
           <a:p>
             <a:fld id="{F8F032F9-754B-4C4E-AA10-697C429DA2A7}" type="datetime1">
               <a:rPr lang="en-US" smtClean="0"/>
-              <a:t>12/3/2020</a:t>
+              <a:t>12/4/2020</a:t>
             </a:fld>
             <a:endParaRPr lang="en-US"/>
           </a:p>
@@ -4985,7 +4985,7 @@
           <a:p>
             <a:fld id="{16A80DDE-3C0C-465E-B56C-17FA1C8DCB66}" type="datetime1">
               <a:rPr lang="en-US" smtClean="0"/>
-              <a:t>12/3/2020</a:t>
+              <a:t>12/4/2020</a:t>
             </a:fld>
             <a:endParaRPr lang="en-US"/>
           </a:p>
@@ -5226,7 +5226,7 @@
           <a:p>
             <a:fld id="{5B64921D-6DD8-478F-862B-D8EFF59AA822}" type="datetime1">
               <a:rPr lang="en-US" smtClean="0"/>
-              <a:t>12/3/2020</a:t>
+              <a:t>12/4/2020</a:t>
             </a:fld>
             <a:endParaRPr lang="en-US"/>
           </a:p>
@@ -5713,7 +5713,7 @@
         </p:spPr>
         <p:txBody>
           <a:bodyPr anchor="t">
-            <a:normAutofit/>
+            <a:normAutofit fontScale="90000"/>
           </a:bodyPr>
           <a:lstStyle/>
           <a:p>
@@ -5733,7 +5733,7 @@
                 <a:latin typeface="Montserrat ExtraBold" panose="00000900000000000000" pitchFamily="50" charset="0"/>
                 <a:cs typeface="Poppins Medium" panose="00000600000000000000" pitchFamily="50" charset="0"/>
               </a:rPr>
-              <a:t>Predicting Delays in EMS arrival</a:t>
+              <a:t>Predicting Response Time in EMS arrival</a:t>
             </a:r>
           </a:p>
         </p:txBody>
@@ -5996,11 +5996,11 @@
   <p:clrMapOvr>
     <a:masterClrMapping/>
   </p:clrMapOvr>
-  <mc:AlternateContent xmlns:mc="http://schemas.openxmlformats.org/markup-compatibility/2006">
-    <mc:Choice xmlns:p14="http://schemas.microsoft.com/office/powerpoint/2010/main" Requires="p14">
+  <mc:AlternateContent xmlns:mc="http://schemas.openxmlformats.org/markup-compatibility/2006" xmlns:p14="http://schemas.microsoft.com/office/powerpoint/2010/main">
+    <mc:Choice Requires="p14">
       <p:transition spd="slow" p14:dur="2000" advTm="20000"/>
     </mc:Choice>
-    <mc:Fallback>
+    <mc:Fallback xmlns="">
       <p:transition spd="slow" advTm="20000"/>
     </mc:Fallback>
   </mc:AlternateContent>
@@ -6578,11 +6578,11 @@
   <p:clrMapOvr>
     <a:masterClrMapping/>
   </p:clrMapOvr>
-  <mc:AlternateContent xmlns:mc="http://schemas.openxmlformats.org/markup-compatibility/2006">
-    <mc:Choice xmlns:p14="http://schemas.microsoft.com/office/powerpoint/2010/main" Requires="p14">
+  <mc:AlternateContent xmlns:mc="http://schemas.openxmlformats.org/markup-compatibility/2006" xmlns:p14="http://schemas.microsoft.com/office/powerpoint/2010/main">
+    <mc:Choice Requires="p14">
       <p:transition spd="slow" p14:dur="2000" advTm="20000"/>
     </mc:Choice>
-    <mc:Fallback>
+    <mc:Fallback xmlns="">
       <p:transition spd="slow" advTm="20000"/>
     </mc:Fallback>
   </mc:AlternateContent>
@@ -7168,11 +7168,11 @@
   <p:clrMapOvr>
     <a:masterClrMapping/>
   </p:clrMapOvr>
-  <mc:AlternateContent xmlns:mc="http://schemas.openxmlformats.org/markup-compatibility/2006">
-    <mc:Choice xmlns:p14="http://schemas.microsoft.com/office/powerpoint/2010/main" Requires="p14">
+  <mc:AlternateContent xmlns:mc="http://schemas.openxmlformats.org/markup-compatibility/2006" xmlns:p14="http://schemas.microsoft.com/office/powerpoint/2010/main">
+    <mc:Choice Requires="p14">
       <p:transition spd="slow" p14:dur="2000" advTm="20000"/>
     </mc:Choice>
-    <mc:Fallback>
+    <mc:Fallback xmlns="">
       <p:transition spd="slow" advTm="20000"/>
     </mc:Fallback>
   </mc:AlternateContent>
@@ -7294,7 +7294,7 @@
         </p:spPr>
         <p:txBody>
           <a:bodyPr vert="horz" lIns="91440" tIns="45720" rIns="91440" bIns="45720" rtlCol="0" anchor="t">
-            <a:normAutofit/>
+            <a:normAutofit fontScale="85000" lnSpcReduction="10000"/>
           </a:bodyPr>
           <a:lstStyle>
             <a:lvl1pPr algn="ctr" defTabSz="914400" rtl="0" eaLnBrk="1" latinLnBrk="0" hangingPunct="1">
@@ -7329,7 +7329,7 @@
                 <a:latin typeface="Montserrat ExtraBold" panose="00000900000000000000" pitchFamily="50" charset="0"/>
                 <a:cs typeface="Poppins Medium" panose="00000600000000000000" pitchFamily="50" charset="0"/>
               </a:rPr>
-              <a:t>Predicting Delays in EMS arrival</a:t>
+              <a:t>Predicting Response Time in EMS arrival</a:t>
             </a:r>
           </a:p>
         </p:txBody>
@@ -7587,11 +7587,11 @@
   <p:clrMapOvr>
     <a:masterClrMapping/>
   </p:clrMapOvr>
-  <mc:AlternateContent xmlns:mc="http://schemas.openxmlformats.org/markup-compatibility/2006">
-    <mc:Choice xmlns:p14="http://schemas.microsoft.com/office/powerpoint/2010/main" Requires="p14">
+  <mc:AlternateContent xmlns:mc="http://schemas.openxmlformats.org/markup-compatibility/2006" xmlns:p14="http://schemas.microsoft.com/office/powerpoint/2010/main">
+    <mc:Choice Requires="p14">
       <p:transition spd="slow" p14:dur="2000" advTm="20000"/>
     </mc:Choice>
-    <mc:Fallback>
+    <mc:Fallback xmlns="">
       <p:transition spd="slow" advTm="20000"/>
     </mc:Fallback>
   </mc:AlternateContent>
@@ -8047,11 +8047,11 @@
   <p:clrMapOvr>
     <a:masterClrMapping/>
   </p:clrMapOvr>
-  <mc:AlternateContent xmlns:mc="http://schemas.openxmlformats.org/markup-compatibility/2006">
-    <mc:Choice xmlns:p14="http://schemas.microsoft.com/office/powerpoint/2010/main" Requires="p14">
+  <mc:AlternateContent xmlns:mc="http://schemas.openxmlformats.org/markup-compatibility/2006" xmlns:p14="http://schemas.microsoft.com/office/powerpoint/2010/main">
+    <mc:Choice Requires="p14">
       <p:transition spd="slow" p14:dur="2000" advTm="20000"/>
     </mc:Choice>
-    <mc:Fallback>
+    <mc:Fallback xmlns="">
       <p:transition spd="slow" advTm="20000"/>
     </mc:Fallback>
   </mc:AlternateContent>
@@ -8409,11 +8409,11 @@
   <p:clrMapOvr>
     <a:masterClrMapping/>
   </p:clrMapOvr>
-  <mc:AlternateContent xmlns:mc="http://schemas.openxmlformats.org/markup-compatibility/2006">
-    <mc:Choice xmlns:p14="http://schemas.microsoft.com/office/powerpoint/2010/main" Requires="p14">
+  <mc:AlternateContent xmlns:mc="http://schemas.openxmlformats.org/markup-compatibility/2006" xmlns:p14="http://schemas.microsoft.com/office/powerpoint/2010/main">
+    <mc:Choice Requires="p14">
       <p:transition spd="slow" p14:dur="2000" advTm="20000"/>
     </mc:Choice>
-    <mc:Fallback>
+    <mc:Fallback xmlns="">
       <p:transition spd="slow" advTm="20000"/>
     </mc:Fallback>
   </mc:AlternateContent>
@@ -8783,7 +8783,7 @@
         <p:spPr>
           <a:xfrm>
             <a:off x="4624747" y="6164039"/>
-            <a:ext cx="1764165" cy="307777"/>
+            <a:ext cx="1764165" cy="523220"/>
           </a:xfrm>
           <a:prstGeom prst="rect">
             <a:avLst/>
@@ -8800,7 +8800,7 @@
               <a:rPr lang="en-US" sz="1400" i="1" dirty="0">
                 <a:latin typeface="+mj-lt"/>
               </a:rPr>
-              <a:t>Get help en route</a:t>
+              <a:t>Get help while waiting</a:t>
             </a:r>
             <a:endParaRPr lang="en-US" sz="1400" i="1" dirty="0"/>
           </a:p>
@@ -8816,11 +8816,11 @@
   <p:clrMapOvr>
     <a:masterClrMapping/>
   </p:clrMapOvr>
-  <mc:AlternateContent xmlns:mc="http://schemas.openxmlformats.org/markup-compatibility/2006">
-    <mc:Choice xmlns:p14="http://schemas.microsoft.com/office/powerpoint/2010/main" Requires="p14">
+  <mc:AlternateContent xmlns:mc="http://schemas.openxmlformats.org/markup-compatibility/2006" xmlns:p14="http://schemas.microsoft.com/office/powerpoint/2010/main">
+    <mc:Choice Requires="p14">
       <p:transition spd="slow" p14:dur="2000" advTm="20000"/>
     </mc:Choice>
-    <mc:Fallback>
+    <mc:Fallback xmlns="">
       <p:transition spd="slow" advTm="20000"/>
     </mc:Fallback>
   </mc:AlternateContent>
@@ -9167,11 +9167,11 @@
   <p:clrMapOvr>
     <a:masterClrMapping/>
   </p:clrMapOvr>
-  <mc:AlternateContent xmlns:mc="http://schemas.openxmlformats.org/markup-compatibility/2006">
-    <mc:Choice xmlns:p14="http://schemas.microsoft.com/office/powerpoint/2010/main" Requires="p14">
+  <mc:AlternateContent xmlns:mc="http://schemas.openxmlformats.org/markup-compatibility/2006" xmlns:p14="http://schemas.microsoft.com/office/powerpoint/2010/main">
+    <mc:Choice Requires="p14">
       <p:transition spd="slow" p14:dur="2000" advTm="20000"/>
     </mc:Choice>
-    <mc:Fallback>
+    <mc:Fallback xmlns="">
       <p:transition spd="slow" advTm="20000"/>
     </mc:Fallback>
   </mc:AlternateContent>
@@ -9940,11 +9940,11 @@
   <p:clrMapOvr>
     <a:masterClrMapping/>
   </p:clrMapOvr>
-  <mc:AlternateContent xmlns:mc="http://schemas.openxmlformats.org/markup-compatibility/2006">
-    <mc:Choice xmlns:p14="http://schemas.microsoft.com/office/powerpoint/2010/main" Requires="p14">
+  <mc:AlternateContent xmlns:mc="http://schemas.openxmlformats.org/markup-compatibility/2006" xmlns:p14="http://schemas.microsoft.com/office/powerpoint/2010/main">
+    <mc:Choice Requires="p14">
       <p:transition spd="slow" p14:dur="2000" advTm="20000"/>
     </mc:Choice>
-    <mc:Fallback>
+    <mc:Fallback xmlns="">
       <p:transition spd="slow" advTm="20000"/>
     </mc:Fallback>
   </mc:AlternateContent>
@@ -10827,11 +10827,11 @@
   <p:clrMapOvr>
     <a:masterClrMapping/>
   </p:clrMapOvr>
-  <mc:AlternateContent xmlns:mc="http://schemas.openxmlformats.org/markup-compatibility/2006">
-    <mc:Choice xmlns:p14="http://schemas.microsoft.com/office/powerpoint/2010/main" Requires="p14">
+  <mc:AlternateContent xmlns:mc="http://schemas.openxmlformats.org/markup-compatibility/2006" xmlns:p14="http://schemas.microsoft.com/office/powerpoint/2010/main">
+    <mc:Choice Requires="p14">
       <p:transition spd="slow" p14:dur="2000" advTm="20000"/>
     </mc:Choice>
-    <mc:Fallback>
+    <mc:Fallback xmlns="">
       <p:transition spd="slow" advTm="20000"/>
     </mc:Fallback>
   </mc:AlternateContent>
@@ -11453,11 +11453,11 @@
   <p:clrMapOvr>
     <a:masterClrMapping/>
   </p:clrMapOvr>
-  <mc:AlternateContent xmlns:mc="http://schemas.openxmlformats.org/markup-compatibility/2006">
-    <mc:Choice xmlns:p14="http://schemas.microsoft.com/office/powerpoint/2010/main" Requires="p14">
+  <mc:AlternateContent xmlns:mc="http://schemas.openxmlformats.org/markup-compatibility/2006" xmlns:p14="http://schemas.microsoft.com/office/powerpoint/2010/main">
+    <mc:Choice Requires="p14">
       <p:transition spd="slow" p14:dur="2000" advTm="20000"/>
     </mc:Choice>
-    <mc:Fallback>
+    <mc:Fallback xmlns="">
       <p:transition spd="slow" advTm="20000"/>
     </mc:Fallback>
   </mc:AlternateContent>
@@ -11998,11 +11998,11 @@
   <p:clrMapOvr>
     <a:masterClrMapping/>
   </p:clrMapOvr>
-  <mc:AlternateContent xmlns:mc="http://schemas.openxmlformats.org/markup-compatibility/2006">
-    <mc:Choice xmlns:p14="http://schemas.microsoft.com/office/powerpoint/2010/main" Requires="p14">
+  <mc:AlternateContent xmlns:mc="http://schemas.openxmlformats.org/markup-compatibility/2006" xmlns:p14="http://schemas.microsoft.com/office/powerpoint/2010/main">
+    <mc:Choice Requires="p14">
       <p:transition spd="slow" p14:dur="2000" advTm="20000"/>
     </mc:Choice>
-    <mc:Fallback>
+    <mc:Fallback xmlns="">
       <p:transition spd="slow" advTm="20000"/>
     </mc:Fallback>
   </mc:AlternateContent>

--- a/Presentation/PechaKucha Presentation.pptx
+++ b/Presentation/PechaKucha Presentation.pptx
@@ -15,10 +15,10 @@
     <p:sldId id="288" r:id="rId6"/>
     <p:sldId id="292" r:id="rId7"/>
     <p:sldId id="290" r:id="rId8"/>
-    <p:sldId id="286" r:id="rId9"/>
-    <p:sldId id="291" r:id="rId10"/>
-    <p:sldId id="293" r:id="rId11"/>
-    <p:sldId id="294" r:id="rId12"/>
+    <p:sldId id="294" r:id="rId9"/>
+    <p:sldId id="286" r:id="rId10"/>
+    <p:sldId id="291" r:id="rId11"/>
+    <p:sldId id="293" r:id="rId12"/>
     <p:sldId id="285" r:id="rId13"/>
   </p:sldIdLst>
   <p:sldSz cx="12192000" cy="6858000"/>
@@ -152,7 +152,7 @@
 <file path=ppt/revisionInfo.xml><?xml version="1.0" encoding="utf-8"?>
 <p1510:revInfo xmlns:a="http://schemas.openxmlformats.org/drawingml/2006/main" xmlns:r="http://schemas.openxmlformats.org/officeDocument/2006/relationships" xmlns:p1510="http://schemas.microsoft.com/office/powerpoint/2015/10/main">
   <p1510:revLst>
-    <p1510:client id="{46F47A16-3D8E-4A33-987A-6D61DFAFDBB9}" v="68" dt="2020-12-04T05:49:14.192"/>
+    <p1510:client id="{46F47A16-3D8E-4A33-987A-6D61DFAFDBB9}" v="92" dt="2020-12-16T03:01:19.393"/>
   </p1510:revLst>
 </p1510:revInfo>
 </file>
@@ -162,12 +162,12 @@
   <pc:docChgLst>
     <pc:chgData name="Al-Jalil" userId="8c65f59ad036e82e" providerId="LiveId" clId="{46F47A16-3D8E-4A33-987A-6D61DFAFDBB9}"/>
     <pc:docChg chg="undo redo custSel addSld delSld modSld sldOrd modShowInfo">
-      <pc:chgData name="Al-Jalil" userId="8c65f59ad036e82e" providerId="LiveId" clId="{46F47A16-3D8E-4A33-987A-6D61DFAFDBB9}" dt="2020-12-04T14:16:31.805" v="7237" actId="27636"/>
+      <pc:chgData name="Al-Jalil" userId="8c65f59ad036e82e" providerId="LiveId" clId="{46F47A16-3D8E-4A33-987A-6D61DFAFDBB9}" dt="2020-12-16T04:27:28.308" v="9106" actId="33524"/>
       <pc:docMkLst>
         <pc:docMk/>
       </pc:docMkLst>
-      <pc:sldChg chg="addSp delSp modSp mod modTransition modNotesTx">
-        <pc:chgData name="Al-Jalil" userId="8c65f59ad036e82e" providerId="LiveId" clId="{46F47A16-3D8E-4A33-987A-6D61DFAFDBB9}" dt="2020-12-04T14:16:15.324" v="7222" actId="20577"/>
+      <pc:sldChg chg="addSp delSp modSp mod modTransition addAnim delAnim modAnim modNotesTx">
+        <pc:chgData name="Al-Jalil" userId="8c65f59ad036e82e" providerId="LiveId" clId="{46F47A16-3D8E-4A33-987A-6D61DFAFDBB9}" dt="2020-12-16T04:27:28.308" v="9106" actId="33524"/>
         <pc:sldMkLst>
           <pc:docMk/>
           <pc:sldMk cId="2906562058" sldId="256"/>
@@ -204,6 +204,62 @@
             <ac:spMk id="7" creationId="{6908FC10-CBD2-423D-AC61-961B5F4910F8}"/>
           </ac:spMkLst>
         </pc:spChg>
+        <pc:picChg chg="add del mod">
+          <ac:chgData name="Al-Jalil" userId="8c65f59ad036e82e" providerId="LiveId" clId="{46F47A16-3D8E-4A33-987A-6D61DFAFDBB9}" dt="2020-12-16T03:45:21.078" v="8767"/>
+          <ac:picMkLst>
+            <pc:docMk/>
+            <pc:sldMk cId="2906562058" sldId="256"/>
+            <ac:picMk id="4" creationId="{5823574A-6DD5-4E80-B3D3-964679D88C11}"/>
+          </ac:picMkLst>
+        </pc:picChg>
+        <pc:picChg chg="add del mod">
+          <ac:chgData name="Al-Jalil" userId="8c65f59ad036e82e" providerId="LiveId" clId="{46F47A16-3D8E-4A33-987A-6D61DFAFDBB9}" dt="2020-12-16T03:47:29.404" v="8769"/>
+          <ac:picMkLst>
+            <pc:docMk/>
+            <pc:sldMk cId="2906562058" sldId="256"/>
+            <ac:picMk id="5" creationId="{52A23D77-B8CC-40F4-B2FE-89DEE9AD1B65}"/>
+          </ac:picMkLst>
+        </pc:picChg>
+        <pc:picChg chg="add del mod">
+          <ac:chgData name="Al-Jalil" userId="8c65f59ad036e82e" providerId="LiveId" clId="{46F47A16-3D8E-4A33-987A-6D61DFAFDBB9}" dt="2020-12-16T03:49:02.784" v="8773"/>
+          <ac:picMkLst>
+            <pc:docMk/>
+            <pc:sldMk cId="2906562058" sldId="256"/>
+            <ac:picMk id="6" creationId="{39334844-5520-422C-BA68-24EB2B1AD908}"/>
+          </ac:picMkLst>
+        </pc:picChg>
+        <pc:picChg chg="add del mod">
+          <ac:chgData name="Al-Jalil" userId="8c65f59ad036e82e" providerId="LiveId" clId="{46F47A16-3D8E-4A33-987A-6D61DFAFDBB9}" dt="2020-12-16T03:49:46.033" v="8775"/>
+          <ac:picMkLst>
+            <pc:docMk/>
+            <pc:sldMk cId="2906562058" sldId="256"/>
+            <ac:picMk id="8" creationId="{1F128927-BBD2-445B-8C5F-234CDDE1BA2D}"/>
+          </ac:picMkLst>
+        </pc:picChg>
+        <pc:picChg chg="add del mod">
+          <ac:chgData name="Al-Jalil" userId="8c65f59ad036e82e" providerId="LiveId" clId="{46F47A16-3D8E-4A33-987A-6D61DFAFDBB9}" dt="2020-12-16T03:51:32.287" v="8783"/>
+          <ac:picMkLst>
+            <pc:docMk/>
+            <pc:sldMk cId="2906562058" sldId="256"/>
+            <ac:picMk id="9" creationId="{8B1C3C54-F10F-497B-B690-E48A96B48460}"/>
+          </ac:picMkLst>
+        </pc:picChg>
+        <pc:picChg chg="add del mod">
+          <ac:chgData name="Al-Jalil" userId="8c65f59ad036e82e" providerId="LiveId" clId="{46F47A16-3D8E-4A33-987A-6D61DFAFDBB9}" dt="2020-12-16T03:55:16.642" v="8791" actId="478"/>
+          <ac:picMkLst>
+            <pc:docMk/>
+            <pc:sldMk cId="2906562058" sldId="256"/>
+            <ac:picMk id="10" creationId="{3CFCB7A6-A62C-49FE-8C7E-77A6E668E1B3}"/>
+          </ac:picMkLst>
+        </pc:picChg>
+        <pc:picChg chg="add del mod">
+          <ac:chgData name="Al-Jalil" userId="8c65f59ad036e82e" providerId="LiveId" clId="{46F47A16-3D8E-4A33-987A-6D61DFAFDBB9}" dt="2020-12-16T04:10:21.309" v="8820" actId="478"/>
+          <ac:picMkLst>
+            <pc:docMk/>
+            <pc:sldMk cId="2906562058" sldId="256"/>
+            <ac:picMk id="11" creationId="{588CF63D-A2B7-4E15-A8FF-4679128A3B5C}"/>
+          </ac:picMkLst>
+        </pc:picChg>
         <pc:picChg chg="add mod">
           <ac:chgData name="Al-Jalil" userId="8c65f59ad036e82e" providerId="LiveId" clId="{46F47A16-3D8E-4A33-987A-6D61DFAFDBB9}" dt="2020-12-04T03:34:19.990" v="2517" actId="1076"/>
           <ac:picMkLst>
@@ -228,8 +284,8 @@
           <pc:sldMk cId="387758553" sldId="258"/>
         </pc:sldMkLst>
       </pc:sldChg>
-      <pc:sldChg chg="addSp delSp modSp mod modTransition modNotesTx">
-        <pc:chgData name="Al-Jalil" userId="8c65f59ad036e82e" providerId="LiveId" clId="{46F47A16-3D8E-4A33-987A-6D61DFAFDBB9}" dt="2020-12-04T04:25:57.067" v="6953" actId="478"/>
+      <pc:sldChg chg="addSp delSp modSp mod modTransition delAnim modAnim modNotesTx">
+        <pc:chgData name="Al-Jalil" userId="8c65f59ad036e82e" providerId="LiveId" clId="{46F47A16-3D8E-4A33-987A-6D61DFAFDBB9}" dt="2020-12-16T04:14:24.407" v="8836" actId="20577"/>
         <pc:sldMkLst>
           <pc:docMk/>
           <pc:sldMk cId="3556934483" sldId="260"/>
@@ -266,12 +322,52 @@
             <ac:spMk id="18" creationId="{4BF983E2-B833-455B-875B-FF2DAD37272A}"/>
           </ac:spMkLst>
         </pc:spChg>
+        <pc:picChg chg="add del mod">
+          <ac:chgData name="Al-Jalil" userId="8c65f59ad036e82e" providerId="LiveId" clId="{46F47A16-3D8E-4A33-987A-6D61DFAFDBB9}" dt="2020-12-16T03:47:29.404" v="8769"/>
+          <ac:picMkLst>
+            <pc:docMk/>
+            <pc:sldMk cId="3556934483" sldId="260"/>
+            <ac:picMk id="2" creationId="{0CA1B3E5-993A-4CA6-AF95-57331F806F76}"/>
+          </ac:picMkLst>
+        </pc:picChg>
+        <pc:picChg chg="add del mod">
+          <ac:chgData name="Al-Jalil" userId="8c65f59ad036e82e" providerId="LiveId" clId="{46F47A16-3D8E-4A33-987A-6D61DFAFDBB9}" dt="2020-12-16T03:58:05.522" v="8794"/>
+          <ac:picMkLst>
+            <pc:docMk/>
+            <pc:sldMk cId="3556934483" sldId="260"/>
+            <ac:picMk id="6" creationId="{1059ABDE-4401-485E-8952-195ED22D46FE}"/>
+          </ac:picMkLst>
+        </pc:picChg>
+        <pc:picChg chg="add del mod">
+          <ac:chgData name="Al-Jalil" userId="8c65f59ad036e82e" providerId="LiveId" clId="{46F47A16-3D8E-4A33-987A-6D61DFAFDBB9}" dt="2020-12-16T03:58:33.601" v="8796"/>
+          <ac:picMkLst>
+            <pc:docMk/>
+            <pc:sldMk cId="3556934483" sldId="260"/>
+            <ac:picMk id="7" creationId="{C545609A-C67D-4531-B9DD-A14656470E3F}"/>
+          </ac:picMkLst>
+        </pc:picChg>
+        <pc:picChg chg="add del mod">
+          <ac:chgData name="Al-Jalil" userId="8c65f59ad036e82e" providerId="LiveId" clId="{46F47A16-3D8E-4A33-987A-6D61DFAFDBB9}" dt="2020-12-16T03:59:03.017" v="8798"/>
+          <ac:picMkLst>
+            <pc:docMk/>
+            <pc:sldMk cId="3556934483" sldId="260"/>
+            <ac:picMk id="8" creationId="{E6E90905-C006-483C-80E8-9988D810B691}"/>
+          </ac:picMkLst>
+        </pc:picChg>
         <pc:picChg chg="add mod">
           <ac:chgData name="Al-Jalil" userId="8c65f59ad036e82e" providerId="LiveId" clId="{46F47A16-3D8E-4A33-987A-6D61DFAFDBB9}" dt="2020-12-04T04:25:53.986" v="6952" actId="1076"/>
           <ac:picMkLst>
             <pc:docMk/>
             <pc:sldMk cId="3556934483" sldId="260"/>
             <ac:picMk id="9" creationId="{5B5D714B-69CC-4F00-B526-098EDC1CEC5B}"/>
+          </ac:picMkLst>
+        </pc:picChg>
+        <pc:picChg chg="add del mod">
+          <ac:chgData name="Al-Jalil" userId="8c65f59ad036e82e" providerId="LiveId" clId="{46F47A16-3D8E-4A33-987A-6D61DFAFDBB9}" dt="2020-12-16T04:10:25.991" v="8822" actId="478"/>
+          <ac:picMkLst>
+            <pc:docMk/>
+            <pc:sldMk cId="3556934483" sldId="260"/>
+            <ac:picMk id="11" creationId="{B65B0138-ECD8-4C96-B6BB-3DDD1F29088A}"/>
           </ac:picMkLst>
         </pc:picChg>
         <pc:picChg chg="del">
@@ -291,7 +387,7 @@
         </pc:sldMkLst>
       </pc:sldChg>
       <pc:sldChg chg="addSp delSp modSp mod modTransition delCm modNotesTx">
-        <pc:chgData name="Al-Jalil" userId="8c65f59ad036e82e" providerId="LiveId" clId="{46F47A16-3D8E-4A33-987A-6D61DFAFDBB9}" dt="2020-12-04T14:16:31.805" v="7237" actId="27636"/>
+        <pc:chgData name="Al-Jalil" userId="8c65f59ad036e82e" providerId="LiveId" clId="{46F47A16-3D8E-4A33-987A-6D61DFAFDBB9}" dt="2020-12-16T04:26:08.408" v="8917" actId="6549"/>
         <pc:sldMkLst>
           <pc:docMk/>
           <pc:sldMk cId="2284628993" sldId="285"/>
@@ -418,7 +514,7 @@
         </pc:picChg>
       </pc:sldChg>
       <pc:sldChg chg="addSp delSp modSp mod ord modTransition modNotesTx">
-        <pc:chgData name="Al-Jalil" userId="8c65f59ad036e82e" providerId="LiveId" clId="{46F47A16-3D8E-4A33-987A-6D61DFAFDBB9}" dt="2020-12-04T04:00:19.881" v="5047" actId="20577"/>
+        <pc:chgData name="Al-Jalil" userId="8c65f59ad036e82e" providerId="LiveId" clId="{46F47A16-3D8E-4A33-987A-6D61DFAFDBB9}" dt="2020-12-16T04:27:09.822" v="9105" actId="20577"/>
         <pc:sldMkLst>
           <pc:docMk/>
           <pc:sldMk cId="3370131045" sldId="286"/>
@@ -432,7 +528,7 @@
           </ac:spMkLst>
         </pc:spChg>
         <pc:spChg chg="add mod">
-          <ac:chgData name="Al-Jalil" userId="8c65f59ad036e82e" providerId="LiveId" clId="{46F47A16-3D8E-4A33-987A-6D61DFAFDBB9}" dt="2020-12-04T03:51:55.315" v="4397" actId="20577"/>
+          <ac:chgData name="Al-Jalil" userId="8c65f59ad036e82e" providerId="LiveId" clId="{46F47A16-3D8E-4A33-987A-6D61DFAFDBB9}" dt="2020-12-16T03:24:19.195" v="7987" actId="207"/>
           <ac:spMkLst>
             <pc:docMk/>
             <pc:sldMk cId="3370131045" sldId="286"/>
@@ -536,8 +632,8 @@
           </ac:picMkLst>
         </pc:picChg>
       </pc:sldChg>
-      <pc:sldChg chg="addSp delSp modSp mod modTransition modNotesTx">
-        <pc:chgData name="Al-Jalil" userId="8c65f59ad036e82e" providerId="LiveId" clId="{46F47A16-3D8E-4A33-987A-6D61DFAFDBB9}" dt="2020-12-04T05:56:48.807" v="7204" actId="20577"/>
+      <pc:sldChg chg="addSp delSp modSp mod modTransition delAnim modNotesTx">
+        <pc:chgData name="Al-Jalil" userId="8c65f59ad036e82e" providerId="LiveId" clId="{46F47A16-3D8E-4A33-987A-6D61DFAFDBB9}" dt="2020-12-16T04:16:38.149" v="8864" actId="20577"/>
         <pc:sldMkLst>
           <pc:docMk/>
           <pc:sldMk cId="4103562706" sldId="287"/>
@@ -598,12 +694,28 @@
             <ac:spMk id="15" creationId="{7FF63FD1-D597-49C0-A33B-93083714C447}"/>
           </ac:spMkLst>
         </pc:spChg>
+        <pc:picChg chg="add del mod">
+          <ac:chgData name="Al-Jalil" userId="8c65f59ad036e82e" providerId="LiveId" clId="{46F47A16-3D8E-4A33-987A-6D61DFAFDBB9}" dt="2020-12-16T04:01:35.109" v="8802"/>
+          <ac:picMkLst>
+            <pc:docMk/>
+            <pc:sldMk cId="4103562706" sldId="287"/>
+            <ac:picMk id="2" creationId="{4FB6856C-EFE0-4F2A-8300-E3B037D9AEFE}"/>
+          </ac:picMkLst>
+        </pc:picChg>
         <pc:picChg chg="add mod">
           <ac:chgData name="Al-Jalil" userId="8c65f59ad036e82e" providerId="LiveId" clId="{46F47A16-3D8E-4A33-987A-6D61DFAFDBB9}" dt="2020-12-04T05:42:18.450" v="6995" actId="14100"/>
           <ac:picMkLst>
             <pc:docMk/>
             <pc:sldMk cId="4103562706" sldId="287"/>
             <ac:picMk id="5" creationId="{4884F2C3-1C6C-4CEB-A665-A9C8997842DB}"/>
+          </ac:picMkLst>
+        </pc:picChg>
+        <pc:picChg chg="add del mod">
+          <ac:chgData name="Al-Jalil" userId="8c65f59ad036e82e" providerId="LiveId" clId="{46F47A16-3D8E-4A33-987A-6D61DFAFDBB9}" dt="2020-12-16T04:01:55.884" v="8803"/>
+          <ac:picMkLst>
+            <pc:docMk/>
+            <pc:sldMk cId="4103562706" sldId="287"/>
+            <ac:picMk id="6" creationId="{0DD7F30E-4553-4970-9AC1-40B331FEAAE4}"/>
           </ac:picMkLst>
         </pc:picChg>
         <pc:picChg chg="add del mod ord">
@@ -623,11 +735,27 @@
           </ac:picMkLst>
         </pc:picChg>
         <pc:picChg chg="add del mod">
+          <ac:chgData name="Al-Jalil" userId="8c65f59ad036e82e" providerId="LiveId" clId="{46F47A16-3D8E-4A33-987A-6D61DFAFDBB9}" dt="2020-12-16T04:02:33.136" v="8804"/>
+          <ac:picMkLst>
+            <pc:docMk/>
+            <pc:sldMk cId="4103562706" sldId="287"/>
+            <ac:picMk id="8" creationId="{188E9268-F11C-4E39-A3C4-E916E09ABF4C}"/>
+          </ac:picMkLst>
+        </pc:picChg>
+        <pc:picChg chg="add del mod">
           <ac:chgData name="Al-Jalil" userId="8c65f59ad036e82e" providerId="LiveId" clId="{46F47A16-3D8E-4A33-987A-6D61DFAFDBB9}" dt="2020-12-04T05:41:30.831" v="6982" actId="478"/>
           <ac:picMkLst>
             <pc:docMk/>
             <pc:sldMk cId="4103562706" sldId="287"/>
             <ac:picMk id="8" creationId="{F700FB03-F2CC-4B23-8796-A9C5117A5A99}"/>
+          </ac:picMkLst>
+        </pc:picChg>
+        <pc:picChg chg="add del mod">
+          <ac:chgData name="Al-Jalil" userId="8c65f59ad036e82e" providerId="LiveId" clId="{46F47A16-3D8E-4A33-987A-6D61DFAFDBB9}" dt="2020-12-16T04:10:32.329" v="8824" actId="478"/>
+          <ac:picMkLst>
+            <pc:docMk/>
+            <pc:sldMk cId="4103562706" sldId="287"/>
+            <ac:picMk id="9" creationId="{54F48713-04FB-4799-A698-2EE3891A5859}"/>
           </ac:picMkLst>
         </pc:picChg>
         <pc:picChg chg="add del mod">
@@ -654,14 +782,14 @@
           </ac:spMkLst>
         </pc:spChg>
       </pc:sldChg>
-      <pc:sldChg chg="addSp delSp modSp add mod modTransition modNotesTx">
-        <pc:chgData name="Al-Jalil" userId="8c65f59ad036e82e" providerId="LiveId" clId="{46F47A16-3D8E-4A33-987A-6D61DFAFDBB9}" dt="2020-12-04T05:43:47.177" v="7008" actId="1076"/>
+      <pc:sldChg chg="addSp delSp modSp add mod modTransition delAnim modNotesTx">
+        <pc:chgData name="Al-Jalil" userId="8c65f59ad036e82e" providerId="LiveId" clId="{46F47A16-3D8E-4A33-987A-6D61DFAFDBB9}" dt="2020-12-16T04:17:26.185" v="8873" actId="20577"/>
         <pc:sldMkLst>
           <pc:docMk/>
           <pc:sldMk cId="3886794796" sldId="288"/>
         </pc:sldMkLst>
-        <pc:spChg chg="add mod">
-          <ac:chgData name="Al-Jalil" userId="8c65f59ad036e82e" providerId="LiveId" clId="{46F47A16-3D8E-4A33-987A-6D61DFAFDBB9}" dt="2020-12-04T03:47:10.290" v="3881" actId="14100"/>
+        <pc:spChg chg="add del mod">
+          <ac:chgData name="Al-Jalil" userId="8c65f59ad036e82e" providerId="LiveId" clId="{46F47A16-3D8E-4A33-987A-6D61DFAFDBB9}" dt="2020-12-16T02:59:27.407" v="7312" actId="478"/>
           <ac:spMkLst>
             <pc:docMk/>
             <pc:sldMk cId="3886794796" sldId="288"/>
@@ -669,19 +797,43 @@
           </ac:spMkLst>
         </pc:spChg>
         <pc:spChg chg="mod">
-          <ac:chgData name="Al-Jalil" userId="8c65f59ad036e82e" providerId="LiveId" clId="{46F47A16-3D8E-4A33-987A-6D61DFAFDBB9}" dt="2020-12-04T01:53:17.724" v="1055" actId="1035"/>
+          <ac:chgData name="Al-Jalil" userId="8c65f59ad036e82e" providerId="LiveId" clId="{46F47A16-3D8E-4A33-987A-6D61DFAFDBB9}" dt="2020-12-16T03:00:04.391" v="7416" actId="1036"/>
           <ac:spMkLst>
             <pc:docMk/>
             <pc:sldMk cId="3886794796" sldId="288"/>
             <ac:spMk id="4" creationId="{5123CD5C-1F38-4C80-985E-56589B3D5238}"/>
           </ac:spMkLst>
         </pc:spChg>
-        <pc:spChg chg="add mod">
-          <ac:chgData name="Al-Jalil" userId="8c65f59ad036e82e" providerId="LiveId" clId="{46F47A16-3D8E-4A33-987A-6D61DFAFDBB9}" dt="2020-12-04T03:48:05.065" v="3911" actId="14100"/>
+        <pc:spChg chg="add del mod">
+          <ac:chgData name="Al-Jalil" userId="8c65f59ad036e82e" providerId="LiveId" clId="{46F47A16-3D8E-4A33-987A-6D61DFAFDBB9}" dt="2020-12-16T03:01:25.933" v="7419"/>
+          <ac:spMkLst>
+            <pc:docMk/>
+            <pc:sldMk cId="3886794796" sldId="288"/>
+            <ac:spMk id="5" creationId="{9FCC4D79-18C4-4BAF-BBA4-210F0D3FC84D}"/>
+          </ac:spMkLst>
+        </pc:spChg>
+        <pc:spChg chg="add del mod">
+          <ac:chgData name="Al-Jalil" userId="8c65f59ad036e82e" providerId="LiveId" clId="{46F47A16-3D8E-4A33-987A-6D61DFAFDBB9}" dt="2020-12-16T02:59:24.970" v="7311" actId="478"/>
           <ac:spMkLst>
             <pc:docMk/>
             <pc:sldMk cId="3886794796" sldId="288"/>
             <ac:spMk id="6" creationId="{64659968-A9D2-487D-94D5-BFEF06E6E9E6}"/>
+          </ac:spMkLst>
+        </pc:spChg>
+        <pc:spChg chg="add mod">
+          <ac:chgData name="Al-Jalil" userId="8c65f59ad036e82e" providerId="LiveId" clId="{46F47A16-3D8E-4A33-987A-6D61DFAFDBB9}" dt="2020-12-16T03:03:49.818" v="7461" actId="207"/>
+          <ac:spMkLst>
+            <pc:docMk/>
+            <pc:sldMk cId="3886794796" sldId="288"/>
+            <ac:spMk id="8" creationId="{E28F1761-240D-4E32-9E11-13514C7B3C07}"/>
+          </ac:spMkLst>
+        </pc:spChg>
+        <pc:spChg chg="add mod">
+          <ac:chgData name="Al-Jalil" userId="8c65f59ad036e82e" providerId="LiveId" clId="{46F47A16-3D8E-4A33-987A-6D61DFAFDBB9}" dt="2020-12-16T03:15:31.791" v="7652" actId="207"/>
+          <ac:spMkLst>
+            <pc:docMk/>
+            <pc:sldMk cId="3886794796" sldId="288"/>
+            <ac:spMk id="13" creationId="{A6AD0115-3642-4B4E-8834-CAED7AE759F6}"/>
           </ac:spMkLst>
         </pc:spChg>
         <pc:picChg chg="add del mod">
@@ -692,8 +844,8 @@
             <ac:picMk id="5" creationId="{BAC25EA8-7778-4898-8B6B-3335DD758194}"/>
           </ac:picMkLst>
         </pc:picChg>
-        <pc:picChg chg="add mod">
-          <ac:chgData name="Al-Jalil" userId="8c65f59ad036e82e" providerId="LiveId" clId="{46F47A16-3D8E-4A33-987A-6D61DFAFDBB9}" dt="2020-12-04T01:29:12.133" v="743" actId="1076"/>
+        <pc:picChg chg="add del mod">
+          <ac:chgData name="Al-Jalil" userId="8c65f59ad036e82e" providerId="LiveId" clId="{46F47A16-3D8E-4A33-987A-6D61DFAFDBB9}" dt="2020-12-16T02:59:23.008" v="7310" actId="478"/>
           <ac:picMkLst>
             <pc:docMk/>
             <pc:sldMk cId="3886794796" sldId="288"/>
@@ -709,20 +861,68 @@
           </ac:picMkLst>
         </pc:picChg>
         <pc:picChg chg="add mod modCrop">
-          <ac:chgData name="Al-Jalil" userId="8c65f59ad036e82e" providerId="LiveId" clId="{46F47A16-3D8E-4A33-987A-6D61DFAFDBB9}" dt="2020-12-04T05:43:47.177" v="7008" actId="1076"/>
+          <ac:chgData name="Al-Jalil" userId="8c65f59ad036e82e" providerId="LiveId" clId="{46F47A16-3D8E-4A33-987A-6D61DFAFDBB9}" dt="2020-12-16T03:00:04.391" v="7416" actId="1036"/>
           <ac:picMkLst>
             <pc:docMk/>
             <pc:sldMk cId="3886794796" sldId="288"/>
             <ac:picMk id="9" creationId="{2FFF7953-0BAC-4E67-9EA3-4A8B9594C8BC}"/>
           </ac:picMkLst>
         </pc:picChg>
+        <pc:picChg chg="add del mod">
+          <ac:chgData name="Al-Jalil" userId="8c65f59ad036e82e" providerId="LiveId" clId="{46F47A16-3D8E-4A33-987A-6D61DFAFDBB9}" dt="2020-12-16T04:04:10.964" v="8806"/>
+          <ac:picMkLst>
+            <pc:docMk/>
+            <pc:sldMk cId="3886794796" sldId="288"/>
+            <ac:picMk id="11" creationId="{A4C531A7-F7E6-4189-8A25-7AC4568A04EC}"/>
+          </ac:picMkLst>
+        </pc:picChg>
+        <pc:picChg chg="add del mod">
+          <ac:chgData name="Al-Jalil" userId="8c65f59ad036e82e" providerId="LiveId" clId="{46F47A16-3D8E-4A33-987A-6D61DFAFDBB9}" dt="2020-12-16T04:04:44.742" v="8807"/>
+          <ac:picMkLst>
+            <pc:docMk/>
+            <pc:sldMk cId="3886794796" sldId="288"/>
+            <ac:picMk id="12" creationId="{B4EF0E8B-500A-4258-B440-AF4DF481CBD3}"/>
+          </ac:picMkLst>
+        </pc:picChg>
+        <pc:picChg chg="add del mod">
+          <ac:chgData name="Al-Jalil" userId="8c65f59ad036e82e" providerId="LiveId" clId="{46F47A16-3D8E-4A33-987A-6D61DFAFDBB9}" dt="2020-12-16T04:10:34.826" v="8825" actId="478"/>
+          <ac:picMkLst>
+            <pc:docMk/>
+            <pc:sldMk cId="3886794796" sldId="288"/>
+            <ac:picMk id="14" creationId="{88A03A2A-0CAC-4332-BD94-87BE79B4591E}"/>
+          </ac:picMkLst>
+        </pc:picChg>
+        <pc:picChg chg="add del mod">
+          <ac:chgData name="Al-Jalil" userId="8c65f59ad036e82e" providerId="LiveId" clId="{46F47A16-3D8E-4A33-987A-6D61DFAFDBB9}" dt="2020-12-16T02:59:17.554" v="7307"/>
+          <ac:picMkLst>
+            <pc:docMk/>
+            <pc:sldMk cId="3886794796" sldId="288"/>
+            <ac:picMk id="2050" creationId="{E2EF5434-B8FC-46E6-811C-114C1567363C}"/>
+          </ac:picMkLst>
+        </pc:picChg>
+        <pc:picChg chg="add mod">
+          <ac:chgData name="Al-Jalil" userId="8c65f59ad036e82e" providerId="LiveId" clId="{46F47A16-3D8E-4A33-987A-6D61DFAFDBB9}" dt="2020-12-16T02:59:46.299" v="7316" actId="14100"/>
+          <ac:picMkLst>
+            <pc:docMk/>
+            <pc:sldMk cId="3886794796" sldId="288"/>
+            <ac:picMk id="2052" creationId="{5F46FF8F-3714-4BF4-9D60-3DAE6B965050}"/>
+          </ac:picMkLst>
+        </pc:picChg>
       </pc:sldChg>
-      <pc:sldChg chg="modSp add mod modTransition modNotesTx">
-        <pc:chgData name="Al-Jalil" userId="8c65f59ad036e82e" providerId="LiveId" clId="{46F47A16-3D8E-4A33-987A-6D61DFAFDBB9}" dt="2020-12-04T04:26:15.286" v="6960" actId="1076"/>
+      <pc:sldChg chg="addSp delSp modSp add mod modTransition delAnim modNotesTx">
+        <pc:chgData name="Al-Jalil" userId="8c65f59ad036e82e" providerId="LiveId" clId="{46F47A16-3D8E-4A33-987A-6D61DFAFDBB9}" dt="2020-12-16T04:14:38.855" v="8849" actId="20577"/>
         <pc:sldMkLst>
           <pc:docMk/>
           <pc:sldMk cId="550646697" sldId="289"/>
         </pc:sldMkLst>
+        <pc:picChg chg="add del mod">
+          <ac:chgData name="Al-Jalil" userId="8c65f59ad036e82e" providerId="LiveId" clId="{46F47A16-3D8E-4A33-987A-6D61DFAFDBB9}" dt="2020-12-16T04:10:30.245" v="8823" actId="478"/>
+          <ac:picMkLst>
+            <pc:docMk/>
+            <pc:sldMk cId="550646697" sldId="289"/>
+            <ac:picMk id="2" creationId="{A98FA3CC-A653-44A1-80C4-BA4493D7F44A}"/>
+          </ac:picMkLst>
+        </pc:picChg>
         <pc:picChg chg="mod">
           <ac:chgData name="Al-Jalil" userId="8c65f59ad036e82e" providerId="LiveId" clId="{46F47A16-3D8E-4A33-987A-6D61DFAFDBB9}" dt="2020-12-04T04:26:06.656" v="6957" actId="1076"/>
           <ac:picMkLst>
@@ -757,7 +957,7 @@
         </pc:picChg>
       </pc:sldChg>
       <pc:sldChg chg="addSp modSp add mod ord modTransition modNotesTx">
-        <pc:chgData name="Al-Jalil" userId="8c65f59ad036e82e" providerId="LiveId" clId="{46F47A16-3D8E-4A33-987A-6D61DFAFDBB9}" dt="2020-12-04T03:50:05.974" v="4272" actId="313"/>
+        <pc:chgData name="Al-Jalil" userId="8c65f59ad036e82e" providerId="LiveId" clId="{46F47A16-3D8E-4A33-987A-6D61DFAFDBB9}" dt="2020-12-16T04:12:57.612" v="8827"/>
         <pc:sldMkLst>
           <pc:docMk/>
           <pc:sldMk cId="3761952044" sldId="290"/>
@@ -771,7 +971,7 @@
           </ac:spMkLst>
         </pc:spChg>
         <pc:spChg chg="add mod">
-          <ac:chgData name="Al-Jalil" userId="8c65f59ad036e82e" providerId="LiveId" clId="{46F47A16-3D8E-4A33-987A-6D61DFAFDBB9}" dt="2020-12-04T02:35:54.360" v="1894" actId="20577"/>
+          <ac:chgData name="Al-Jalil" userId="8c65f59ad036e82e" providerId="LiveId" clId="{46F47A16-3D8E-4A33-987A-6D61DFAFDBB9}" dt="2020-12-16T03:19:02.487" v="7829" actId="207"/>
           <ac:spMkLst>
             <pc:docMk/>
             <pc:sldMk cId="3761952044" sldId="290"/>
@@ -804,7 +1004,7 @@
         </pc:picChg>
       </pc:sldChg>
       <pc:sldChg chg="addSp delSp modSp add mod ord modTransition modNotesTx">
-        <pc:chgData name="Al-Jalil" userId="8c65f59ad036e82e" providerId="LiveId" clId="{46F47A16-3D8E-4A33-987A-6D61DFAFDBB9}" dt="2020-12-04T04:23:46.869" v="6695" actId="20577"/>
+        <pc:chgData name="Al-Jalil" userId="8c65f59ad036e82e" providerId="LiveId" clId="{46F47A16-3D8E-4A33-987A-6D61DFAFDBB9}" dt="2020-12-16T04:12:57.612" v="8827"/>
         <pc:sldMkLst>
           <pc:docMk/>
           <pc:sldMk cId="4260596392" sldId="291"/>
@@ -826,7 +1026,7 @@
           </ac:spMkLst>
         </pc:spChg>
         <pc:spChg chg="add mod">
-          <ac:chgData name="Al-Jalil" userId="8c65f59ad036e82e" providerId="LiveId" clId="{46F47A16-3D8E-4A33-987A-6D61DFAFDBB9}" dt="2020-12-04T03:54:11.874" v="4622" actId="20577"/>
+          <ac:chgData name="Al-Jalil" userId="8c65f59ad036e82e" providerId="LiveId" clId="{46F47A16-3D8E-4A33-987A-6D61DFAFDBB9}" dt="2020-12-16T03:24:24.642" v="7988" actId="207"/>
           <ac:spMkLst>
             <pc:docMk/>
             <pc:sldMk cId="4260596392" sldId="291"/>
@@ -850,8 +1050,8 @@
           </ac:picMkLst>
         </pc:picChg>
       </pc:sldChg>
-      <pc:sldChg chg="addSp delSp modSp add mod ord modTransition modNotesTx">
-        <pc:chgData name="Al-Jalil" userId="8c65f59ad036e82e" providerId="LiveId" clId="{46F47A16-3D8E-4A33-987A-6D61DFAFDBB9}" dt="2020-12-04T04:05:53.704" v="5477" actId="20577"/>
+      <pc:sldChg chg="addSp delSp modSp add mod ord modTransition delAnim modNotesTx">
+        <pc:chgData name="Al-Jalil" userId="8c65f59ad036e82e" providerId="LiveId" clId="{46F47A16-3D8E-4A33-987A-6D61DFAFDBB9}" dt="2020-12-16T04:12:57.612" v="8827"/>
         <pc:sldMkLst>
           <pc:docMk/>
           <pc:sldMk cId="515045529" sldId="292"/>
@@ -881,7 +1081,7 @@
           </ac:spMkLst>
         </pc:spChg>
         <pc:spChg chg="add mod">
-          <ac:chgData name="Al-Jalil" userId="8c65f59ad036e82e" providerId="LiveId" clId="{46F47A16-3D8E-4A33-987A-6D61DFAFDBB9}" dt="2020-12-04T04:02:58.399" v="5149" actId="207"/>
+          <ac:chgData name="Al-Jalil" userId="8c65f59ad036e82e" providerId="LiveId" clId="{46F47A16-3D8E-4A33-987A-6D61DFAFDBB9}" dt="2020-12-16T03:19:08.736" v="7830" actId="207"/>
           <ac:spMkLst>
             <pc:docMk/>
             <pc:sldMk cId="515045529" sldId="292"/>
@@ -904,6 +1104,14 @@
             <ac:spMk id="13" creationId="{EE7110EC-C7E7-4204-9D95-6C393EF64B03}"/>
           </ac:spMkLst>
         </pc:spChg>
+        <pc:picChg chg="add del mod">
+          <ac:chgData name="Al-Jalil" userId="8c65f59ad036e82e" providerId="LiveId" clId="{46F47A16-3D8E-4A33-987A-6D61DFAFDBB9}" dt="2020-12-16T04:06:19.585" v="8809"/>
+          <ac:picMkLst>
+            <pc:docMk/>
+            <pc:sldMk cId="515045529" sldId="292"/>
+            <ac:picMk id="2" creationId="{372698D5-FBAD-4AF5-A4AB-53B6281BC4D4}"/>
+          </ac:picMkLst>
+        </pc:picChg>
         <pc:picChg chg="add mod">
           <ac:chgData name="Al-Jalil" userId="8c65f59ad036e82e" providerId="LiveId" clId="{46F47A16-3D8E-4A33-987A-6D61DFAFDBB9}" dt="2020-12-04T02:32:22.127" v="1775" actId="1076"/>
           <ac:picMkLst>
@@ -920,27 +1128,75 @@
             <ac:picMk id="6" creationId="{2B9705FA-DB3A-46DA-87BE-FAA827ADE030}"/>
           </ac:picMkLst>
         </pc:picChg>
+        <pc:picChg chg="add del mod">
+          <ac:chgData name="Al-Jalil" userId="8c65f59ad036e82e" providerId="LiveId" clId="{46F47A16-3D8E-4A33-987A-6D61DFAFDBB9}" dt="2020-12-16T04:06:53.774" v="8810"/>
+          <ac:picMkLst>
+            <pc:docMk/>
+            <pc:sldMk cId="515045529" sldId="292"/>
+            <ac:picMk id="6" creationId="{88213E69-24C4-48DB-B074-11DDEB10CA4D}"/>
+          </ac:picMkLst>
+        </pc:picChg>
+        <pc:picChg chg="add del mod">
+          <ac:chgData name="Al-Jalil" userId="8c65f59ad036e82e" providerId="LiveId" clId="{46F47A16-3D8E-4A33-987A-6D61DFAFDBB9}" dt="2020-12-16T04:10:36.866" v="8826" actId="478"/>
+          <ac:picMkLst>
+            <pc:docMk/>
+            <pc:sldMk cId="515045529" sldId="292"/>
+            <ac:picMk id="13" creationId="{14EC4255-593A-47A8-AD8A-8F48BF0ED494}"/>
+          </ac:picMkLst>
+        </pc:picChg>
       </pc:sldChg>
       <pc:sldChg chg="addSp delSp modSp add mod modTransition modNotesTx">
-        <pc:chgData name="Al-Jalil" userId="8c65f59ad036e82e" providerId="LiveId" clId="{46F47A16-3D8E-4A33-987A-6D61DFAFDBB9}" dt="2020-12-04T04:08:03.759" v="5750" actId="20577"/>
+        <pc:chgData name="Al-Jalil" userId="8c65f59ad036e82e" providerId="LiveId" clId="{46F47A16-3D8E-4A33-987A-6D61DFAFDBB9}" dt="2020-12-16T04:12:57.612" v="8827"/>
         <pc:sldMkLst>
           <pc:docMk/>
           <pc:sldMk cId="60344550" sldId="293"/>
         </pc:sldMkLst>
         <pc:spChg chg="mod">
-          <ac:chgData name="Al-Jalil" userId="8c65f59ad036e82e" providerId="LiveId" clId="{46F47A16-3D8E-4A33-987A-6D61DFAFDBB9}" dt="2020-12-04T01:50:25.249" v="983" actId="20577"/>
+          <ac:chgData name="Al-Jalil" userId="8c65f59ad036e82e" providerId="LiveId" clId="{46F47A16-3D8E-4A33-987A-6D61DFAFDBB9}" dt="2020-12-16T03:26:28.686" v="8035" actId="1076"/>
           <ac:spMkLst>
             <pc:docMk/>
             <pc:sldMk cId="60344550" sldId="293"/>
             <ac:spMk id="9" creationId="{E7C2CDCA-1734-48A0-A313-55883F4A0C54}"/>
           </ac:spMkLst>
         </pc:spChg>
-        <pc:spChg chg="add mod">
-          <ac:chgData name="Al-Jalil" userId="8c65f59ad036e82e" providerId="LiveId" clId="{46F47A16-3D8E-4A33-987A-6D61DFAFDBB9}" dt="2020-12-04T02:36:42.293" v="1903" actId="1076"/>
+        <pc:spChg chg="add mod ord">
+          <ac:chgData name="Al-Jalil" userId="8c65f59ad036e82e" providerId="LiveId" clId="{46F47A16-3D8E-4A33-987A-6D61DFAFDBB9}" dt="2020-12-16T03:27:34.933" v="8072" actId="1076"/>
           <ac:spMkLst>
             <pc:docMk/>
             <pc:sldMk cId="60344550" sldId="293"/>
             <ac:spMk id="11" creationId="{4702D3E5-2CC5-4F45-8D53-5FC3533598F9}"/>
+          </ac:spMkLst>
+        </pc:spChg>
+        <pc:spChg chg="add mod">
+          <ac:chgData name="Al-Jalil" userId="8c65f59ad036e82e" providerId="LiveId" clId="{46F47A16-3D8E-4A33-987A-6D61DFAFDBB9}" dt="2020-12-16T03:32:39.129" v="8327" actId="1035"/>
+          <ac:spMkLst>
+            <pc:docMk/>
+            <pc:sldMk cId="60344550" sldId="293"/>
+            <ac:spMk id="12" creationId="{2B471A17-9FC9-4D68-BA08-19D1746529B7}"/>
+          </ac:spMkLst>
+        </pc:spChg>
+        <pc:spChg chg="add mod">
+          <ac:chgData name="Al-Jalil" userId="8c65f59ad036e82e" providerId="LiveId" clId="{46F47A16-3D8E-4A33-987A-6D61DFAFDBB9}" dt="2020-12-16T03:31:18.985" v="8174" actId="207"/>
+          <ac:spMkLst>
+            <pc:docMk/>
+            <pc:sldMk cId="60344550" sldId="293"/>
+            <ac:spMk id="14" creationId="{E544F22A-D06D-4CB9-B237-8A5CD4F10F5D}"/>
+          </ac:spMkLst>
+        </pc:spChg>
+        <pc:spChg chg="add mod">
+          <ac:chgData name="Al-Jalil" userId="8c65f59ad036e82e" providerId="LiveId" clId="{46F47A16-3D8E-4A33-987A-6D61DFAFDBB9}" dt="2020-12-16T03:31:23.422" v="8175" actId="207"/>
+          <ac:spMkLst>
+            <pc:docMk/>
+            <pc:sldMk cId="60344550" sldId="293"/>
+            <ac:spMk id="15" creationId="{B61B121D-CE75-403E-80CA-D90FB2DB910E}"/>
+          </ac:spMkLst>
+        </pc:spChg>
+        <pc:spChg chg="add del mod">
+          <ac:chgData name="Al-Jalil" userId="8c65f59ad036e82e" providerId="LiveId" clId="{46F47A16-3D8E-4A33-987A-6D61DFAFDBB9}" dt="2020-12-16T03:30:30.244" v="8146" actId="478"/>
+          <ac:spMkLst>
+            <pc:docMk/>
+            <pc:sldMk cId="60344550" sldId="293"/>
+            <ac:spMk id="16" creationId="{11EC6DAD-B3D9-4172-9389-01D8FDA68176}"/>
           </ac:spMkLst>
         </pc:spChg>
         <pc:picChg chg="del">
@@ -951,43 +1207,91 @@
             <ac:picMk id="5" creationId="{600F4778-7BD2-4200-B3FD-129086E94867}"/>
           </ac:picMkLst>
         </pc:picChg>
-        <pc:picChg chg="add mod">
-          <ac:chgData name="Al-Jalil" userId="8c65f59ad036e82e" providerId="LiveId" clId="{46F47A16-3D8E-4A33-987A-6D61DFAFDBB9}" dt="2020-12-04T01:53:02.614" v="1016" actId="14100"/>
+        <pc:picChg chg="add del mod">
+          <ac:chgData name="Al-Jalil" userId="8c65f59ad036e82e" providerId="LiveId" clId="{46F47A16-3D8E-4A33-987A-6D61DFAFDBB9}" dt="2020-12-16T02:49:43.231" v="7240" actId="478"/>
           <ac:picMkLst>
             <pc:docMk/>
             <pc:sldMk cId="60344550" sldId="293"/>
             <ac:picMk id="6" creationId="{B6993E72-3422-4DA7-8547-AECBA1F65729}"/>
           </ac:picMkLst>
         </pc:picChg>
-        <pc:picChg chg="add mod">
-          <ac:chgData name="Al-Jalil" userId="8c65f59ad036e82e" providerId="LiveId" clId="{46F47A16-3D8E-4A33-987A-6D61DFAFDBB9}" dt="2020-12-04T04:06:16.874" v="5479" actId="1076"/>
+        <pc:picChg chg="add del mod">
+          <ac:chgData name="Al-Jalil" userId="8c65f59ad036e82e" providerId="LiveId" clId="{46F47A16-3D8E-4A33-987A-6D61DFAFDBB9}" dt="2020-12-16T02:49:46.962" v="7241" actId="478"/>
           <ac:picMkLst>
             <pc:docMk/>
             <pc:sldMk cId="60344550" sldId="293"/>
             <ac:picMk id="8" creationId="{78E35CB0-39FD-4B29-A15C-9AF5829EF61A}"/>
           </ac:picMkLst>
         </pc:picChg>
+        <pc:picChg chg="add mod">
+          <ac:chgData name="Al-Jalil" userId="8c65f59ad036e82e" providerId="LiveId" clId="{46F47A16-3D8E-4A33-987A-6D61DFAFDBB9}" dt="2020-12-16T03:27:19.297" v="8069" actId="1035"/>
+          <ac:picMkLst>
+            <pc:docMk/>
+            <pc:sldMk cId="60344550" sldId="293"/>
+            <ac:picMk id="13" creationId="{72D6F9C5-71EC-46E1-88DA-E594970E4687}"/>
+          </ac:picMkLst>
+        </pc:picChg>
+        <pc:picChg chg="add mod">
+          <ac:chgData name="Al-Jalil" userId="8c65f59ad036e82e" providerId="LiveId" clId="{46F47A16-3D8E-4A33-987A-6D61DFAFDBB9}" dt="2020-12-16T03:30:55.090" v="8150" actId="732"/>
+          <ac:picMkLst>
+            <pc:docMk/>
+            <pc:sldMk cId="60344550" sldId="293"/>
+            <ac:picMk id="17" creationId="{BAE10773-BA68-4E3C-AE32-01E671AB5DD8}"/>
+          </ac:picMkLst>
+        </pc:picChg>
+        <pc:picChg chg="add mod">
+          <ac:chgData name="Al-Jalil" userId="8c65f59ad036e82e" providerId="LiveId" clId="{46F47A16-3D8E-4A33-987A-6D61DFAFDBB9}" dt="2020-12-16T03:27:19.297" v="8069" actId="1035"/>
+          <ac:picMkLst>
+            <pc:docMk/>
+            <pc:sldMk cId="60344550" sldId="293"/>
+            <ac:picMk id="1026" creationId="{DB339107-BF8B-438F-81FB-77457DFB85DE}"/>
+          </ac:picMkLst>
+        </pc:picChg>
+        <pc:picChg chg="add mod">
+          <ac:chgData name="Al-Jalil" userId="8c65f59ad036e82e" providerId="LiveId" clId="{46F47A16-3D8E-4A33-987A-6D61DFAFDBB9}" dt="2020-12-16T03:31:11.120" v="8173" actId="1036"/>
+          <ac:picMkLst>
+            <pc:docMk/>
+            <pc:sldMk cId="60344550" sldId="293"/>
+            <ac:picMk id="1028" creationId="{9EE1F550-C01A-42FD-9B77-BDE5E22A18C8}"/>
+          </ac:picMkLst>
+        </pc:picChg>
       </pc:sldChg>
-      <pc:sldChg chg="addSp delSp modSp add mod modTransition modNotesTx">
-        <pc:chgData name="Al-Jalil" userId="8c65f59ad036e82e" providerId="LiveId" clId="{46F47A16-3D8E-4A33-987A-6D61DFAFDBB9}" dt="2020-12-04T04:15:09.631" v="6222" actId="20577"/>
+      <pc:sldChg chg="addSp delSp modSp add mod ord modTransition modNotesTx">
+        <pc:chgData name="Al-Jalil" userId="8c65f59ad036e82e" providerId="LiveId" clId="{46F47A16-3D8E-4A33-987A-6D61DFAFDBB9}" dt="2020-12-16T04:12:57.612" v="8827"/>
         <pc:sldMkLst>
           <pc:docMk/>
           <pc:sldMk cId="180926216" sldId="294"/>
         </pc:sldMkLst>
         <pc:spChg chg="mod">
-          <ac:chgData name="Al-Jalil" userId="8c65f59ad036e82e" providerId="LiveId" clId="{46F47A16-3D8E-4A33-987A-6D61DFAFDBB9}" dt="2020-12-04T01:58:50.617" v="1078" actId="20577"/>
+          <ac:chgData name="Al-Jalil" userId="8c65f59ad036e82e" providerId="LiveId" clId="{46F47A16-3D8E-4A33-987A-6D61DFAFDBB9}" dt="2020-12-16T03:13:13.549" v="7608" actId="20577"/>
           <ac:spMkLst>
             <pc:docMk/>
             <pc:sldMk cId="180926216" sldId="294"/>
             <ac:spMk id="9" creationId="{E7C2CDCA-1734-48A0-A313-55883F4A0C54}"/>
           </ac:spMkLst>
         </pc:spChg>
-        <pc:spChg chg="add mod">
-          <ac:chgData name="Al-Jalil" userId="8c65f59ad036e82e" providerId="LiveId" clId="{46F47A16-3D8E-4A33-987A-6D61DFAFDBB9}" dt="2020-12-04T04:12:04.568" v="5839" actId="1076"/>
+        <pc:spChg chg="add mod ord">
+          <ac:chgData name="Al-Jalil" userId="8c65f59ad036e82e" providerId="LiveId" clId="{46F47A16-3D8E-4A33-987A-6D61DFAFDBB9}" dt="2020-12-16T03:23:09.087" v="7986" actId="1036"/>
           <ac:spMkLst>
             <pc:docMk/>
             <pc:sldMk cId="180926216" sldId="294"/>
             <ac:spMk id="12" creationId="{9D753030-8B40-4072-B1A3-30A4C3746B7E}"/>
+          </ac:spMkLst>
+        </pc:spChg>
+        <pc:spChg chg="add mod">
+          <ac:chgData name="Al-Jalil" userId="8c65f59ad036e82e" providerId="LiveId" clId="{46F47A16-3D8E-4A33-987A-6D61DFAFDBB9}" dt="2020-12-16T03:23:09.087" v="7986" actId="1036"/>
+          <ac:spMkLst>
+            <pc:docMk/>
+            <pc:sldMk cId="180926216" sldId="294"/>
+            <ac:spMk id="15" creationId="{4C3D0B72-8F59-4250-A4B7-126B1428A806}"/>
+          </ac:spMkLst>
+        </pc:spChg>
+        <pc:spChg chg="add mod">
+          <ac:chgData name="Al-Jalil" userId="8c65f59ad036e82e" providerId="LiveId" clId="{46F47A16-3D8E-4A33-987A-6D61DFAFDBB9}" dt="2020-12-16T03:23:09.087" v="7986" actId="1036"/>
+          <ac:spMkLst>
+            <pc:docMk/>
+            <pc:sldMk cId="180926216" sldId="294"/>
+            <ac:spMk id="16" creationId="{9AEA8A15-D7FD-4661-B6BF-E9CD1FB681BC}"/>
           </ac:spMkLst>
         </pc:spChg>
         <pc:picChg chg="add del mod ord modCrop">
@@ -1014,20 +1318,44 @@
             <ac:picMk id="8" creationId="{78E35CB0-39FD-4B29-A15C-9AF5829EF61A}"/>
           </ac:picMkLst>
         </pc:picChg>
-        <pc:picChg chg="add mod modCrop">
-          <ac:chgData name="Al-Jalil" userId="8c65f59ad036e82e" providerId="LiveId" clId="{46F47A16-3D8E-4A33-987A-6D61DFAFDBB9}" dt="2020-12-04T04:11:47.103" v="5838" actId="1076"/>
+        <pc:picChg chg="add del mod modCrop">
+          <ac:chgData name="Al-Jalil" userId="8c65f59ad036e82e" providerId="LiveId" clId="{46F47A16-3D8E-4A33-987A-6D61DFAFDBB9}" dt="2020-12-16T03:05:22.676" v="7464" actId="478"/>
           <ac:picMkLst>
             <pc:docMk/>
             <pc:sldMk cId="180926216" sldId="294"/>
             <ac:picMk id="11" creationId="{29F61FB7-C0E0-4B21-AAC7-565F5C889552}"/>
           </ac:picMkLst>
         </pc:picChg>
-        <pc:picChg chg="add mod modCrop">
-          <ac:chgData name="Al-Jalil" userId="8c65f59ad036e82e" providerId="LiveId" clId="{46F47A16-3D8E-4A33-987A-6D61DFAFDBB9}" dt="2020-12-04T04:11:47.103" v="5838" actId="1076"/>
+        <pc:picChg chg="add del mod modCrop">
+          <ac:chgData name="Al-Jalil" userId="8c65f59ad036e82e" providerId="LiveId" clId="{46F47A16-3D8E-4A33-987A-6D61DFAFDBB9}" dt="2020-12-16T03:05:24.262" v="7465" actId="478"/>
           <ac:picMkLst>
             <pc:docMk/>
             <pc:sldMk cId="180926216" sldId="294"/>
             <ac:picMk id="13" creationId="{DD6850FE-C130-4F24-8549-2661D264B440}"/>
+          </ac:picMkLst>
+        </pc:picChg>
+        <pc:picChg chg="add mod">
+          <ac:chgData name="Al-Jalil" userId="8c65f59ad036e82e" providerId="LiveId" clId="{46F47A16-3D8E-4A33-987A-6D61DFAFDBB9}" dt="2020-12-16T03:23:09.087" v="7986" actId="1036"/>
+          <ac:picMkLst>
+            <pc:docMk/>
+            <pc:sldMk cId="180926216" sldId="294"/>
+            <ac:picMk id="14" creationId="{C8779D11-CC00-416F-9B24-D6FB8B71B320}"/>
+          </ac:picMkLst>
+        </pc:picChg>
+        <pc:picChg chg="add mod">
+          <ac:chgData name="Al-Jalil" userId="8c65f59ad036e82e" providerId="LiveId" clId="{46F47A16-3D8E-4A33-987A-6D61DFAFDBB9}" dt="2020-12-16T03:23:09.087" v="7986" actId="1036"/>
+          <ac:picMkLst>
+            <pc:docMk/>
+            <pc:sldMk cId="180926216" sldId="294"/>
+            <ac:picMk id="3074" creationId="{1121E79E-8CF3-4B1D-8191-6F1A4006C10A}"/>
+          </ac:picMkLst>
+        </pc:picChg>
+        <pc:picChg chg="add mod">
+          <ac:chgData name="Al-Jalil" userId="8c65f59ad036e82e" providerId="LiveId" clId="{46F47A16-3D8E-4A33-987A-6D61DFAFDBB9}" dt="2020-12-16T03:23:09.087" v="7986" actId="1036"/>
+          <ac:picMkLst>
+            <pc:docMk/>
+            <pc:sldMk cId="180926216" sldId="294"/>
+            <ac:picMk id="3076" creationId="{BAD1D131-EF28-4F02-AEF2-D16BD20AC8C4}"/>
           </ac:picMkLst>
         </pc:picChg>
       </pc:sldChg>
@@ -1118,7 +1446,7 @@
           <a:p>
             <a:fld id="{87D04BBD-D788-4381-BAF7-845792DB8D74}" type="datetimeFigureOut">
               <a:rPr lang="en-US" smtClean="0"/>
-              <a:t>12/4/2020</a:t>
+              <a:t>12/15/2020</a:t>
             </a:fld>
             <a:endParaRPr lang="en-US"/>
           </a:p>
@@ -1431,7 +1759,7 @@
           <a:p>
             <a:r>
               <a:rPr lang="en-US" dirty="0"/>
-              <a:t>The purpose of this project is to help users understand how long it will take for an ambulance to arrive. When someone is in need of medical services, knowing the fastest ways they can receive medical attention is important. We want to create a tool that supports the well-being and safety of all people, in the most efficient way possible.</a:t>
+              <a:t>The purpose of this project is to help users understand how long it will take for an ambulance to arrive. When someone needs medical services, knowing the fastest ways they can receive medical attention is important. We want to create a tool that supports the well-being and safety of all people, in the most efficient way possible.</a:t>
             </a:r>
           </a:p>
         </p:txBody>
@@ -1518,7 +1846,7 @@
           <a:p>
             <a:r>
               <a:rPr lang="en-US" dirty="0"/>
-              <a:t>We’ve been examining how weather might impact EMS arrival. We’ve analyzed precipitation, temperature, and wind speed, but found that one of the only clear predictors for delays was whether or not it was snowing that hour.</a:t>
+              <a:t>If we focus only on the temporal relationship of delays on this chart, we can see that Afternoon and overnight calls tend to have the longest wait times, while evening and morning calls have the shortest wait times. Times consistently exceed 8 mins for all afternoon calls. Thursdays and Wednesdays tend to have the longest wait times.</a:t>
             </a:r>
           </a:p>
         </p:txBody>
@@ -1549,7 +1877,7 @@
     </p:spTree>
     <p:extLst>
       <p:ext uri="{BB962C8B-B14F-4D97-AF65-F5344CB8AC3E}">
-        <p14:creationId xmlns:p14="http://schemas.microsoft.com/office/powerpoint/2010/main" val="874757247"/>
+        <p14:creationId xmlns:p14="http://schemas.microsoft.com/office/powerpoint/2010/main" val="2679434462"/>
       </p:ext>
     </p:extLst>
   </p:cSld>
@@ -1605,7 +1933,7 @@
           <a:p>
             <a:r>
               <a:rPr lang="en-US" dirty="0"/>
-              <a:t>Finally, we’ve also began to analyze population demographics, and are finding that regions of Virginia beach with older populations tend to have some of the longer response times. And while we know that EMS services are not purposefully delaying EMS services for older populations, but there may be other spatial factors that interact with age variables.</a:t>
+              <a:t>We’ve been examining how weather might impact EMS arrival. We’ve analyzed precipitation, temperature, and wind speed, but found that the clearest predictors for response time are days with heavy snow and heavy winds. Both of these environmental occurrences increase response time by more than 5 minutes.</a:t>
             </a:r>
           </a:p>
         </p:txBody>
@@ -1636,7 +1964,7 @@
     </p:spTree>
     <p:extLst>
       <p:ext uri="{BB962C8B-B14F-4D97-AF65-F5344CB8AC3E}">
-        <p14:creationId xmlns:p14="http://schemas.microsoft.com/office/powerpoint/2010/main" val="4110219135"/>
+        <p14:creationId xmlns:p14="http://schemas.microsoft.com/office/powerpoint/2010/main" val="874757247"/>
       </p:ext>
     </p:extLst>
   </p:cSld>
@@ -1692,7 +2020,7 @@
           <a:p>
             <a:r>
               <a:rPr lang="en-US" dirty="0"/>
-              <a:t>Thank for your listening to this presentation. We know that an application which helps users understand how long it will take before an EMS arrives will help users make the safest, most timely decisions to support their well-being.</a:t>
+              <a:t>Thank for your listening to this presentation. We know that an application which helps users understand how long it will take before Emergency Medical services arrive will help users make the safest, most timely decisions to support their well-being.</a:t>
             </a:r>
           </a:p>
         </p:txBody>
@@ -1779,7 +2107,7 @@
           <a:p>
             <a:r>
               <a:rPr lang="en-US" dirty="0"/>
-              <a:t>Delays in EMS are an imminent threat. A study in north LA found that roughly 14.8% of EMS calls were delayed. The average wait time of a delay was 35 mons. Even in Philadelphia, this article to the right shows that we run out of ambulances everyday due to overcapacity. These delays are a problem.</a:t>
+              <a:t>Delays in EMS are an imminent threat. A study in north LA found that roughly 14.8% of EMS calls were delayed. The average wait time of a delay was 35 mins. Even in here Philadelphia, this article to the right shows that we run out of ambulances everyday due to overcapacity. These delays are a problem.</a:t>
             </a:r>
           </a:p>
         </p:txBody>
@@ -1866,7 +2194,7 @@
           <a:p>
             <a:r>
               <a:rPr lang="en-US" dirty="0"/>
-              <a:t>We must plan for adjustments. Delays are a problem for hospitals, workers, and citizens in need. Even today, delays in EMS services are catalyzing civic unrest in Puerto Rico, causing first-responders to call for additional help, and putting lives at risk.</a:t>
+              <a:t>We must plan for adjustments. Delays are a problem for hospitals, workers, and citizens in need. Even today, delays in EMS services are catalyzing civic unrest in Puerto Rico, causing first-responders to call for additional help in Minnesota, and putting lives at risk.</a:t>
             </a:r>
           </a:p>
         </p:txBody>
@@ -1953,7 +2281,7 @@
           <a:p>
             <a:r>
               <a:rPr lang="en-US" dirty="0"/>
-              <a:t>We would like to present MyEMS, an app to help users understand how long it would take if they request an ambulance, make an informed decision about how to get care based on all other options, including car travel and public transportation. The app will also allow them to receive telemedicine while en route.</a:t>
+              <a:t>We would like to present MyEMS, an app to help users understand how long it would take if they request an ambulance, and then make an informed decision about how to get care based on all other options: including car travel and public transportation. The app will also allow them to receive telemedicine while en route.</a:t>
             </a:r>
           </a:p>
         </p:txBody>
@@ -2040,7 +2368,7 @@
           <a:p>
             <a:r>
               <a:rPr lang="en-US" dirty="0"/>
-              <a:t>The key question is: How do we know how long it will take for an ambulance to arrive on scene of an emergency? We’ve obtained a history of EMS calls from Virginia Beach. Based on 2 years of data, we’re able to use delay patters from the past and predict delays into the future. The map on the right shows how these response times are distributed throughout space.</a:t>
+              <a:t>And so the key question is: How do we know how long it will take for an ambulance to arrive on scene of an emergency? We’ve obtained a history of EMS calls from Virginia Beach. The graph on the right shows the distribution of these response times, with an 8 min average. Based on 2 years of data, we’re able to use delay patters from the past and predict delays into the future with only a 2.5 min error. </a:t>
             </a:r>
           </a:p>
         </p:txBody>
@@ -2214,7 +2542,7 @@
           <a:p>
             <a:r>
               <a:rPr lang="en-US" dirty="0"/>
-              <a:t>The first feature of these calls that will help us make predictions is the call’s priority. Based on the chart to the right, we can see that calls with priority 2 incident classifications tend to have the highest response times. These incidents include moderate-serious injuries that are not life threatening.</a:t>
+              <a:t>The first feature of these calls that help us make predictions is the call’s priority. Based on the chart to the right, we can see that calls with priority 2 incident classifications tend to have the highest response times. These incidents include moderate-serious injuries that are not life threatening.</a:t>
             </a:r>
           </a:p>
         </p:txBody>
@@ -2301,7 +2629,7 @@
           <a:p>
             <a:r>
               <a:rPr lang="en-US" dirty="0"/>
-              <a:t>Another feature that will be helpful in making predictions is the time of the call and distance from EMS stations. The data will allow us to analyze how delays are different throughout the week and across Virginia Beach. If we look at the bright-yellow dots, we’ll see that some of the longest wait times are in the farthest away between ems stations.</a:t>
+              <a:t>The nature of the emergency also has a relationship to response time. We’ve found that emergencies at special events, requiring a bike or golf cart,  emergencies requiring advanced life support such as a paramedic, and those that are fire-related, requiring a fire engine and ladder, all have shorter average response times.</a:t>
             </a:r>
           </a:p>
         </p:txBody>
@@ -2332,7 +2660,7 @@
     </p:spTree>
     <p:extLst>
       <p:ext uri="{BB962C8B-B14F-4D97-AF65-F5344CB8AC3E}">
-        <p14:creationId xmlns:p14="http://schemas.microsoft.com/office/powerpoint/2010/main" val="1758293104"/>
+        <p14:creationId xmlns:p14="http://schemas.microsoft.com/office/powerpoint/2010/main" val="4110219135"/>
       </p:ext>
     </p:extLst>
   </p:cSld>
@@ -2388,7 +2716,7 @@
           <a:p>
             <a:r>
               <a:rPr lang="en-US" dirty="0"/>
-              <a:t>If we focus only on the temporal relationship of delays on this chart, we can see that Afternoon and overnight calls tend to have the longest wait times, while evening and morning calls have the shortest wait times. Times consistently exceed 8 mins for all afternoon calls. Thursdays and Wednesdays tend to have the longest wait times.</a:t>
+              <a:t>Other features that have helped us make predictions are the time of the call and distance from EMS stations. The data has allowed us to analyze how delays are different throughout the week and across Virginia Beach. If we look at the bright-yellow dots, we’ll see that some of the longest wait times are in the farthest away between ems stations.</a:t>
             </a:r>
           </a:p>
         </p:txBody>
@@ -2419,7 +2747,7 @@
     </p:spTree>
     <p:extLst>
       <p:ext uri="{BB962C8B-B14F-4D97-AF65-F5344CB8AC3E}">
-        <p14:creationId xmlns:p14="http://schemas.microsoft.com/office/powerpoint/2010/main" val="2679434462"/>
+        <p14:creationId xmlns:p14="http://schemas.microsoft.com/office/powerpoint/2010/main" val="1758293104"/>
       </p:ext>
     </p:extLst>
   </p:cSld>
@@ -2576,7 +2904,7 @@
           <a:p>
             <a:fld id="{04546E32-E3FA-419D-B9BB-2B2CFD2DC736}" type="datetime1">
               <a:rPr lang="en-US" smtClean="0"/>
-              <a:t>12/4/2020</a:t>
+              <a:t>12/15/2020</a:t>
             </a:fld>
             <a:endParaRPr lang="en-US"/>
           </a:p>
@@ -2774,7 +3102,7 @@
           <a:p>
             <a:fld id="{ABE13666-0764-414A-85F1-64578663F033}" type="datetime1">
               <a:rPr lang="en-US" smtClean="0"/>
-              <a:t>12/4/2020</a:t>
+              <a:t>12/15/2020</a:t>
             </a:fld>
             <a:endParaRPr lang="en-US"/>
           </a:p>
@@ -2982,7 +3310,7 @@
           <a:p>
             <a:fld id="{DB18FDC8-9765-4FAA-852C-8094A99246E5}" type="datetime1">
               <a:rPr lang="en-US" smtClean="0"/>
-              <a:t>12/4/2020</a:t>
+              <a:t>12/15/2020</a:t>
             </a:fld>
             <a:endParaRPr lang="en-US"/>
           </a:p>
@@ -3180,7 +3508,7 @@
           <a:p>
             <a:fld id="{4C3913D0-A0A9-4D88-8F9B-623F8ABC8E51}" type="datetime1">
               <a:rPr lang="en-US" smtClean="0"/>
-              <a:t>12/4/2020</a:t>
+              <a:t>12/15/2020</a:t>
             </a:fld>
             <a:endParaRPr lang="en-US"/>
           </a:p>
@@ -3455,7 +3783,7 @@
           <a:p>
             <a:fld id="{F39749DE-B476-4AF8-9D9F-ABDC6F77DC35}" type="datetime1">
               <a:rPr lang="en-US" smtClean="0"/>
-              <a:t>12/4/2020</a:t>
+              <a:t>12/15/2020</a:t>
             </a:fld>
             <a:endParaRPr lang="en-US"/>
           </a:p>
@@ -3720,7 +4048,7 @@
           <a:p>
             <a:fld id="{207434AC-5C22-450B-AD11-0C6FE48DEFEC}" type="datetime1">
               <a:rPr lang="en-US" smtClean="0"/>
-              <a:t>12/4/2020</a:t>
+              <a:t>12/15/2020</a:t>
             </a:fld>
             <a:endParaRPr lang="en-US"/>
           </a:p>
@@ -4132,7 +4460,7 @@
           <a:p>
             <a:fld id="{DE1EA934-D589-4CFC-AA0C-CB5BE84CDFC2}" type="datetime1">
               <a:rPr lang="en-US" smtClean="0"/>
-              <a:t>12/4/2020</a:t>
+              <a:t>12/15/2020</a:t>
             </a:fld>
             <a:endParaRPr lang="en-US"/>
           </a:p>
@@ -4273,7 +4601,7 @@
           <a:p>
             <a:fld id="{B5C85264-4ED4-4421-9414-B7F39D816300}" type="datetime1">
               <a:rPr lang="en-US" smtClean="0"/>
-              <a:t>12/4/2020</a:t>
+              <a:t>12/15/2020</a:t>
             </a:fld>
             <a:endParaRPr lang="en-US"/>
           </a:p>
@@ -4386,7 +4714,7 @@
           <a:p>
             <a:fld id="{53B39897-2777-4254-9133-96FD2D064310}" type="datetime1">
               <a:rPr lang="en-US" smtClean="0"/>
-              <a:t>12/4/2020</a:t>
+              <a:t>12/15/2020</a:t>
             </a:fld>
             <a:endParaRPr lang="en-US"/>
           </a:p>
@@ -4697,7 +5025,7 @@
           <a:p>
             <a:fld id="{F8F032F9-754B-4C4E-AA10-697C429DA2A7}" type="datetime1">
               <a:rPr lang="en-US" smtClean="0"/>
-              <a:t>12/4/2020</a:t>
+              <a:t>12/15/2020</a:t>
             </a:fld>
             <a:endParaRPr lang="en-US"/>
           </a:p>
@@ -4985,7 +5313,7 @@
           <a:p>
             <a:fld id="{16A80DDE-3C0C-465E-B56C-17FA1C8DCB66}" type="datetime1">
               <a:rPr lang="en-US" smtClean="0"/>
-              <a:t>12/4/2020</a:t>
+              <a:t>12/15/2020</a:t>
             </a:fld>
             <a:endParaRPr lang="en-US"/>
           </a:p>
@@ -5226,7 +5554,7 @@
           <a:p>
             <a:fld id="{5B64921D-6DD8-478F-862B-D8EFF59AA822}" type="datetime1">
               <a:rPr lang="en-US" smtClean="0"/>
-              <a:t>12/4/2020</a:t>
+              <a:t>12/15/2020</a:t>
             </a:fld>
             <a:endParaRPr lang="en-US"/>
           </a:p>
@@ -5996,12 +6324,12 @@
   <p:clrMapOvr>
     <a:masterClrMapping/>
   </p:clrMapOvr>
-  <mc:AlternateContent xmlns:mc="http://schemas.openxmlformats.org/markup-compatibility/2006" xmlns:p14="http://schemas.microsoft.com/office/powerpoint/2010/main">
-    <mc:Choice Requires="p14">
-      <p:transition spd="slow" p14:dur="2000" advTm="20000"/>
+  <mc:AlternateContent xmlns:mc="http://schemas.openxmlformats.org/markup-compatibility/2006">
+    <mc:Choice xmlns:p14="http://schemas.microsoft.com/office/powerpoint/2010/main" Requires="p14">
+      <p:transition p14:dur="10" advTm="20000"/>
     </mc:Choice>
-    <mc:Fallback xmlns="">
-      <p:transition spd="slow" advTm="20000"/>
+    <mc:Fallback>
+      <p:transition advTm="20000"/>
     </mc:Fallback>
   </mc:AlternateContent>
 </p:sld>
@@ -6254,23 +6582,22 @@
               </a:spcAft>
             </a:pPr>
             <a:r>
-              <a:rPr lang="en-US" sz="2800" dirty="0"/>
-              <a:t>Weather</a:t>
-            </a:r>
-            <a:endParaRPr lang="en-US" sz="2800" kern="1200" dirty="0">
-              <a:solidFill>
-                <a:schemeClr val="tx1"/>
-              </a:solidFill>
-            </a:endParaRPr>
+              <a:rPr lang="en-US" sz="2800" kern="1200" dirty="0">
+                <a:solidFill>
+                  <a:schemeClr val="tx1"/>
+                </a:solidFill>
+              </a:rPr>
+              <a:t>Time of Day, Day of Week</a:t>
+            </a:r>
           </a:p>
         </p:txBody>
       </p:sp>
       <p:pic>
         <p:nvPicPr>
-          <p:cNvPr id="6" name="Picture 5" descr="Chart, box and whisker chart&#10;&#10;Description automatically generated">
-            <a:extLst>
-              <a:ext uri="{FF2B5EF4-FFF2-40B4-BE49-F238E27FC236}">
-                <a16:creationId xmlns:a16="http://schemas.microsoft.com/office/drawing/2014/main" id="{B6993E72-3422-4DA7-8547-AECBA1F65729}"/>
+          <p:cNvPr id="6" name="Picture 5" descr="Chart, bar chart&#10;&#10;Description automatically generated">
+            <a:extLst>
+              <a:ext uri="{FF2B5EF4-FFF2-40B4-BE49-F238E27FC236}">
+                <a16:creationId xmlns:a16="http://schemas.microsoft.com/office/drawing/2014/main" id="{2B9705FA-DB3A-46DA-87BE-FAA827ADE030}"/>
               </a:ext>
             </a:extLst>
           </p:cNvPr>
@@ -6293,73 +6620,37 @@
         </p:blipFill>
         <p:spPr>
           <a:xfrm>
-            <a:off x="838201" y="2636874"/>
-            <a:ext cx="4483707" cy="3936913"/>
+            <a:off x="4832596" y="694209"/>
+            <a:ext cx="6521204" cy="5643490"/>
           </a:xfrm>
           <a:prstGeom prst="rect">
             <a:avLst/>
           </a:prstGeom>
         </p:spPr>
       </p:pic>
-      <p:pic>
-        <p:nvPicPr>
-          <p:cNvPr id="8" name="Picture 7" descr="Timeline&#10;&#10;Description automatically generated">
-            <a:extLst>
-              <a:ext uri="{FF2B5EF4-FFF2-40B4-BE49-F238E27FC236}">
-                <a16:creationId xmlns:a16="http://schemas.microsoft.com/office/drawing/2014/main" id="{78E35CB0-39FD-4B29-A15C-9AF5829EF61A}"/>
-              </a:ext>
-            </a:extLst>
-          </p:cNvPr>
-          <p:cNvPicPr>
-            <a:picLocks noChangeAspect="1"/>
-          </p:cNvPicPr>
+      <p:sp>
+        <p:nvSpPr>
+          <p:cNvPr id="11" name="Content Placeholder 2">
+            <a:extLst>
+              <a:ext uri="{FF2B5EF4-FFF2-40B4-BE49-F238E27FC236}">
+                <a16:creationId xmlns:a16="http://schemas.microsoft.com/office/drawing/2014/main" id="{B9520572-D62E-4BAD-B28E-676A5CF02EF8}"/>
+              </a:ext>
+            </a:extLst>
+          </p:cNvPr>
+          <p:cNvSpPr txBox="1">
+            <a:spLocks/>
+          </p:cNvSpPr>
           <p:nvPr/>
-        </p:nvPicPr>
-        <p:blipFill>
-          <a:blip r:embed="rId4">
-            <a:extLst>
-              <a:ext uri="{28A0092B-C50C-407E-A947-70E740481C1C}">
-                <a14:useLocalDpi xmlns:a14="http://schemas.microsoft.com/office/drawing/2010/main" val="0"/>
-              </a:ext>
-            </a:extLst>
-          </a:blip>
-          <a:stretch>
-            <a:fillRect/>
-          </a:stretch>
-        </p:blipFill>
+        </p:nvSpPr>
         <p:spPr>
           <a:xfrm>
-            <a:off x="6046118" y="1399732"/>
-            <a:ext cx="5627636" cy="4942219"/>
+            <a:off x="2191193" y="2819580"/>
+            <a:ext cx="2348023" cy="1611537"/>
           </a:xfrm>
           <a:prstGeom prst="rect">
             <a:avLst/>
           </a:prstGeom>
         </p:spPr>
-      </p:pic>
-      <p:sp>
-        <p:nvSpPr>
-          <p:cNvPr id="11" name="Content Placeholder 2">
-            <a:extLst>
-              <a:ext uri="{FF2B5EF4-FFF2-40B4-BE49-F238E27FC236}">
-                <a16:creationId xmlns:a16="http://schemas.microsoft.com/office/drawing/2014/main" id="{4702D3E5-2CC5-4F45-8D53-5FC3533598F9}"/>
-              </a:ext>
-            </a:extLst>
-          </p:cNvPr>
-          <p:cNvSpPr txBox="1">
-            <a:spLocks/>
-          </p:cNvSpPr>
-          <p:nvPr/>
-        </p:nvSpPr>
-        <p:spPr>
-          <a:xfrm>
-            <a:off x="3663844" y="2013811"/>
-            <a:ext cx="2239924" cy="1611537"/>
-          </a:xfrm>
-          <a:prstGeom prst="rect">
-            <a:avLst/>
-          </a:prstGeom>
-        </p:spPr>
         <p:txBody>
           <a:bodyPr vert="horz" lIns="91440" tIns="45720" rIns="91440" bIns="45720" rtlCol="0">
             <a:normAutofit/>
@@ -6537,24 +6828,24 @@
               <a:rPr lang="en-US" sz="1800" b="1" dirty="0">
                 <a:latin typeface="Montserrat ExtraBold" panose="00000900000000000000" pitchFamily="50" charset="0"/>
               </a:rPr>
-              <a:t>Snowy days </a:t>
+              <a:t>Afternoon and Overnight Calls </a:t>
             </a:r>
             <a:r>
               <a:rPr lang="en-US" sz="1800" b="1" dirty="0">
                 <a:solidFill>
                   <a:schemeClr val="bg1">
-                    <a:lumMod val="65000"/>
+                    <a:lumMod val="75000"/>
                   </a:schemeClr>
                 </a:solidFill>
                 <a:latin typeface="Montserrat ExtraBold" panose="00000900000000000000" pitchFamily="50" charset="0"/>
               </a:rPr>
-              <a:t>have </a:t>
+              <a:t>have the </a:t>
             </a:r>
             <a:r>
               <a:rPr lang="en-US" sz="1800" b="1" dirty="0">
                 <a:latin typeface="Montserrat ExtraBold" panose="00000900000000000000" pitchFamily="50" charset="0"/>
               </a:rPr>
-              <a:t>longer wait times</a:t>
+              <a:t>longest wait times</a:t>
             </a:r>
           </a:p>
           <a:p>
@@ -6571,19 +6862,19 @@
     </p:spTree>
     <p:extLst>
       <p:ext uri="{BB962C8B-B14F-4D97-AF65-F5344CB8AC3E}">
-        <p14:creationId xmlns:p14="http://schemas.microsoft.com/office/powerpoint/2010/main" val="60344550"/>
+        <p14:creationId xmlns:p14="http://schemas.microsoft.com/office/powerpoint/2010/main" val="4260596392"/>
       </p:ext>
     </p:extLst>
   </p:cSld>
   <p:clrMapOvr>
     <a:masterClrMapping/>
   </p:clrMapOvr>
-  <mc:AlternateContent xmlns:mc="http://schemas.openxmlformats.org/markup-compatibility/2006" xmlns:p14="http://schemas.microsoft.com/office/powerpoint/2010/main">
-    <mc:Choice Requires="p14">
-      <p:transition spd="slow" p14:dur="2000" advTm="20000"/>
+  <mc:AlternateContent xmlns:mc="http://schemas.openxmlformats.org/markup-compatibility/2006">
+    <mc:Choice xmlns:p14="http://schemas.microsoft.com/office/powerpoint/2010/main" Requires="p14">
+      <p:transition p14:dur="10" advTm="20000"/>
     </mc:Choice>
-    <mc:Fallback xmlns="">
-      <p:transition spd="slow" advTm="20000"/>
+    <mc:Fallback>
+      <p:transition advTm="20000"/>
     </mc:Fallback>
   </mc:AlternateContent>
 </p:sld>
@@ -6836,27 +7127,28 @@
               </a:spcAft>
             </a:pPr>
             <a:r>
-              <a:rPr lang="en-US" sz="2800" kern="1200" dirty="0">
-                <a:solidFill>
-                  <a:schemeClr val="tx1"/>
-                </a:solidFill>
-              </a:rPr>
-              <a:t>Population</a:t>
-            </a:r>
+              <a:rPr lang="en-US" sz="2800" dirty="0"/>
+              <a:t>Weather</a:t>
+            </a:r>
+            <a:endParaRPr lang="en-US" sz="2800" kern="1200" dirty="0">
+              <a:solidFill>
+                <a:schemeClr val="tx1"/>
+              </a:solidFill>
+            </a:endParaRPr>
           </a:p>
         </p:txBody>
       </p:sp>
       <p:pic>
         <p:nvPicPr>
-          <p:cNvPr id="11" name="Picture 10" descr="Chart&#10;&#10;Description automatically generated">
-            <a:extLst>
-              <a:ext uri="{FF2B5EF4-FFF2-40B4-BE49-F238E27FC236}">
-                <a16:creationId xmlns:a16="http://schemas.microsoft.com/office/drawing/2014/main" id="{29F61FB7-C0E0-4B21-AAC7-565F5C889552}"/>
+          <p:cNvPr id="1026" name="Picture 2">
+            <a:extLst>
+              <a:ext uri="{FF2B5EF4-FFF2-40B4-BE49-F238E27FC236}">
+                <a16:creationId xmlns:a16="http://schemas.microsoft.com/office/drawing/2014/main" id="{DB339107-BF8B-438F-81FB-77457DFB85DE}"/>
               </a:ext>
             </a:extLst>
           </p:cNvPr>
           <p:cNvPicPr>
-            <a:picLocks noChangeAspect="1"/>
+            <a:picLocks noChangeAspect="1" noChangeArrowheads="1"/>
           </p:cNvPicPr>
           <p:nvPr/>
         </p:nvPicPr>
@@ -6868,17 +7160,27 @@
               </a:ext>
             </a:extLst>
           </a:blip>
-          <a:srcRect l="9309"/>
+          <a:srcRect l="66018"/>
           <a:stretch/>
         </p:blipFill>
-        <p:spPr>
+        <p:spPr bwMode="auto">
           <a:xfrm>
-            <a:off x="2303385" y="2246241"/>
-            <a:ext cx="4590367" cy="4445071"/>
+            <a:off x="9658183" y="1805052"/>
+            <a:ext cx="2239925" cy="4708145"/>
           </a:xfrm>
           <a:prstGeom prst="rect">
             <a:avLst/>
           </a:prstGeom>
+          <a:noFill/>
+          <a:extLst>
+            <a:ext uri="{909E8E84-426E-40DD-AFC4-6F175D3DCCD1}">
+              <a14:hiddenFill xmlns:a14="http://schemas.microsoft.com/office/drawing/2010/main">
+                <a:solidFill>
+                  <a:srgbClr val="FFFFFF"/>
+                </a:solidFill>
+              </a14:hiddenFill>
+            </a:ext>
+          </a:extLst>
         </p:spPr>
       </p:pic>
       <p:sp>
@@ -6886,7 +7188,7 @@
           <p:cNvPr id="12" name="Content Placeholder 2">
             <a:extLst>
               <a:ext uri="{FF2B5EF4-FFF2-40B4-BE49-F238E27FC236}">
-                <a16:creationId xmlns:a16="http://schemas.microsoft.com/office/drawing/2014/main" id="{9D753030-8B40-4072-B1A3-30A4C3746B7E}"/>
+                <a16:creationId xmlns:a16="http://schemas.microsoft.com/office/drawing/2014/main" id="{2B471A17-9FC9-4D68-BA08-19D1746529B7}"/>
               </a:ext>
             </a:extLst>
           </p:cNvPr>
@@ -6897,7 +7199,7 @@
         </p:nvSpPr>
         <p:spPr>
           <a:xfrm>
-            <a:off x="7648691" y="1208043"/>
+            <a:off x="9488104" y="961575"/>
             <a:ext cx="2239924" cy="1611537"/>
           </a:xfrm>
           <a:prstGeom prst="rect">
@@ -7079,37 +7381,37 @@
             </a:pPr>
             <a:r>
               <a:rPr lang="en-US" sz="1800" b="1" dirty="0">
-                <a:solidFill>
-                  <a:schemeClr val="bg1">
-                    <a:lumMod val="50000"/>
-                  </a:schemeClr>
-                </a:solidFill>
                 <a:latin typeface="Montserrat ExtraBold" panose="00000900000000000000" pitchFamily="50" charset="0"/>
               </a:rPr>
-              <a:t>Areas with </a:t>
+              <a:t>Windy days </a:t>
+            </a:r>
+            <a:r>
+              <a:rPr lang="en-US" sz="1800" b="1" dirty="0">
+                <a:solidFill>
+                  <a:schemeClr val="bg1">
+                    <a:lumMod val="75000"/>
+                  </a:schemeClr>
+                </a:solidFill>
+                <a:latin typeface="Montserrat ExtraBold" panose="00000900000000000000" pitchFamily="50" charset="0"/>
+              </a:rPr>
+              <a:t>have</a:t>
+            </a:r>
+            <a:r>
+              <a:rPr lang="en-US" sz="1800" b="1" dirty="0">
+                <a:solidFill>
+                  <a:schemeClr val="bg1">
+                    <a:lumMod val="65000"/>
+                  </a:schemeClr>
+                </a:solidFill>
+                <a:latin typeface="Montserrat ExtraBold" panose="00000900000000000000" pitchFamily="50" charset="0"/>
+              </a:rPr>
+              <a:t> </a:t>
             </a:r>
             <a:r>
               <a:rPr lang="en-US" sz="1800" b="1" dirty="0">
                 <a:latin typeface="Montserrat ExtraBold" panose="00000900000000000000" pitchFamily="50" charset="0"/>
               </a:rPr>
-              <a:t>Older Populations </a:t>
-            </a:r>
-            <a:r>
-              <a:rPr lang="en-US" sz="1800" b="1" dirty="0">
-                <a:solidFill>
-                  <a:schemeClr val="bg1">
-                    <a:lumMod val="50000"/>
-                  </a:schemeClr>
-                </a:solidFill>
-                <a:latin typeface="Montserrat ExtraBold" panose="00000900000000000000" pitchFamily="50" charset="0"/>
-              </a:rPr>
-              <a:t>have </a:t>
-            </a:r>
-            <a:r>
-              <a:rPr lang="en-US" sz="1800" b="1" dirty="0">
-                <a:latin typeface="Montserrat ExtraBold" panose="00000900000000000000" pitchFamily="50" charset="0"/>
-              </a:rPr>
-              <a:t>longer wait times </a:t>
+              <a:t>longer wait times</a:t>
             </a:r>
           </a:p>
           <a:p>
@@ -7125,55 +7427,879 @@
       </p:sp>
       <p:pic>
         <p:nvPicPr>
-          <p:cNvPr id="13" name="Picture 12" descr="A picture containing graphical user interface&#10;&#10;Description automatically generated">
-            <a:extLst>
-              <a:ext uri="{FF2B5EF4-FFF2-40B4-BE49-F238E27FC236}">
-                <a16:creationId xmlns:a16="http://schemas.microsoft.com/office/drawing/2014/main" id="{DD6850FE-C130-4F24-8549-2661D264B440}"/>
+          <p:cNvPr id="13" name="Picture 2">
+            <a:extLst>
+              <a:ext uri="{FF2B5EF4-FFF2-40B4-BE49-F238E27FC236}">
+                <a16:creationId xmlns:a16="http://schemas.microsoft.com/office/drawing/2014/main" id="{72D6F9C5-71EC-46E1-88DA-E594970E4687}"/>
               </a:ext>
             </a:extLst>
           </p:cNvPr>
           <p:cNvPicPr>
-            <a:picLocks noChangeAspect="1"/>
+            <a:picLocks noChangeAspect="1" noChangeArrowheads="1"/>
+          </p:cNvPicPr>
+          <p:nvPr/>
+        </p:nvPicPr>
+        <p:blipFill rotWithShape="1">
+          <a:blip r:embed="rId3">
+            <a:extLst>
+              <a:ext uri="{28A0092B-C50C-407E-A947-70E740481C1C}">
+                <a14:useLocalDpi xmlns:a14="http://schemas.microsoft.com/office/drawing/2010/main" val="0"/>
+              </a:ext>
+            </a:extLst>
+          </a:blip>
+          <a:srcRect r="66017"/>
+          <a:stretch/>
+        </p:blipFill>
+        <p:spPr bwMode="auto">
+          <a:xfrm>
+            <a:off x="6957336" y="1805052"/>
+            <a:ext cx="2239925" cy="4708145"/>
+          </a:xfrm>
+          <a:prstGeom prst="rect">
+            <a:avLst/>
+          </a:prstGeom>
+          <a:noFill/>
+          <a:extLst>
+            <a:ext uri="{909E8E84-426E-40DD-AFC4-6F175D3DCCD1}">
+              <a14:hiddenFill xmlns:a14="http://schemas.microsoft.com/office/drawing/2010/main">
+                <a:solidFill>
+                  <a:srgbClr val="FFFFFF"/>
+                </a:solidFill>
+              </a14:hiddenFill>
+            </a:ext>
+          </a:extLst>
+        </p:spPr>
+      </p:pic>
+      <p:sp>
+        <p:nvSpPr>
+          <p:cNvPr id="11" name="Content Placeholder 2">
+            <a:extLst>
+              <a:ext uri="{FF2B5EF4-FFF2-40B4-BE49-F238E27FC236}">
+                <a16:creationId xmlns:a16="http://schemas.microsoft.com/office/drawing/2014/main" id="{4702D3E5-2CC5-4F45-8D53-5FC3533598F9}"/>
+              </a:ext>
+            </a:extLst>
+          </p:cNvPr>
+          <p:cNvSpPr txBox="1">
+            <a:spLocks/>
+          </p:cNvSpPr>
+          <p:nvPr/>
+        </p:nvSpPr>
+        <p:spPr>
+          <a:xfrm>
+            <a:off x="6666493" y="928298"/>
+            <a:ext cx="2239924" cy="1611537"/>
+          </a:xfrm>
+          <a:prstGeom prst="rect">
+            <a:avLst/>
+          </a:prstGeom>
+        </p:spPr>
+        <p:txBody>
+          <a:bodyPr vert="horz" lIns="91440" tIns="45720" rIns="91440" bIns="45720" rtlCol="0">
+            <a:normAutofit/>
+          </a:bodyPr>
+          <a:lstStyle>
+            <a:lvl1pPr marL="228600" indent="-228600" algn="l" defTabSz="914400" rtl="0" eaLnBrk="1" latinLnBrk="0" hangingPunct="1">
+              <a:lnSpc>
+                <a:spcPct val="90000"/>
+              </a:lnSpc>
+              <a:spcBef>
+                <a:spcPts val="1000"/>
+              </a:spcBef>
+              <a:buFont typeface="Arial" panose="020B0604020202020204" pitchFamily="34" charset="0"/>
+              <a:buChar char="•"/>
+              <a:defRPr sz="2800" kern="1200">
+                <a:solidFill>
+                  <a:schemeClr val="tx1"/>
+                </a:solidFill>
+                <a:latin typeface="+mn-lt"/>
+                <a:ea typeface="+mn-ea"/>
+                <a:cs typeface="+mn-cs"/>
+              </a:defRPr>
+            </a:lvl1pPr>
+            <a:lvl2pPr marL="685800" indent="-228600" algn="l" defTabSz="914400" rtl="0" eaLnBrk="1" latinLnBrk="0" hangingPunct="1">
+              <a:lnSpc>
+                <a:spcPct val="90000"/>
+              </a:lnSpc>
+              <a:spcBef>
+                <a:spcPts val="500"/>
+              </a:spcBef>
+              <a:buFont typeface="Arial" panose="020B0604020202020204" pitchFamily="34" charset="0"/>
+              <a:buChar char="•"/>
+              <a:defRPr sz="2400" kern="1200">
+                <a:solidFill>
+                  <a:schemeClr val="tx1"/>
+                </a:solidFill>
+                <a:latin typeface="+mn-lt"/>
+                <a:ea typeface="+mn-ea"/>
+                <a:cs typeface="+mn-cs"/>
+              </a:defRPr>
+            </a:lvl2pPr>
+            <a:lvl3pPr marL="1143000" indent="-228600" algn="l" defTabSz="914400" rtl="0" eaLnBrk="1" latinLnBrk="0" hangingPunct="1">
+              <a:lnSpc>
+                <a:spcPct val="90000"/>
+              </a:lnSpc>
+              <a:spcBef>
+                <a:spcPts val="500"/>
+              </a:spcBef>
+              <a:buFont typeface="Arial" panose="020B0604020202020204" pitchFamily="34" charset="0"/>
+              <a:buChar char="•"/>
+              <a:defRPr sz="2000" kern="1200">
+                <a:solidFill>
+                  <a:schemeClr val="tx1"/>
+                </a:solidFill>
+                <a:latin typeface="+mn-lt"/>
+                <a:ea typeface="+mn-ea"/>
+                <a:cs typeface="+mn-cs"/>
+              </a:defRPr>
+            </a:lvl3pPr>
+            <a:lvl4pPr marL="1600200" indent="-228600" algn="l" defTabSz="914400" rtl="0" eaLnBrk="1" latinLnBrk="0" hangingPunct="1">
+              <a:lnSpc>
+                <a:spcPct val="90000"/>
+              </a:lnSpc>
+              <a:spcBef>
+                <a:spcPts val="500"/>
+              </a:spcBef>
+              <a:buFont typeface="Arial" panose="020B0604020202020204" pitchFamily="34" charset="0"/>
+              <a:buChar char="•"/>
+              <a:defRPr sz="1800" kern="1200">
+                <a:solidFill>
+                  <a:schemeClr val="tx1"/>
+                </a:solidFill>
+                <a:latin typeface="+mn-lt"/>
+                <a:ea typeface="+mn-ea"/>
+                <a:cs typeface="+mn-cs"/>
+              </a:defRPr>
+            </a:lvl4pPr>
+            <a:lvl5pPr marL="2057400" indent="-228600" algn="l" defTabSz="914400" rtl="0" eaLnBrk="1" latinLnBrk="0" hangingPunct="1">
+              <a:lnSpc>
+                <a:spcPct val="90000"/>
+              </a:lnSpc>
+              <a:spcBef>
+                <a:spcPts val="500"/>
+              </a:spcBef>
+              <a:buFont typeface="Arial" panose="020B0604020202020204" pitchFamily="34" charset="0"/>
+              <a:buChar char="•"/>
+              <a:defRPr sz="1800" kern="1200">
+                <a:solidFill>
+                  <a:schemeClr val="tx1"/>
+                </a:solidFill>
+                <a:latin typeface="+mn-lt"/>
+                <a:ea typeface="+mn-ea"/>
+                <a:cs typeface="+mn-cs"/>
+              </a:defRPr>
+            </a:lvl5pPr>
+            <a:lvl6pPr marL="2514600" indent="-228600" algn="l" defTabSz="914400" rtl="0" eaLnBrk="1" latinLnBrk="0" hangingPunct="1">
+              <a:lnSpc>
+                <a:spcPct val="90000"/>
+              </a:lnSpc>
+              <a:spcBef>
+                <a:spcPts val="500"/>
+              </a:spcBef>
+              <a:buFont typeface="Arial" panose="020B0604020202020204" pitchFamily="34" charset="0"/>
+              <a:buChar char="•"/>
+              <a:defRPr sz="1800" kern="1200">
+                <a:solidFill>
+                  <a:schemeClr val="tx1"/>
+                </a:solidFill>
+                <a:latin typeface="+mn-lt"/>
+                <a:ea typeface="+mn-ea"/>
+                <a:cs typeface="+mn-cs"/>
+              </a:defRPr>
+            </a:lvl6pPr>
+            <a:lvl7pPr marL="2971800" indent="-228600" algn="l" defTabSz="914400" rtl="0" eaLnBrk="1" latinLnBrk="0" hangingPunct="1">
+              <a:lnSpc>
+                <a:spcPct val="90000"/>
+              </a:lnSpc>
+              <a:spcBef>
+                <a:spcPts val="500"/>
+              </a:spcBef>
+              <a:buFont typeface="Arial" panose="020B0604020202020204" pitchFamily="34" charset="0"/>
+              <a:buChar char="•"/>
+              <a:defRPr sz="1800" kern="1200">
+                <a:solidFill>
+                  <a:schemeClr val="tx1"/>
+                </a:solidFill>
+                <a:latin typeface="+mn-lt"/>
+                <a:ea typeface="+mn-ea"/>
+                <a:cs typeface="+mn-cs"/>
+              </a:defRPr>
+            </a:lvl7pPr>
+            <a:lvl8pPr marL="3429000" indent="-228600" algn="l" defTabSz="914400" rtl="0" eaLnBrk="1" latinLnBrk="0" hangingPunct="1">
+              <a:lnSpc>
+                <a:spcPct val="90000"/>
+              </a:lnSpc>
+              <a:spcBef>
+                <a:spcPts val="500"/>
+              </a:spcBef>
+              <a:buFont typeface="Arial" panose="020B0604020202020204" pitchFamily="34" charset="0"/>
+              <a:buChar char="•"/>
+              <a:defRPr sz="1800" kern="1200">
+                <a:solidFill>
+                  <a:schemeClr val="tx1"/>
+                </a:solidFill>
+                <a:latin typeface="+mn-lt"/>
+                <a:ea typeface="+mn-ea"/>
+                <a:cs typeface="+mn-cs"/>
+              </a:defRPr>
+            </a:lvl8pPr>
+            <a:lvl9pPr marL="3886200" indent="-228600" algn="l" defTabSz="914400" rtl="0" eaLnBrk="1" latinLnBrk="0" hangingPunct="1">
+              <a:lnSpc>
+                <a:spcPct val="90000"/>
+              </a:lnSpc>
+              <a:spcBef>
+                <a:spcPts val="500"/>
+              </a:spcBef>
+              <a:buFont typeface="Arial" panose="020B0604020202020204" pitchFamily="34" charset="0"/>
+              <a:buChar char="•"/>
+              <a:defRPr sz="1800" kern="1200">
+                <a:solidFill>
+                  <a:schemeClr val="tx1"/>
+                </a:solidFill>
+                <a:latin typeface="+mn-lt"/>
+                <a:ea typeface="+mn-ea"/>
+                <a:cs typeface="+mn-cs"/>
+              </a:defRPr>
+            </a:lvl9pPr>
+          </a:lstStyle>
+          <a:p>
+            <a:pPr marL="0" indent="0" algn="r">
+              <a:buFont typeface="Arial" panose="020B0604020202020204" pitchFamily="34" charset="0"/>
+              <a:buNone/>
+            </a:pPr>
+            <a:r>
+              <a:rPr lang="en-US" sz="1800" b="1" dirty="0">
+                <a:latin typeface="Montserrat ExtraBold" panose="00000900000000000000" pitchFamily="50" charset="0"/>
+              </a:rPr>
+              <a:t>Snowy days </a:t>
+            </a:r>
+            <a:r>
+              <a:rPr lang="en-US" sz="1800" b="1" dirty="0">
+                <a:solidFill>
+                  <a:schemeClr val="bg1">
+                    <a:lumMod val="75000"/>
+                  </a:schemeClr>
+                </a:solidFill>
+                <a:latin typeface="Montserrat ExtraBold" panose="00000900000000000000" pitchFamily="50" charset="0"/>
+              </a:rPr>
+              <a:t>have</a:t>
+            </a:r>
+            <a:r>
+              <a:rPr lang="en-US" sz="1800" b="1" dirty="0">
+                <a:solidFill>
+                  <a:schemeClr val="bg1">
+                    <a:lumMod val="65000"/>
+                  </a:schemeClr>
+                </a:solidFill>
+                <a:latin typeface="Montserrat ExtraBold" panose="00000900000000000000" pitchFamily="50" charset="0"/>
+              </a:rPr>
+              <a:t> </a:t>
+            </a:r>
+            <a:r>
+              <a:rPr lang="en-US" sz="1800" b="1" dirty="0">
+                <a:latin typeface="Montserrat ExtraBold" panose="00000900000000000000" pitchFamily="50" charset="0"/>
+              </a:rPr>
+              <a:t>longer wait times</a:t>
+            </a:r>
+          </a:p>
+          <a:p>
+            <a:pPr marL="0" indent="0" algn="r">
+              <a:buFont typeface="Arial" panose="020B0604020202020204" pitchFamily="34" charset="0"/>
+              <a:buNone/>
+            </a:pPr>
+            <a:endParaRPr lang="en-US" sz="1500" dirty="0">
+              <a:latin typeface="+mj-lt"/>
+            </a:endParaRPr>
+          </a:p>
+        </p:txBody>
+      </p:sp>
+      <p:pic>
+        <p:nvPicPr>
+          <p:cNvPr id="1028" name="Picture 4">
+            <a:extLst>
+              <a:ext uri="{FF2B5EF4-FFF2-40B4-BE49-F238E27FC236}">
+                <a16:creationId xmlns:a16="http://schemas.microsoft.com/office/drawing/2014/main" id="{9EE1F550-C01A-42FD-9B77-BDE5E22A18C8}"/>
+              </a:ext>
+            </a:extLst>
+          </p:cNvPr>
+          <p:cNvPicPr>
+            <a:picLocks noChangeAspect="1" noChangeArrowheads="1"/>
           </p:cNvPicPr>
           <p:nvPr/>
         </p:nvPicPr>
         <p:blipFill rotWithShape="1">
           <a:blip r:embed="rId4">
+            <a:alphaModFix amt="85000"/>
             <a:extLst>
               <a:ext uri="{28A0092B-C50C-407E-A947-70E740481C1C}">
                 <a14:useLocalDpi xmlns:a14="http://schemas.microsoft.com/office/drawing/2010/main" val="0"/>
               </a:ext>
             </a:extLst>
           </a:blip>
-          <a:srcRect l="11057" r="9303"/>
+          <a:srcRect b="66323"/>
           <a:stretch/>
         </p:blipFill>
+        <p:spPr bwMode="auto">
+          <a:xfrm>
+            <a:off x="636878" y="2844442"/>
+            <a:ext cx="5568694" cy="1339545"/>
+          </a:xfrm>
+          <a:prstGeom prst="rect">
+            <a:avLst/>
+          </a:prstGeom>
+          <a:noFill/>
+          <a:extLst>
+            <a:ext uri="{909E8E84-426E-40DD-AFC4-6F175D3DCCD1}">
+              <a14:hiddenFill xmlns:a14="http://schemas.microsoft.com/office/drawing/2010/main">
+                <a:solidFill>
+                  <a:srgbClr val="FFFFFF"/>
+                </a:solidFill>
+              </a14:hiddenFill>
+            </a:ext>
+          </a:extLst>
+        </p:spPr>
+      </p:pic>
+      <p:sp>
+        <p:nvSpPr>
+          <p:cNvPr id="14" name="Content Placeholder 2">
+            <a:extLst>
+              <a:ext uri="{FF2B5EF4-FFF2-40B4-BE49-F238E27FC236}">
+                <a16:creationId xmlns:a16="http://schemas.microsoft.com/office/drawing/2014/main" id="{E544F22A-D06D-4CB9-B237-8A5CD4F10F5D}"/>
+              </a:ext>
+            </a:extLst>
+          </p:cNvPr>
+          <p:cNvSpPr txBox="1">
+            <a:spLocks/>
+          </p:cNvSpPr>
+          <p:nvPr/>
+        </p:nvSpPr>
         <p:spPr>
           <a:xfrm>
-            <a:off x="6099208" y="2246241"/>
-            <a:ext cx="3979626" cy="4388360"/>
+            <a:off x="714167" y="2279202"/>
+            <a:ext cx="5414115" cy="1611537"/>
           </a:xfrm>
           <a:prstGeom prst="rect">
             <a:avLst/>
           </a:prstGeom>
         </p:spPr>
+        <p:txBody>
+          <a:bodyPr vert="horz" lIns="91440" tIns="45720" rIns="91440" bIns="45720" rtlCol="0">
+            <a:normAutofit/>
+          </a:bodyPr>
+          <a:lstStyle>
+            <a:lvl1pPr marL="228600" indent="-228600" algn="l" defTabSz="914400" rtl="0" eaLnBrk="1" latinLnBrk="0" hangingPunct="1">
+              <a:lnSpc>
+                <a:spcPct val="90000"/>
+              </a:lnSpc>
+              <a:spcBef>
+                <a:spcPts val="1000"/>
+              </a:spcBef>
+              <a:buFont typeface="Arial" panose="020B0604020202020204" pitchFamily="34" charset="0"/>
+              <a:buChar char="•"/>
+              <a:defRPr sz="2800" kern="1200">
+                <a:solidFill>
+                  <a:schemeClr val="tx1"/>
+                </a:solidFill>
+                <a:latin typeface="+mn-lt"/>
+                <a:ea typeface="+mn-ea"/>
+                <a:cs typeface="+mn-cs"/>
+              </a:defRPr>
+            </a:lvl1pPr>
+            <a:lvl2pPr marL="685800" indent="-228600" algn="l" defTabSz="914400" rtl="0" eaLnBrk="1" latinLnBrk="0" hangingPunct="1">
+              <a:lnSpc>
+                <a:spcPct val="90000"/>
+              </a:lnSpc>
+              <a:spcBef>
+                <a:spcPts val="500"/>
+              </a:spcBef>
+              <a:buFont typeface="Arial" panose="020B0604020202020204" pitchFamily="34" charset="0"/>
+              <a:buChar char="•"/>
+              <a:defRPr sz="2400" kern="1200">
+                <a:solidFill>
+                  <a:schemeClr val="tx1"/>
+                </a:solidFill>
+                <a:latin typeface="+mn-lt"/>
+                <a:ea typeface="+mn-ea"/>
+                <a:cs typeface="+mn-cs"/>
+              </a:defRPr>
+            </a:lvl2pPr>
+            <a:lvl3pPr marL="1143000" indent="-228600" algn="l" defTabSz="914400" rtl="0" eaLnBrk="1" latinLnBrk="0" hangingPunct="1">
+              <a:lnSpc>
+                <a:spcPct val="90000"/>
+              </a:lnSpc>
+              <a:spcBef>
+                <a:spcPts val="500"/>
+              </a:spcBef>
+              <a:buFont typeface="Arial" panose="020B0604020202020204" pitchFamily="34" charset="0"/>
+              <a:buChar char="•"/>
+              <a:defRPr sz="2000" kern="1200">
+                <a:solidFill>
+                  <a:schemeClr val="tx1"/>
+                </a:solidFill>
+                <a:latin typeface="+mn-lt"/>
+                <a:ea typeface="+mn-ea"/>
+                <a:cs typeface="+mn-cs"/>
+              </a:defRPr>
+            </a:lvl3pPr>
+            <a:lvl4pPr marL="1600200" indent="-228600" algn="l" defTabSz="914400" rtl="0" eaLnBrk="1" latinLnBrk="0" hangingPunct="1">
+              <a:lnSpc>
+                <a:spcPct val="90000"/>
+              </a:lnSpc>
+              <a:spcBef>
+                <a:spcPts val="500"/>
+              </a:spcBef>
+              <a:buFont typeface="Arial" panose="020B0604020202020204" pitchFamily="34" charset="0"/>
+              <a:buChar char="•"/>
+              <a:defRPr sz="1800" kern="1200">
+                <a:solidFill>
+                  <a:schemeClr val="tx1"/>
+                </a:solidFill>
+                <a:latin typeface="+mn-lt"/>
+                <a:ea typeface="+mn-ea"/>
+                <a:cs typeface="+mn-cs"/>
+              </a:defRPr>
+            </a:lvl4pPr>
+            <a:lvl5pPr marL="2057400" indent="-228600" algn="l" defTabSz="914400" rtl="0" eaLnBrk="1" latinLnBrk="0" hangingPunct="1">
+              <a:lnSpc>
+                <a:spcPct val="90000"/>
+              </a:lnSpc>
+              <a:spcBef>
+                <a:spcPts val="500"/>
+              </a:spcBef>
+              <a:buFont typeface="Arial" panose="020B0604020202020204" pitchFamily="34" charset="0"/>
+              <a:buChar char="•"/>
+              <a:defRPr sz="1800" kern="1200">
+                <a:solidFill>
+                  <a:schemeClr val="tx1"/>
+                </a:solidFill>
+                <a:latin typeface="+mn-lt"/>
+                <a:ea typeface="+mn-ea"/>
+                <a:cs typeface="+mn-cs"/>
+              </a:defRPr>
+            </a:lvl5pPr>
+            <a:lvl6pPr marL="2514600" indent="-228600" algn="l" defTabSz="914400" rtl="0" eaLnBrk="1" latinLnBrk="0" hangingPunct="1">
+              <a:lnSpc>
+                <a:spcPct val="90000"/>
+              </a:lnSpc>
+              <a:spcBef>
+                <a:spcPts val="500"/>
+              </a:spcBef>
+              <a:buFont typeface="Arial" panose="020B0604020202020204" pitchFamily="34" charset="0"/>
+              <a:buChar char="•"/>
+              <a:defRPr sz="1800" kern="1200">
+                <a:solidFill>
+                  <a:schemeClr val="tx1"/>
+                </a:solidFill>
+                <a:latin typeface="+mn-lt"/>
+                <a:ea typeface="+mn-ea"/>
+                <a:cs typeface="+mn-cs"/>
+              </a:defRPr>
+            </a:lvl6pPr>
+            <a:lvl7pPr marL="2971800" indent="-228600" algn="l" defTabSz="914400" rtl="0" eaLnBrk="1" latinLnBrk="0" hangingPunct="1">
+              <a:lnSpc>
+                <a:spcPct val="90000"/>
+              </a:lnSpc>
+              <a:spcBef>
+                <a:spcPts val="500"/>
+              </a:spcBef>
+              <a:buFont typeface="Arial" panose="020B0604020202020204" pitchFamily="34" charset="0"/>
+              <a:buChar char="•"/>
+              <a:defRPr sz="1800" kern="1200">
+                <a:solidFill>
+                  <a:schemeClr val="tx1"/>
+                </a:solidFill>
+                <a:latin typeface="+mn-lt"/>
+                <a:ea typeface="+mn-ea"/>
+                <a:cs typeface="+mn-cs"/>
+              </a:defRPr>
+            </a:lvl7pPr>
+            <a:lvl8pPr marL="3429000" indent="-228600" algn="l" defTabSz="914400" rtl="0" eaLnBrk="1" latinLnBrk="0" hangingPunct="1">
+              <a:lnSpc>
+                <a:spcPct val="90000"/>
+              </a:lnSpc>
+              <a:spcBef>
+                <a:spcPts val="500"/>
+              </a:spcBef>
+              <a:buFont typeface="Arial" panose="020B0604020202020204" pitchFamily="34" charset="0"/>
+              <a:buChar char="•"/>
+              <a:defRPr sz="1800" kern="1200">
+                <a:solidFill>
+                  <a:schemeClr val="tx1"/>
+                </a:solidFill>
+                <a:latin typeface="+mn-lt"/>
+                <a:ea typeface="+mn-ea"/>
+                <a:cs typeface="+mn-cs"/>
+              </a:defRPr>
+            </a:lvl8pPr>
+            <a:lvl9pPr marL="3886200" indent="-228600" algn="l" defTabSz="914400" rtl="0" eaLnBrk="1" latinLnBrk="0" hangingPunct="1">
+              <a:lnSpc>
+                <a:spcPct val="90000"/>
+              </a:lnSpc>
+              <a:spcBef>
+                <a:spcPts val="500"/>
+              </a:spcBef>
+              <a:buFont typeface="Arial" panose="020B0604020202020204" pitchFamily="34" charset="0"/>
+              <a:buChar char="•"/>
+              <a:defRPr sz="1800" kern="1200">
+                <a:solidFill>
+                  <a:schemeClr val="tx1"/>
+                </a:solidFill>
+                <a:latin typeface="+mn-lt"/>
+                <a:ea typeface="+mn-ea"/>
+                <a:cs typeface="+mn-cs"/>
+              </a:defRPr>
+            </a:lvl9pPr>
+          </a:lstStyle>
+          <a:p>
+            <a:pPr marL="0" indent="0" algn="r">
+              <a:spcBef>
+                <a:spcPts val="0"/>
+              </a:spcBef>
+              <a:buFont typeface="Arial" panose="020B0604020202020204" pitchFamily="34" charset="0"/>
+              <a:buNone/>
+            </a:pPr>
+            <a:r>
+              <a:rPr lang="en-US" sz="1800" b="1" dirty="0">
+                <a:latin typeface="Montserrat ExtraBold" panose="00000900000000000000" pitchFamily="50" charset="0"/>
+              </a:rPr>
+              <a:t>Precipitation </a:t>
+            </a:r>
+          </a:p>
+          <a:p>
+            <a:pPr marL="0" indent="0" algn="r">
+              <a:spcBef>
+                <a:spcPts val="0"/>
+              </a:spcBef>
+              <a:buFont typeface="Arial" panose="020B0604020202020204" pitchFamily="34" charset="0"/>
+              <a:buNone/>
+            </a:pPr>
+            <a:r>
+              <a:rPr lang="en-US" sz="1800" b="1" dirty="0">
+                <a:solidFill>
+                  <a:schemeClr val="bg1">
+                    <a:lumMod val="75000"/>
+                  </a:schemeClr>
+                </a:solidFill>
+                <a:latin typeface="Montserrat ExtraBold" panose="00000900000000000000" pitchFamily="50" charset="0"/>
+              </a:rPr>
+              <a:t>– no clear relationship</a:t>
+            </a:r>
+          </a:p>
+          <a:p>
+            <a:pPr marL="0" indent="0" algn="r">
+              <a:buFont typeface="Arial" panose="020B0604020202020204" pitchFamily="34" charset="0"/>
+              <a:buNone/>
+            </a:pPr>
+            <a:endParaRPr lang="en-US" sz="1500" dirty="0">
+              <a:latin typeface="+mj-lt"/>
+            </a:endParaRPr>
+          </a:p>
+        </p:txBody>
+      </p:sp>
+      <p:sp>
+        <p:nvSpPr>
+          <p:cNvPr id="15" name="Content Placeholder 2">
+            <a:extLst>
+              <a:ext uri="{FF2B5EF4-FFF2-40B4-BE49-F238E27FC236}">
+                <a16:creationId xmlns:a16="http://schemas.microsoft.com/office/drawing/2014/main" id="{B61B121D-CE75-403E-80CA-D90FB2DB910E}"/>
+              </a:ext>
+            </a:extLst>
+          </p:cNvPr>
+          <p:cNvSpPr txBox="1">
+            <a:spLocks/>
+          </p:cNvSpPr>
+          <p:nvPr/>
+        </p:nvSpPr>
+        <p:spPr>
+          <a:xfrm>
+            <a:off x="771610" y="4330577"/>
+            <a:ext cx="5414115" cy="1611537"/>
+          </a:xfrm>
+          <a:prstGeom prst="rect">
+            <a:avLst/>
+          </a:prstGeom>
+        </p:spPr>
+        <p:txBody>
+          <a:bodyPr vert="horz" lIns="91440" tIns="45720" rIns="91440" bIns="45720" rtlCol="0">
+            <a:normAutofit/>
+          </a:bodyPr>
+          <a:lstStyle>
+            <a:lvl1pPr marL="228600" indent="-228600" algn="l" defTabSz="914400" rtl="0" eaLnBrk="1" latinLnBrk="0" hangingPunct="1">
+              <a:lnSpc>
+                <a:spcPct val="90000"/>
+              </a:lnSpc>
+              <a:spcBef>
+                <a:spcPts val="1000"/>
+              </a:spcBef>
+              <a:buFont typeface="Arial" panose="020B0604020202020204" pitchFamily="34" charset="0"/>
+              <a:buChar char="•"/>
+              <a:defRPr sz="2800" kern="1200">
+                <a:solidFill>
+                  <a:schemeClr val="tx1"/>
+                </a:solidFill>
+                <a:latin typeface="+mn-lt"/>
+                <a:ea typeface="+mn-ea"/>
+                <a:cs typeface="+mn-cs"/>
+              </a:defRPr>
+            </a:lvl1pPr>
+            <a:lvl2pPr marL="685800" indent="-228600" algn="l" defTabSz="914400" rtl="0" eaLnBrk="1" latinLnBrk="0" hangingPunct="1">
+              <a:lnSpc>
+                <a:spcPct val="90000"/>
+              </a:lnSpc>
+              <a:spcBef>
+                <a:spcPts val="500"/>
+              </a:spcBef>
+              <a:buFont typeface="Arial" panose="020B0604020202020204" pitchFamily="34" charset="0"/>
+              <a:buChar char="•"/>
+              <a:defRPr sz="2400" kern="1200">
+                <a:solidFill>
+                  <a:schemeClr val="tx1"/>
+                </a:solidFill>
+                <a:latin typeface="+mn-lt"/>
+                <a:ea typeface="+mn-ea"/>
+                <a:cs typeface="+mn-cs"/>
+              </a:defRPr>
+            </a:lvl2pPr>
+            <a:lvl3pPr marL="1143000" indent="-228600" algn="l" defTabSz="914400" rtl="0" eaLnBrk="1" latinLnBrk="0" hangingPunct="1">
+              <a:lnSpc>
+                <a:spcPct val="90000"/>
+              </a:lnSpc>
+              <a:spcBef>
+                <a:spcPts val="500"/>
+              </a:spcBef>
+              <a:buFont typeface="Arial" panose="020B0604020202020204" pitchFamily="34" charset="0"/>
+              <a:buChar char="•"/>
+              <a:defRPr sz="2000" kern="1200">
+                <a:solidFill>
+                  <a:schemeClr val="tx1"/>
+                </a:solidFill>
+                <a:latin typeface="+mn-lt"/>
+                <a:ea typeface="+mn-ea"/>
+                <a:cs typeface="+mn-cs"/>
+              </a:defRPr>
+            </a:lvl3pPr>
+            <a:lvl4pPr marL="1600200" indent="-228600" algn="l" defTabSz="914400" rtl="0" eaLnBrk="1" latinLnBrk="0" hangingPunct="1">
+              <a:lnSpc>
+                <a:spcPct val="90000"/>
+              </a:lnSpc>
+              <a:spcBef>
+                <a:spcPts val="500"/>
+              </a:spcBef>
+              <a:buFont typeface="Arial" panose="020B0604020202020204" pitchFamily="34" charset="0"/>
+              <a:buChar char="•"/>
+              <a:defRPr sz="1800" kern="1200">
+                <a:solidFill>
+                  <a:schemeClr val="tx1"/>
+                </a:solidFill>
+                <a:latin typeface="+mn-lt"/>
+                <a:ea typeface="+mn-ea"/>
+                <a:cs typeface="+mn-cs"/>
+              </a:defRPr>
+            </a:lvl4pPr>
+            <a:lvl5pPr marL="2057400" indent="-228600" algn="l" defTabSz="914400" rtl="0" eaLnBrk="1" latinLnBrk="0" hangingPunct="1">
+              <a:lnSpc>
+                <a:spcPct val="90000"/>
+              </a:lnSpc>
+              <a:spcBef>
+                <a:spcPts val="500"/>
+              </a:spcBef>
+              <a:buFont typeface="Arial" panose="020B0604020202020204" pitchFamily="34" charset="0"/>
+              <a:buChar char="•"/>
+              <a:defRPr sz="1800" kern="1200">
+                <a:solidFill>
+                  <a:schemeClr val="tx1"/>
+                </a:solidFill>
+                <a:latin typeface="+mn-lt"/>
+                <a:ea typeface="+mn-ea"/>
+                <a:cs typeface="+mn-cs"/>
+              </a:defRPr>
+            </a:lvl5pPr>
+            <a:lvl6pPr marL="2514600" indent="-228600" algn="l" defTabSz="914400" rtl="0" eaLnBrk="1" latinLnBrk="0" hangingPunct="1">
+              <a:lnSpc>
+                <a:spcPct val="90000"/>
+              </a:lnSpc>
+              <a:spcBef>
+                <a:spcPts val="500"/>
+              </a:spcBef>
+              <a:buFont typeface="Arial" panose="020B0604020202020204" pitchFamily="34" charset="0"/>
+              <a:buChar char="•"/>
+              <a:defRPr sz="1800" kern="1200">
+                <a:solidFill>
+                  <a:schemeClr val="tx1"/>
+                </a:solidFill>
+                <a:latin typeface="+mn-lt"/>
+                <a:ea typeface="+mn-ea"/>
+                <a:cs typeface="+mn-cs"/>
+              </a:defRPr>
+            </a:lvl6pPr>
+            <a:lvl7pPr marL="2971800" indent="-228600" algn="l" defTabSz="914400" rtl="0" eaLnBrk="1" latinLnBrk="0" hangingPunct="1">
+              <a:lnSpc>
+                <a:spcPct val="90000"/>
+              </a:lnSpc>
+              <a:spcBef>
+                <a:spcPts val="500"/>
+              </a:spcBef>
+              <a:buFont typeface="Arial" panose="020B0604020202020204" pitchFamily="34" charset="0"/>
+              <a:buChar char="•"/>
+              <a:defRPr sz="1800" kern="1200">
+                <a:solidFill>
+                  <a:schemeClr val="tx1"/>
+                </a:solidFill>
+                <a:latin typeface="+mn-lt"/>
+                <a:ea typeface="+mn-ea"/>
+                <a:cs typeface="+mn-cs"/>
+              </a:defRPr>
+            </a:lvl7pPr>
+            <a:lvl8pPr marL="3429000" indent="-228600" algn="l" defTabSz="914400" rtl="0" eaLnBrk="1" latinLnBrk="0" hangingPunct="1">
+              <a:lnSpc>
+                <a:spcPct val="90000"/>
+              </a:lnSpc>
+              <a:spcBef>
+                <a:spcPts val="500"/>
+              </a:spcBef>
+              <a:buFont typeface="Arial" panose="020B0604020202020204" pitchFamily="34" charset="0"/>
+              <a:buChar char="•"/>
+              <a:defRPr sz="1800" kern="1200">
+                <a:solidFill>
+                  <a:schemeClr val="tx1"/>
+                </a:solidFill>
+                <a:latin typeface="+mn-lt"/>
+                <a:ea typeface="+mn-ea"/>
+                <a:cs typeface="+mn-cs"/>
+              </a:defRPr>
+            </a:lvl8pPr>
+            <a:lvl9pPr marL="3886200" indent="-228600" algn="l" defTabSz="914400" rtl="0" eaLnBrk="1" latinLnBrk="0" hangingPunct="1">
+              <a:lnSpc>
+                <a:spcPct val="90000"/>
+              </a:lnSpc>
+              <a:spcBef>
+                <a:spcPts val="500"/>
+              </a:spcBef>
+              <a:buFont typeface="Arial" panose="020B0604020202020204" pitchFamily="34" charset="0"/>
+              <a:buChar char="•"/>
+              <a:defRPr sz="1800" kern="1200">
+                <a:solidFill>
+                  <a:schemeClr val="tx1"/>
+                </a:solidFill>
+                <a:latin typeface="+mn-lt"/>
+                <a:ea typeface="+mn-ea"/>
+                <a:cs typeface="+mn-cs"/>
+              </a:defRPr>
+            </a:lvl9pPr>
+          </a:lstStyle>
+          <a:p>
+            <a:pPr marL="0" indent="0" algn="r">
+              <a:spcBef>
+                <a:spcPts val="0"/>
+              </a:spcBef>
+              <a:buFont typeface="Arial" panose="020B0604020202020204" pitchFamily="34" charset="0"/>
+              <a:buNone/>
+            </a:pPr>
+            <a:r>
+              <a:rPr lang="en-US" sz="1800" b="1" dirty="0">
+                <a:latin typeface="Montserrat ExtraBold" panose="00000900000000000000" pitchFamily="50" charset="0"/>
+              </a:rPr>
+              <a:t>Temperature</a:t>
+            </a:r>
+          </a:p>
+          <a:p>
+            <a:pPr marL="0" indent="0" algn="r">
+              <a:spcBef>
+                <a:spcPts val="0"/>
+              </a:spcBef>
+              <a:buFont typeface="Arial" panose="020B0604020202020204" pitchFamily="34" charset="0"/>
+              <a:buNone/>
+            </a:pPr>
+            <a:r>
+              <a:rPr lang="en-US" sz="1800" b="1" dirty="0">
+                <a:latin typeface="Montserrat ExtraBold" panose="00000900000000000000" pitchFamily="50" charset="0"/>
+              </a:rPr>
+              <a:t> </a:t>
+            </a:r>
+            <a:r>
+              <a:rPr lang="en-US" sz="1800" b="1" dirty="0">
+                <a:solidFill>
+                  <a:schemeClr val="bg1">
+                    <a:lumMod val="75000"/>
+                  </a:schemeClr>
+                </a:solidFill>
+                <a:latin typeface="Montserrat ExtraBold" panose="00000900000000000000" pitchFamily="50" charset="0"/>
+              </a:rPr>
+              <a:t>– no clear relationship</a:t>
+            </a:r>
+          </a:p>
+          <a:p>
+            <a:pPr marL="0" indent="0" algn="r">
+              <a:buFont typeface="Arial" panose="020B0604020202020204" pitchFamily="34" charset="0"/>
+              <a:buNone/>
+            </a:pPr>
+            <a:endParaRPr lang="en-US" sz="1500" dirty="0">
+              <a:latin typeface="+mj-lt"/>
+            </a:endParaRPr>
+          </a:p>
+        </p:txBody>
+      </p:sp>
+      <p:pic>
+        <p:nvPicPr>
+          <p:cNvPr id="17" name="Picture 4">
+            <a:extLst>
+              <a:ext uri="{FF2B5EF4-FFF2-40B4-BE49-F238E27FC236}">
+                <a16:creationId xmlns:a16="http://schemas.microsoft.com/office/drawing/2014/main" id="{BAE10773-BA68-4E3C-AE32-01E671AB5DD8}"/>
+              </a:ext>
+            </a:extLst>
+          </p:cNvPr>
+          <p:cNvPicPr>
+            <a:picLocks noChangeAspect="1" noChangeArrowheads="1"/>
+          </p:cNvPicPr>
+          <p:nvPr/>
+        </p:nvPicPr>
+        <p:blipFill rotWithShape="1">
+          <a:blip r:embed="rId4">
+            <a:alphaModFix amt="85000"/>
+            <a:extLst>
+              <a:ext uri="{28A0092B-C50C-407E-A947-70E740481C1C}">
+                <a14:useLocalDpi xmlns:a14="http://schemas.microsoft.com/office/drawing/2010/main" val="0"/>
+              </a:ext>
+            </a:extLst>
+          </a:blip>
+          <a:srcRect t="32739" b="32569"/>
+          <a:stretch/>
+        </p:blipFill>
+        <p:spPr bwMode="auto">
+          <a:xfrm>
+            <a:off x="636878" y="4869660"/>
+            <a:ext cx="5568694" cy="1379912"/>
+          </a:xfrm>
+          <a:prstGeom prst="rect">
+            <a:avLst/>
+          </a:prstGeom>
+          <a:noFill/>
+          <a:extLst>
+            <a:ext uri="{909E8E84-426E-40DD-AFC4-6F175D3DCCD1}">
+              <a14:hiddenFill xmlns:a14="http://schemas.microsoft.com/office/drawing/2010/main">
+                <a:solidFill>
+                  <a:srgbClr val="FFFFFF"/>
+                </a:solidFill>
+              </a14:hiddenFill>
+            </a:ext>
+          </a:extLst>
+        </p:spPr>
       </p:pic>
     </p:spTree>
     <p:extLst>
       <p:ext uri="{BB962C8B-B14F-4D97-AF65-F5344CB8AC3E}">
-        <p14:creationId xmlns:p14="http://schemas.microsoft.com/office/powerpoint/2010/main" val="180926216"/>
+        <p14:creationId xmlns:p14="http://schemas.microsoft.com/office/powerpoint/2010/main" val="60344550"/>
       </p:ext>
     </p:extLst>
   </p:cSld>
   <p:clrMapOvr>
     <a:masterClrMapping/>
   </p:clrMapOvr>
-  <mc:AlternateContent xmlns:mc="http://schemas.openxmlformats.org/markup-compatibility/2006" xmlns:p14="http://schemas.microsoft.com/office/powerpoint/2010/main">
-    <mc:Choice Requires="p14">
-      <p:transition spd="slow" p14:dur="2000" advTm="20000"/>
+  <mc:AlternateContent xmlns:mc="http://schemas.openxmlformats.org/markup-compatibility/2006">
+    <mc:Choice xmlns:p14="http://schemas.microsoft.com/office/powerpoint/2010/main" Requires="p14">
+      <p:transition p14:dur="10" advTm="20000"/>
     </mc:Choice>
-    <mc:Fallback xmlns="">
-      <p:transition spd="slow" advTm="20000"/>
+    <mc:Fallback>
+      <p:transition advTm="20000"/>
     </mc:Fallback>
   </mc:AlternateContent>
 </p:sld>
@@ -7528,16 +8654,12 @@
           <a:p>
             <a:pPr algn="l"/>
             <a:r>
-              <a:rPr lang="en-US" sz="1600">
+              <a:rPr lang="en-US" sz="1600" dirty="0">
                 <a:latin typeface="Segoe UI Semilight" panose="020B0402040204020203" pitchFamily="34" charset="0"/>
                 <a:cs typeface="Segoe UI Semilight" panose="020B0402040204020203" pitchFamily="34" charset="0"/>
               </a:rPr>
               <a:t>Al-Jalil Gault | David Park | Public Policy Analytics</a:t>
             </a:r>
-            <a:endParaRPr lang="en-US" sz="1600" dirty="0">
-              <a:latin typeface="Segoe UI Semilight" panose="020B0402040204020203" pitchFamily="34" charset="0"/>
-              <a:cs typeface="Segoe UI Semilight" panose="020B0402040204020203" pitchFamily="34" charset="0"/>
-            </a:endParaRPr>
           </a:p>
         </p:txBody>
       </p:sp>
@@ -7587,12 +8709,12 @@
   <p:clrMapOvr>
     <a:masterClrMapping/>
   </p:clrMapOvr>
-  <mc:AlternateContent xmlns:mc="http://schemas.openxmlformats.org/markup-compatibility/2006" xmlns:p14="http://schemas.microsoft.com/office/powerpoint/2010/main">
-    <mc:Choice Requires="p14">
-      <p:transition spd="slow" p14:dur="2000" advTm="20000"/>
+  <mc:AlternateContent xmlns:mc="http://schemas.openxmlformats.org/markup-compatibility/2006">
+    <mc:Choice xmlns:p14="http://schemas.microsoft.com/office/powerpoint/2010/main" Requires="p14">
+      <p:transition p14:dur="10" advTm="20000"/>
     </mc:Choice>
-    <mc:Fallback xmlns="">
-      <p:transition spd="slow" advTm="20000"/>
+    <mc:Fallback>
+      <p:transition advTm="20000"/>
     </mc:Fallback>
   </mc:AlternateContent>
 </p:sld>
@@ -8047,12 +9169,12 @@
   <p:clrMapOvr>
     <a:masterClrMapping/>
   </p:clrMapOvr>
-  <mc:AlternateContent xmlns:mc="http://schemas.openxmlformats.org/markup-compatibility/2006" xmlns:p14="http://schemas.microsoft.com/office/powerpoint/2010/main">
-    <mc:Choice Requires="p14">
-      <p:transition spd="slow" p14:dur="2000" advTm="20000"/>
+  <mc:AlternateContent xmlns:mc="http://schemas.openxmlformats.org/markup-compatibility/2006">
+    <mc:Choice xmlns:p14="http://schemas.microsoft.com/office/powerpoint/2010/main" Requires="p14">
+      <p:transition p14:dur="10" advTm="20000"/>
     </mc:Choice>
-    <mc:Fallback xmlns="">
-      <p:transition spd="slow" advTm="20000"/>
+    <mc:Fallback>
+      <p:transition advTm="20000"/>
     </mc:Fallback>
   </mc:AlternateContent>
 </p:sld>
@@ -8409,12 +9531,12 @@
   <p:clrMapOvr>
     <a:masterClrMapping/>
   </p:clrMapOvr>
-  <mc:AlternateContent xmlns:mc="http://schemas.openxmlformats.org/markup-compatibility/2006" xmlns:p14="http://schemas.microsoft.com/office/powerpoint/2010/main">
-    <mc:Choice Requires="p14">
-      <p:transition spd="slow" p14:dur="2000" advTm="20000"/>
+  <mc:AlternateContent xmlns:mc="http://schemas.openxmlformats.org/markup-compatibility/2006">
+    <mc:Choice xmlns:p14="http://schemas.microsoft.com/office/powerpoint/2010/main" Requires="p14">
+      <p:transition p14:dur="10" advTm="20000"/>
     </mc:Choice>
-    <mc:Fallback xmlns="">
-      <p:transition spd="slow" advTm="20000"/>
+    <mc:Fallback>
+      <p:transition advTm="20000"/>
     </mc:Fallback>
   </mc:AlternateContent>
 </p:sld>
@@ -8816,12 +9938,12 @@
   <p:clrMapOvr>
     <a:masterClrMapping/>
   </p:clrMapOvr>
-  <mc:AlternateContent xmlns:mc="http://schemas.openxmlformats.org/markup-compatibility/2006" xmlns:p14="http://schemas.microsoft.com/office/powerpoint/2010/main">
-    <mc:Choice Requires="p14">
-      <p:transition spd="slow" p14:dur="2000" advTm="20000"/>
+  <mc:AlternateContent xmlns:mc="http://schemas.openxmlformats.org/markup-compatibility/2006">
+    <mc:Choice xmlns:p14="http://schemas.microsoft.com/office/powerpoint/2010/main" Requires="p14">
+      <p:transition p14:dur="10" advTm="20000"/>
     </mc:Choice>
-    <mc:Fallback xmlns="">
-      <p:transition spd="slow" advTm="20000"/>
+    <mc:Fallback>
+      <p:transition advTm="20000"/>
     </mc:Fallback>
   </mc:AlternateContent>
 </p:sld>
@@ -8928,7 +10050,7 @@
         </p:nvSpPr>
         <p:spPr>
           <a:xfrm>
-            <a:off x="908922" y="2176402"/>
+            <a:off x="908922" y="1471552"/>
             <a:ext cx="5899298" cy="1727417"/>
           </a:xfrm>
           <a:prstGeom prst="rect">
@@ -9007,123 +10129,6 @@
       </p:sp>
       <p:pic>
         <p:nvPicPr>
-          <p:cNvPr id="7" name="Picture 6" descr="A picture containing graphical user interface&#10;&#10;Description automatically generated">
-            <a:extLst>
-              <a:ext uri="{FF2B5EF4-FFF2-40B4-BE49-F238E27FC236}">
-                <a16:creationId xmlns:a16="http://schemas.microsoft.com/office/drawing/2014/main" id="{384E06B8-5DAE-4632-A230-4B3E399283F9}"/>
-              </a:ext>
-            </a:extLst>
-          </p:cNvPr>
-          <p:cNvPicPr>
-            <a:picLocks noChangeAspect="1"/>
-          </p:cNvPicPr>
-          <p:nvPr/>
-        </p:nvPicPr>
-        <p:blipFill>
-          <a:blip r:embed="rId3">
-            <a:extLst>
-              <a:ext uri="{28A0092B-C50C-407E-A947-70E740481C1C}">
-                <a14:useLocalDpi xmlns:a14="http://schemas.microsoft.com/office/drawing/2010/main" val="0"/>
-              </a:ext>
-            </a:extLst>
-          </a:blip>
-          <a:stretch>
-            <a:fillRect/>
-          </a:stretch>
-        </p:blipFill>
-        <p:spPr>
-          <a:xfrm>
-            <a:off x="5737252" y="742654"/>
-            <a:ext cx="6117809" cy="5372691"/>
-          </a:xfrm>
-          <a:prstGeom prst="rect">
-            <a:avLst/>
-          </a:prstGeom>
-        </p:spPr>
-      </p:pic>
-      <p:sp>
-        <p:nvSpPr>
-          <p:cNvPr id="2" name="Oval 1">
-            <a:extLst>
-              <a:ext uri="{FF2B5EF4-FFF2-40B4-BE49-F238E27FC236}">
-                <a16:creationId xmlns:a16="http://schemas.microsoft.com/office/drawing/2014/main" id="{4C64FF60-4875-4AF9-8B9B-F584D416191F}"/>
-              </a:ext>
-            </a:extLst>
-          </p:cNvPr>
-          <p:cNvSpPr/>
-          <p:nvPr/>
-        </p:nvSpPr>
-        <p:spPr>
-          <a:xfrm>
-            <a:off x="10281684" y="4625163"/>
-            <a:ext cx="107209" cy="107209"/>
-          </a:xfrm>
-          <a:prstGeom prst="ellipse">
-            <a:avLst/>
-          </a:prstGeom>
-        </p:spPr>
-        <p:style>
-          <a:lnRef idx="2">
-            <a:schemeClr val="dk1"/>
-          </a:lnRef>
-          <a:fillRef idx="1">
-            <a:schemeClr val="lt1"/>
-          </a:fillRef>
-          <a:effectRef idx="0">
-            <a:schemeClr val="dk1"/>
-          </a:effectRef>
-          <a:fontRef idx="minor">
-            <a:schemeClr val="dk1"/>
-          </a:fontRef>
-        </p:style>
-        <p:txBody>
-          <a:bodyPr rtlCol="0" anchor="ctr"/>
-          <a:lstStyle/>
-          <a:p>
-            <a:pPr algn="ctr"/>
-            <a:endParaRPr lang="en-US"/>
-          </a:p>
-        </p:txBody>
-      </p:sp>
-      <p:sp>
-        <p:nvSpPr>
-          <p:cNvPr id="6" name="TextBox 5">
-            <a:extLst>
-              <a:ext uri="{FF2B5EF4-FFF2-40B4-BE49-F238E27FC236}">
-                <a16:creationId xmlns:a16="http://schemas.microsoft.com/office/drawing/2014/main" id="{64659968-A9D2-487D-94D5-BFEF06E6E9E6}"/>
-              </a:ext>
-            </a:extLst>
-          </p:cNvPr>
-          <p:cNvSpPr txBox="1"/>
-          <p:nvPr/>
-        </p:nvSpPr>
-        <p:spPr>
-          <a:xfrm>
-            <a:off x="10388893" y="4563351"/>
-            <a:ext cx="1007770" cy="230832"/>
-          </a:xfrm>
-          <a:prstGeom prst="rect">
-            <a:avLst/>
-          </a:prstGeom>
-          <a:noFill/>
-        </p:spPr>
-        <p:txBody>
-          <a:bodyPr wrap="square" rtlCol="0">
-            <a:spAutoFit/>
-          </a:bodyPr>
-          <a:lstStyle/>
-          <a:p>
-            <a:r>
-              <a:rPr lang="en-US" sz="900" dirty="0">
-                <a:latin typeface="Avenir Next LT Pro Light" panose="020B0604020202020204" pitchFamily="34" charset="0"/>
-              </a:rPr>
-              <a:t>EMS Stations</a:t>
-            </a:r>
-          </a:p>
-        </p:txBody>
-      </p:sp>
-      <p:pic>
-        <p:nvPicPr>
           <p:cNvPr id="9" name="Picture 8" descr="Graphical user interface, application&#10;&#10;Description automatically generated">
             <a:extLst>
               <a:ext uri="{FF2B5EF4-FFF2-40B4-BE49-F238E27FC236}">
@@ -9137,7 +10142,7 @@
           <p:nvPr/>
         </p:nvPicPr>
         <p:blipFill rotWithShape="1">
-          <a:blip r:embed="rId4">
+          <a:blip r:embed="rId3">
             <a:extLst>
               <a:ext uri="{28A0092B-C50C-407E-A947-70E740481C1C}">
                 <a14:useLocalDpi xmlns:a14="http://schemas.microsoft.com/office/drawing/2010/main" val="0"/>
@@ -9149,7 +10154,7 @@
         </p:blipFill>
         <p:spPr>
           <a:xfrm>
-            <a:off x="490554" y="3930475"/>
+            <a:off x="490554" y="3225625"/>
             <a:ext cx="5193093" cy="1727416"/>
           </a:xfrm>
           <a:prstGeom prst="rect">
@@ -9157,6 +10162,318 @@
           </a:prstGeom>
         </p:spPr>
       </p:pic>
+      <p:pic>
+        <p:nvPicPr>
+          <p:cNvPr id="2052" name="Picture 4">
+            <a:extLst>
+              <a:ext uri="{FF2B5EF4-FFF2-40B4-BE49-F238E27FC236}">
+                <a16:creationId xmlns:a16="http://schemas.microsoft.com/office/drawing/2014/main" id="{5F46FF8F-3714-4BF4-9D60-3DAE6B965050}"/>
+              </a:ext>
+            </a:extLst>
+          </p:cNvPr>
+          <p:cNvPicPr>
+            <a:picLocks noChangeAspect="1" noChangeArrowheads="1"/>
+          </p:cNvPicPr>
+          <p:nvPr/>
+        </p:nvPicPr>
+        <p:blipFill>
+          <a:blip r:embed="rId4">
+            <a:extLst>
+              <a:ext uri="{28A0092B-C50C-407E-A947-70E740481C1C}">
+                <a14:useLocalDpi xmlns:a14="http://schemas.microsoft.com/office/drawing/2010/main" val="0"/>
+              </a:ext>
+            </a:extLst>
+          </a:blip>
+          <a:srcRect/>
+          <a:stretch>
+            <a:fillRect/>
+          </a:stretch>
+        </p:blipFill>
+        <p:spPr bwMode="auto">
+          <a:xfrm>
+            <a:off x="5998901" y="1847849"/>
+            <a:ext cx="5840673" cy="4171909"/>
+          </a:xfrm>
+          <a:prstGeom prst="rect">
+            <a:avLst/>
+          </a:prstGeom>
+          <a:noFill/>
+          <a:extLst>
+            <a:ext uri="{909E8E84-426E-40DD-AFC4-6F175D3DCCD1}">
+              <a14:hiddenFill xmlns:a14="http://schemas.microsoft.com/office/drawing/2010/main">
+                <a:solidFill>
+                  <a:srgbClr val="FFFFFF"/>
+                </a:solidFill>
+              </a14:hiddenFill>
+            </a:ext>
+          </a:extLst>
+        </p:spPr>
+      </p:pic>
+      <p:sp>
+        <p:nvSpPr>
+          <p:cNvPr id="8" name="TextBox 7">
+            <a:extLst>
+              <a:ext uri="{FF2B5EF4-FFF2-40B4-BE49-F238E27FC236}">
+                <a16:creationId xmlns:a16="http://schemas.microsoft.com/office/drawing/2014/main" id="{E28F1761-240D-4E32-9E11-13514C7B3C07}"/>
+              </a:ext>
+            </a:extLst>
+          </p:cNvPr>
+          <p:cNvSpPr txBox="1"/>
+          <p:nvPr/>
+        </p:nvSpPr>
+        <p:spPr>
+          <a:xfrm>
+            <a:off x="3417035" y="3028890"/>
+            <a:ext cx="3706439" cy="400110"/>
+          </a:xfrm>
+          <a:prstGeom prst="rect">
+            <a:avLst/>
+          </a:prstGeom>
+          <a:noFill/>
+        </p:spPr>
+        <p:txBody>
+          <a:bodyPr wrap="square" rtlCol="0">
+            <a:spAutoFit/>
+          </a:bodyPr>
+          <a:lstStyle/>
+          <a:p>
+            <a:r>
+              <a:rPr lang="en-US" sz="2000" dirty="0">
+                <a:solidFill>
+                  <a:schemeClr val="bg1">
+                    <a:lumMod val="75000"/>
+                  </a:schemeClr>
+                </a:solidFill>
+                <a:latin typeface="Montserrat ExtraBold" panose="00000900000000000000" pitchFamily="50" charset="0"/>
+              </a:rPr>
+              <a:t>± 2.5 mins</a:t>
+            </a:r>
+          </a:p>
+        </p:txBody>
+      </p:sp>
+      <p:sp>
+        <p:nvSpPr>
+          <p:cNvPr id="13" name="Content Placeholder 2">
+            <a:extLst>
+              <a:ext uri="{FF2B5EF4-FFF2-40B4-BE49-F238E27FC236}">
+                <a16:creationId xmlns:a16="http://schemas.microsoft.com/office/drawing/2014/main" id="{A6AD0115-3642-4B4E-8834-CAED7AE759F6}"/>
+              </a:ext>
+            </a:extLst>
+          </p:cNvPr>
+          <p:cNvSpPr txBox="1">
+            <a:spLocks/>
+          </p:cNvSpPr>
+          <p:nvPr/>
+        </p:nvSpPr>
+        <p:spPr>
+          <a:xfrm>
+            <a:off x="8046308" y="2335260"/>
+            <a:ext cx="2239924" cy="1611537"/>
+          </a:xfrm>
+          <a:prstGeom prst="rect">
+            <a:avLst/>
+          </a:prstGeom>
+        </p:spPr>
+        <p:txBody>
+          <a:bodyPr vert="horz" lIns="91440" tIns="45720" rIns="91440" bIns="45720" rtlCol="0">
+            <a:normAutofit/>
+          </a:bodyPr>
+          <a:lstStyle>
+            <a:lvl1pPr marL="228600" indent="-228600" algn="l" defTabSz="914400" rtl="0" eaLnBrk="1" latinLnBrk="0" hangingPunct="1">
+              <a:lnSpc>
+                <a:spcPct val="90000"/>
+              </a:lnSpc>
+              <a:spcBef>
+                <a:spcPts val="1000"/>
+              </a:spcBef>
+              <a:buFont typeface="Arial" panose="020B0604020202020204" pitchFamily="34" charset="0"/>
+              <a:buChar char="•"/>
+              <a:defRPr sz="2800" kern="1200">
+                <a:solidFill>
+                  <a:schemeClr val="tx1"/>
+                </a:solidFill>
+                <a:latin typeface="+mn-lt"/>
+                <a:ea typeface="+mn-ea"/>
+                <a:cs typeface="+mn-cs"/>
+              </a:defRPr>
+            </a:lvl1pPr>
+            <a:lvl2pPr marL="685800" indent="-228600" algn="l" defTabSz="914400" rtl="0" eaLnBrk="1" latinLnBrk="0" hangingPunct="1">
+              <a:lnSpc>
+                <a:spcPct val="90000"/>
+              </a:lnSpc>
+              <a:spcBef>
+                <a:spcPts val="500"/>
+              </a:spcBef>
+              <a:buFont typeface="Arial" panose="020B0604020202020204" pitchFamily="34" charset="0"/>
+              <a:buChar char="•"/>
+              <a:defRPr sz="2400" kern="1200">
+                <a:solidFill>
+                  <a:schemeClr val="tx1"/>
+                </a:solidFill>
+                <a:latin typeface="+mn-lt"/>
+                <a:ea typeface="+mn-ea"/>
+                <a:cs typeface="+mn-cs"/>
+              </a:defRPr>
+            </a:lvl2pPr>
+            <a:lvl3pPr marL="1143000" indent="-228600" algn="l" defTabSz="914400" rtl="0" eaLnBrk="1" latinLnBrk="0" hangingPunct="1">
+              <a:lnSpc>
+                <a:spcPct val="90000"/>
+              </a:lnSpc>
+              <a:spcBef>
+                <a:spcPts val="500"/>
+              </a:spcBef>
+              <a:buFont typeface="Arial" panose="020B0604020202020204" pitchFamily="34" charset="0"/>
+              <a:buChar char="•"/>
+              <a:defRPr sz="2000" kern="1200">
+                <a:solidFill>
+                  <a:schemeClr val="tx1"/>
+                </a:solidFill>
+                <a:latin typeface="+mn-lt"/>
+                <a:ea typeface="+mn-ea"/>
+                <a:cs typeface="+mn-cs"/>
+              </a:defRPr>
+            </a:lvl3pPr>
+            <a:lvl4pPr marL="1600200" indent="-228600" algn="l" defTabSz="914400" rtl="0" eaLnBrk="1" latinLnBrk="0" hangingPunct="1">
+              <a:lnSpc>
+                <a:spcPct val="90000"/>
+              </a:lnSpc>
+              <a:spcBef>
+                <a:spcPts val="500"/>
+              </a:spcBef>
+              <a:buFont typeface="Arial" panose="020B0604020202020204" pitchFamily="34" charset="0"/>
+              <a:buChar char="•"/>
+              <a:defRPr sz="1800" kern="1200">
+                <a:solidFill>
+                  <a:schemeClr val="tx1"/>
+                </a:solidFill>
+                <a:latin typeface="+mn-lt"/>
+                <a:ea typeface="+mn-ea"/>
+                <a:cs typeface="+mn-cs"/>
+              </a:defRPr>
+            </a:lvl4pPr>
+            <a:lvl5pPr marL="2057400" indent="-228600" algn="l" defTabSz="914400" rtl="0" eaLnBrk="1" latinLnBrk="0" hangingPunct="1">
+              <a:lnSpc>
+                <a:spcPct val="90000"/>
+              </a:lnSpc>
+              <a:spcBef>
+                <a:spcPts val="500"/>
+              </a:spcBef>
+              <a:buFont typeface="Arial" panose="020B0604020202020204" pitchFamily="34" charset="0"/>
+              <a:buChar char="•"/>
+              <a:defRPr sz="1800" kern="1200">
+                <a:solidFill>
+                  <a:schemeClr val="tx1"/>
+                </a:solidFill>
+                <a:latin typeface="+mn-lt"/>
+                <a:ea typeface="+mn-ea"/>
+                <a:cs typeface="+mn-cs"/>
+              </a:defRPr>
+            </a:lvl5pPr>
+            <a:lvl6pPr marL="2514600" indent="-228600" algn="l" defTabSz="914400" rtl="0" eaLnBrk="1" latinLnBrk="0" hangingPunct="1">
+              <a:lnSpc>
+                <a:spcPct val="90000"/>
+              </a:lnSpc>
+              <a:spcBef>
+                <a:spcPts val="500"/>
+              </a:spcBef>
+              <a:buFont typeface="Arial" panose="020B0604020202020204" pitchFamily="34" charset="0"/>
+              <a:buChar char="•"/>
+              <a:defRPr sz="1800" kern="1200">
+                <a:solidFill>
+                  <a:schemeClr val="tx1"/>
+                </a:solidFill>
+                <a:latin typeface="+mn-lt"/>
+                <a:ea typeface="+mn-ea"/>
+                <a:cs typeface="+mn-cs"/>
+              </a:defRPr>
+            </a:lvl6pPr>
+            <a:lvl7pPr marL="2971800" indent="-228600" algn="l" defTabSz="914400" rtl="0" eaLnBrk="1" latinLnBrk="0" hangingPunct="1">
+              <a:lnSpc>
+                <a:spcPct val="90000"/>
+              </a:lnSpc>
+              <a:spcBef>
+                <a:spcPts val="500"/>
+              </a:spcBef>
+              <a:buFont typeface="Arial" panose="020B0604020202020204" pitchFamily="34" charset="0"/>
+              <a:buChar char="•"/>
+              <a:defRPr sz="1800" kern="1200">
+                <a:solidFill>
+                  <a:schemeClr val="tx1"/>
+                </a:solidFill>
+                <a:latin typeface="+mn-lt"/>
+                <a:ea typeface="+mn-ea"/>
+                <a:cs typeface="+mn-cs"/>
+              </a:defRPr>
+            </a:lvl7pPr>
+            <a:lvl8pPr marL="3429000" indent="-228600" algn="l" defTabSz="914400" rtl="0" eaLnBrk="1" latinLnBrk="0" hangingPunct="1">
+              <a:lnSpc>
+                <a:spcPct val="90000"/>
+              </a:lnSpc>
+              <a:spcBef>
+                <a:spcPts val="500"/>
+              </a:spcBef>
+              <a:buFont typeface="Arial" panose="020B0604020202020204" pitchFamily="34" charset="0"/>
+              <a:buChar char="•"/>
+              <a:defRPr sz="1800" kern="1200">
+                <a:solidFill>
+                  <a:schemeClr val="tx1"/>
+                </a:solidFill>
+                <a:latin typeface="+mn-lt"/>
+                <a:ea typeface="+mn-ea"/>
+                <a:cs typeface="+mn-cs"/>
+              </a:defRPr>
+            </a:lvl8pPr>
+            <a:lvl9pPr marL="3886200" indent="-228600" algn="l" defTabSz="914400" rtl="0" eaLnBrk="1" latinLnBrk="0" hangingPunct="1">
+              <a:lnSpc>
+                <a:spcPct val="90000"/>
+              </a:lnSpc>
+              <a:spcBef>
+                <a:spcPts val="500"/>
+              </a:spcBef>
+              <a:buFont typeface="Arial" panose="020B0604020202020204" pitchFamily="34" charset="0"/>
+              <a:buChar char="•"/>
+              <a:defRPr sz="1800" kern="1200">
+                <a:solidFill>
+                  <a:schemeClr val="tx1"/>
+                </a:solidFill>
+                <a:latin typeface="+mn-lt"/>
+                <a:ea typeface="+mn-ea"/>
+                <a:cs typeface="+mn-cs"/>
+              </a:defRPr>
+            </a:lvl9pPr>
+          </a:lstStyle>
+          <a:p>
+            <a:pPr marL="0" indent="0" algn="r">
+              <a:buFont typeface="Arial" panose="020B0604020202020204" pitchFamily="34" charset="0"/>
+              <a:buNone/>
+            </a:pPr>
+            <a:r>
+              <a:rPr lang="en-US" sz="1800" b="1" dirty="0">
+                <a:solidFill>
+                  <a:srgbClr val="FFA200"/>
+                </a:solidFill>
+                <a:latin typeface="Montserrat ExtraBold" panose="00000900000000000000" pitchFamily="50" charset="0"/>
+              </a:rPr>
+              <a:t>8 min </a:t>
+            </a:r>
+            <a:r>
+              <a:rPr lang="en-US" sz="1800" b="1" dirty="0">
+                <a:latin typeface="Montserrat ExtraBold" panose="00000900000000000000" pitchFamily="50" charset="0"/>
+              </a:rPr>
+              <a:t>average response time</a:t>
+            </a:r>
+          </a:p>
+          <a:p>
+            <a:pPr marL="0" indent="0" algn="r">
+              <a:buFont typeface="Arial" panose="020B0604020202020204" pitchFamily="34" charset="0"/>
+              <a:buNone/>
+            </a:pPr>
+            <a:endParaRPr lang="en-US" sz="1500" dirty="0">
+              <a:latin typeface="+mj-lt"/>
+            </a:endParaRPr>
+          </a:p>
+        </p:txBody>
+      </p:sp>
     </p:spTree>
     <p:extLst>
       <p:ext uri="{BB962C8B-B14F-4D97-AF65-F5344CB8AC3E}">
@@ -9167,12 +10484,12 @@
   <p:clrMapOvr>
     <a:masterClrMapping/>
   </p:clrMapOvr>
-  <mc:AlternateContent xmlns:mc="http://schemas.openxmlformats.org/markup-compatibility/2006" xmlns:p14="http://schemas.microsoft.com/office/powerpoint/2010/main">
-    <mc:Choice Requires="p14">
-      <p:transition spd="slow" p14:dur="2000" advTm="20000"/>
+  <mc:AlternateContent xmlns:mc="http://schemas.openxmlformats.org/markup-compatibility/2006">
+    <mc:Choice xmlns:p14="http://schemas.microsoft.com/office/powerpoint/2010/main" Requires="p14">
+      <p:transition p14:dur="10" advTm="20000"/>
     </mc:Choice>
-    <mc:Fallback xmlns="">
-      <p:transition spd="slow" advTm="20000"/>
+    <mc:Fallback>
+      <p:transition advTm="20000"/>
     </mc:Fallback>
   </mc:AlternateContent>
 </p:sld>
@@ -9684,7 +11001,7 @@
               <a:rPr lang="en-US" sz="1800" b="1" dirty="0">
                 <a:solidFill>
                   <a:schemeClr val="bg1">
-                    <a:lumMod val="50000"/>
+                    <a:lumMod val="75000"/>
                   </a:schemeClr>
                 </a:solidFill>
                 <a:latin typeface="Montserrat ExtraBold" panose="00000900000000000000" pitchFamily="50" charset="0"/>
@@ -9694,7 +11011,7 @@
             <a:endParaRPr lang="en-US" sz="1500" dirty="0">
               <a:solidFill>
                 <a:schemeClr val="bg1">
-                  <a:lumMod val="50000"/>
+                  <a:lumMod val="75000"/>
                 </a:schemeClr>
               </a:solidFill>
               <a:latin typeface="+mj-lt"/>
@@ -9940,12 +11257,12 @@
   <p:clrMapOvr>
     <a:masterClrMapping/>
   </p:clrMapOvr>
-  <mc:AlternateContent xmlns:mc="http://schemas.openxmlformats.org/markup-compatibility/2006" xmlns:p14="http://schemas.microsoft.com/office/powerpoint/2010/main">
-    <mc:Choice Requires="p14">
-      <p:transition spd="slow" p14:dur="2000" advTm="20000"/>
+  <mc:AlternateContent xmlns:mc="http://schemas.openxmlformats.org/markup-compatibility/2006">
+    <mc:Choice xmlns:p14="http://schemas.microsoft.com/office/powerpoint/2010/main" Requires="p14">
+      <p:transition p14:dur="10" advTm="20000"/>
     </mc:Choice>
-    <mc:Fallback xmlns="">
-      <p:transition spd="slow" advTm="20000"/>
+    <mc:Fallback>
+      <p:transition advTm="20000"/>
     </mc:Fallback>
   </mc:AlternateContent>
 </p:sld>
@@ -10450,7 +11767,7 @@
               <a:rPr lang="en-US" sz="1800" b="1" dirty="0">
                 <a:solidFill>
                   <a:schemeClr val="bg1">
-                    <a:lumMod val="65000"/>
+                    <a:lumMod val="75000"/>
                   </a:schemeClr>
                 </a:solidFill>
                 <a:latin typeface="Montserrat ExtraBold" panose="00000900000000000000" pitchFamily="50" charset="0"/>
@@ -10827,12 +12144,12 @@
   <p:clrMapOvr>
     <a:masterClrMapping/>
   </p:clrMapOvr>
-  <mc:AlternateContent xmlns:mc="http://schemas.openxmlformats.org/markup-compatibility/2006" xmlns:p14="http://schemas.microsoft.com/office/powerpoint/2010/main">
-    <mc:Choice Requires="p14">
-      <p:transition spd="slow" p14:dur="2000" advTm="20000"/>
+  <mc:AlternateContent xmlns:mc="http://schemas.openxmlformats.org/markup-compatibility/2006">
+    <mc:Choice xmlns:p14="http://schemas.microsoft.com/office/powerpoint/2010/main" Requires="p14">
+      <p:transition p14:dur="10" advTm="20000"/>
     </mc:Choice>
-    <mc:Fallback xmlns="">
-      <p:transition spd="slow" advTm="20000"/>
+    <mc:Fallback>
+      <p:transition advTm="20000"/>
     </mc:Fallback>
   </mc:AlternateContent>
 </p:sld>
@@ -11085,31 +12402,32 @@
               </a:spcAft>
             </a:pPr>
             <a:r>
-              <a:rPr lang="en-US" sz="2800" kern="1200" dirty="0">
-                <a:solidFill>
-                  <a:schemeClr val="tx1"/>
-                </a:solidFill>
-              </a:rPr>
-              <a:t>Time of Day, Day of Week</a:t>
-            </a:r>
+              <a:rPr lang="en-US" sz="2800" dirty="0"/>
+              <a:t>Emergency Characteristics</a:t>
+            </a:r>
+            <a:endParaRPr lang="en-US" sz="2800" kern="1200" dirty="0">
+              <a:solidFill>
+                <a:schemeClr val="tx1"/>
+              </a:solidFill>
+            </a:endParaRPr>
           </a:p>
         </p:txBody>
       </p:sp>
       <p:pic>
         <p:nvPicPr>
-          <p:cNvPr id="5" name="Picture 4" descr="A picture containing graphical user interface&#10;&#10;Description automatically generated">
-            <a:extLst>
-              <a:ext uri="{FF2B5EF4-FFF2-40B4-BE49-F238E27FC236}">
-                <a16:creationId xmlns:a16="http://schemas.microsoft.com/office/drawing/2014/main" id="{1F677BD4-0ACE-4929-960D-1845275DE033}"/>
+          <p:cNvPr id="3076" name="Picture 4">
+            <a:extLst>
+              <a:ext uri="{FF2B5EF4-FFF2-40B4-BE49-F238E27FC236}">
+                <a16:creationId xmlns:a16="http://schemas.microsoft.com/office/drawing/2014/main" id="{BAD1D131-EF28-4F02-AEF2-D16BD20AC8C4}"/>
               </a:ext>
             </a:extLst>
           </p:cNvPr>
           <p:cNvPicPr>
-            <a:picLocks noChangeAspect="1"/>
+            <a:picLocks noChangeAspect="1" noChangeArrowheads="1"/>
           </p:cNvPicPr>
           <p:nvPr/>
         </p:nvPicPr>
-        <p:blipFill>
+        <p:blipFill rotWithShape="1">
           <a:blip r:embed="rId3">
             <a:extLst>
               <a:ext uri="{28A0092B-C50C-407E-A947-70E740481C1C}">
@@ -11117,26 +12435,378 @@
               </a:ext>
             </a:extLst>
           </a:blip>
-          <a:stretch>
-            <a:fillRect/>
-          </a:stretch>
+          <a:srcRect l="50388" t="49904"/>
+          <a:stretch/>
         </p:blipFill>
+        <p:spPr bwMode="auto">
+          <a:xfrm>
+            <a:off x="7886700" y="3225563"/>
+            <a:ext cx="3924300" cy="2830376"/>
+          </a:xfrm>
+          <a:prstGeom prst="rect">
+            <a:avLst/>
+          </a:prstGeom>
+          <a:noFill/>
+          <a:extLst>
+            <a:ext uri="{909E8E84-426E-40DD-AFC4-6F175D3DCCD1}">
+              <a14:hiddenFill xmlns:a14="http://schemas.microsoft.com/office/drawing/2010/main">
+                <a:solidFill>
+                  <a:srgbClr val="FFFFFF"/>
+                </a:solidFill>
+              </a14:hiddenFill>
+            </a:ext>
+          </a:extLst>
+        </p:spPr>
+      </p:pic>
+      <p:pic>
+        <p:nvPicPr>
+          <p:cNvPr id="3074" name="Picture 2">
+            <a:extLst>
+              <a:ext uri="{FF2B5EF4-FFF2-40B4-BE49-F238E27FC236}">
+                <a16:creationId xmlns:a16="http://schemas.microsoft.com/office/drawing/2014/main" id="{1121E79E-8CF3-4B1D-8191-6F1A4006C10A}"/>
+              </a:ext>
+            </a:extLst>
+          </p:cNvPr>
+          <p:cNvPicPr>
+            <a:picLocks noChangeAspect="1" noChangeArrowheads="1"/>
+          </p:cNvPicPr>
+          <p:nvPr/>
+        </p:nvPicPr>
+        <p:blipFill rotWithShape="1">
+          <a:blip r:embed="rId4">
+            <a:extLst>
+              <a:ext uri="{28A0092B-C50C-407E-A947-70E740481C1C}">
+                <a14:useLocalDpi xmlns:a14="http://schemas.microsoft.com/office/drawing/2010/main" val="0"/>
+              </a:ext>
+            </a:extLst>
+          </a:blip>
+          <a:srcRect t="49904" r="49304"/>
+          <a:stretch/>
+        </p:blipFill>
+        <p:spPr bwMode="auto">
+          <a:xfrm>
+            <a:off x="381000" y="3225562"/>
+            <a:ext cx="4010025" cy="2830377"/>
+          </a:xfrm>
+          <a:prstGeom prst="rect">
+            <a:avLst/>
+          </a:prstGeom>
+          <a:noFill/>
+          <a:extLst>
+            <a:ext uri="{909E8E84-426E-40DD-AFC4-6F175D3DCCD1}">
+              <a14:hiddenFill xmlns:a14="http://schemas.microsoft.com/office/drawing/2010/main">
+                <a:solidFill>
+                  <a:srgbClr val="FFFFFF"/>
+                </a:solidFill>
+              </a14:hiddenFill>
+            </a:ext>
+          </a:extLst>
+        </p:spPr>
+      </p:pic>
+      <p:pic>
+        <p:nvPicPr>
+          <p:cNvPr id="14" name="Picture 2">
+            <a:extLst>
+              <a:ext uri="{FF2B5EF4-FFF2-40B4-BE49-F238E27FC236}">
+                <a16:creationId xmlns:a16="http://schemas.microsoft.com/office/drawing/2014/main" id="{C8779D11-CC00-416F-9B24-D6FB8B71B320}"/>
+              </a:ext>
+            </a:extLst>
+          </p:cNvPr>
+          <p:cNvPicPr>
+            <a:picLocks noChangeAspect="1" noChangeArrowheads="1"/>
+          </p:cNvPicPr>
+          <p:nvPr/>
+        </p:nvPicPr>
+        <p:blipFill rotWithShape="1">
+          <a:blip r:embed="rId4">
+            <a:extLst>
+              <a:ext uri="{28A0092B-C50C-407E-A947-70E740481C1C}">
+                <a14:useLocalDpi xmlns:a14="http://schemas.microsoft.com/office/drawing/2010/main" val="0"/>
+              </a:ext>
+            </a:extLst>
+          </a:blip>
+          <a:srcRect r="49304" b="50000"/>
+          <a:stretch/>
+        </p:blipFill>
+        <p:spPr bwMode="auto">
+          <a:xfrm>
+            <a:off x="4014846" y="3228261"/>
+            <a:ext cx="4010025" cy="2824979"/>
+          </a:xfrm>
+          <a:prstGeom prst="rect">
+            <a:avLst/>
+          </a:prstGeom>
+          <a:noFill/>
+          <a:extLst>
+            <a:ext uri="{909E8E84-426E-40DD-AFC4-6F175D3DCCD1}">
+              <a14:hiddenFill xmlns:a14="http://schemas.microsoft.com/office/drawing/2010/main">
+                <a:solidFill>
+                  <a:srgbClr val="FFFFFF"/>
+                </a:solidFill>
+              </a14:hiddenFill>
+            </a:ext>
+          </a:extLst>
+        </p:spPr>
+      </p:pic>
+      <p:sp>
+        <p:nvSpPr>
+          <p:cNvPr id="12" name="Content Placeholder 2">
+            <a:extLst>
+              <a:ext uri="{FF2B5EF4-FFF2-40B4-BE49-F238E27FC236}">
+                <a16:creationId xmlns:a16="http://schemas.microsoft.com/office/drawing/2014/main" id="{9D753030-8B40-4072-B1A3-30A4C3746B7E}"/>
+              </a:ext>
+            </a:extLst>
+          </p:cNvPr>
+          <p:cNvSpPr txBox="1">
+            <a:spLocks/>
+          </p:cNvSpPr>
+          <p:nvPr/>
+        </p:nvSpPr>
         <p:spPr>
           <a:xfrm>
-            <a:off x="4816548" y="344335"/>
-            <a:ext cx="7375876" cy="6476379"/>
+            <a:off x="275548" y="2615424"/>
+            <a:ext cx="3739299" cy="1611537"/>
           </a:xfrm>
           <a:prstGeom prst="rect">
             <a:avLst/>
           </a:prstGeom>
         </p:spPr>
-      </p:pic>
-      <p:sp>
-        <p:nvSpPr>
-          <p:cNvPr id="8" name="Content Placeholder 2">
-            <a:extLst>
-              <a:ext uri="{FF2B5EF4-FFF2-40B4-BE49-F238E27FC236}">
-                <a16:creationId xmlns:a16="http://schemas.microsoft.com/office/drawing/2014/main" id="{C9F7D7B6-6B6E-479C-B4DD-CF4D1D6664D1}"/>
+        <p:txBody>
+          <a:bodyPr vert="horz" lIns="91440" tIns="45720" rIns="91440" bIns="45720" rtlCol="0">
+            <a:normAutofit/>
+          </a:bodyPr>
+          <a:lstStyle>
+            <a:lvl1pPr marL="228600" indent="-228600" algn="l" defTabSz="914400" rtl="0" eaLnBrk="1" latinLnBrk="0" hangingPunct="1">
+              <a:lnSpc>
+                <a:spcPct val="90000"/>
+              </a:lnSpc>
+              <a:spcBef>
+                <a:spcPts val="1000"/>
+              </a:spcBef>
+              <a:buFont typeface="Arial" panose="020B0604020202020204" pitchFamily="34" charset="0"/>
+              <a:buChar char="•"/>
+              <a:defRPr sz="2800" kern="1200">
+                <a:solidFill>
+                  <a:schemeClr val="tx1"/>
+                </a:solidFill>
+                <a:latin typeface="+mn-lt"/>
+                <a:ea typeface="+mn-ea"/>
+                <a:cs typeface="+mn-cs"/>
+              </a:defRPr>
+            </a:lvl1pPr>
+            <a:lvl2pPr marL="685800" indent="-228600" algn="l" defTabSz="914400" rtl="0" eaLnBrk="1" latinLnBrk="0" hangingPunct="1">
+              <a:lnSpc>
+                <a:spcPct val="90000"/>
+              </a:lnSpc>
+              <a:spcBef>
+                <a:spcPts val="500"/>
+              </a:spcBef>
+              <a:buFont typeface="Arial" panose="020B0604020202020204" pitchFamily="34" charset="0"/>
+              <a:buChar char="•"/>
+              <a:defRPr sz="2400" kern="1200">
+                <a:solidFill>
+                  <a:schemeClr val="tx1"/>
+                </a:solidFill>
+                <a:latin typeface="+mn-lt"/>
+                <a:ea typeface="+mn-ea"/>
+                <a:cs typeface="+mn-cs"/>
+              </a:defRPr>
+            </a:lvl2pPr>
+            <a:lvl3pPr marL="1143000" indent="-228600" algn="l" defTabSz="914400" rtl="0" eaLnBrk="1" latinLnBrk="0" hangingPunct="1">
+              <a:lnSpc>
+                <a:spcPct val="90000"/>
+              </a:lnSpc>
+              <a:spcBef>
+                <a:spcPts val="500"/>
+              </a:spcBef>
+              <a:buFont typeface="Arial" panose="020B0604020202020204" pitchFamily="34" charset="0"/>
+              <a:buChar char="•"/>
+              <a:defRPr sz="2000" kern="1200">
+                <a:solidFill>
+                  <a:schemeClr val="tx1"/>
+                </a:solidFill>
+                <a:latin typeface="+mn-lt"/>
+                <a:ea typeface="+mn-ea"/>
+                <a:cs typeface="+mn-cs"/>
+              </a:defRPr>
+            </a:lvl3pPr>
+            <a:lvl4pPr marL="1600200" indent="-228600" algn="l" defTabSz="914400" rtl="0" eaLnBrk="1" latinLnBrk="0" hangingPunct="1">
+              <a:lnSpc>
+                <a:spcPct val="90000"/>
+              </a:lnSpc>
+              <a:spcBef>
+                <a:spcPts val="500"/>
+              </a:spcBef>
+              <a:buFont typeface="Arial" panose="020B0604020202020204" pitchFamily="34" charset="0"/>
+              <a:buChar char="•"/>
+              <a:defRPr sz="1800" kern="1200">
+                <a:solidFill>
+                  <a:schemeClr val="tx1"/>
+                </a:solidFill>
+                <a:latin typeface="+mn-lt"/>
+                <a:ea typeface="+mn-ea"/>
+                <a:cs typeface="+mn-cs"/>
+              </a:defRPr>
+            </a:lvl4pPr>
+            <a:lvl5pPr marL="2057400" indent="-228600" algn="l" defTabSz="914400" rtl="0" eaLnBrk="1" latinLnBrk="0" hangingPunct="1">
+              <a:lnSpc>
+                <a:spcPct val="90000"/>
+              </a:lnSpc>
+              <a:spcBef>
+                <a:spcPts val="500"/>
+              </a:spcBef>
+              <a:buFont typeface="Arial" panose="020B0604020202020204" pitchFamily="34" charset="0"/>
+              <a:buChar char="•"/>
+              <a:defRPr sz="1800" kern="1200">
+                <a:solidFill>
+                  <a:schemeClr val="tx1"/>
+                </a:solidFill>
+                <a:latin typeface="+mn-lt"/>
+                <a:ea typeface="+mn-ea"/>
+                <a:cs typeface="+mn-cs"/>
+              </a:defRPr>
+            </a:lvl5pPr>
+            <a:lvl6pPr marL="2514600" indent="-228600" algn="l" defTabSz="914400" rtl="0" eaLnBrk="1" latinLnBrk="0" hangingPunct="1">
+              <a:lnSpc>
+                <a:spcPct val="90000"/>
+              </a:lnSpc>
+              <a:spcBef>
+                <a:spcPts val="500"/>
+              </a:spcBef>
+              <a:buFont typeface="Arial" panose="020B0604020202020204" pitchFamily="34" charset="0"/>
+              <a:buChar char="•"/>
+              <a:defRPr sz="1800" kern="1200">
+                <a:solidFill>
+                  <a:schemeClr val="tx1"/>
+                </a:solidFill>
+                <a:latin typeface="+mn-lt"/>
+                <a:ea typeface="+mn-ea"/>
+                <a:cs typeface="+mn-cs"/>
+              </a:defRPr>
+            </a:lvl6pPr>
+            <a:lvl7pPr marL="2971800" indent="-228600" algn="l" defTabSz="914400" rtl="0" eaLnBrk="1" latinLnBrk="0" hangingPunct="1">
+              <a:lnSpc>
+                <a:spcPct val="90000"/>
+              </a:lnSpc>
+              <a:spcBef>
+                <a:spcPts val="500"/>
+              </a:spcBef>
+              <a:buFont typeface="Arial" panose="020B0604020202020204" pitchFamily="34" charset="0"/>
+              <a:buChar char="•"/>
+              <a:defRPr sz="1800" kern="1200">
+                <a:solidFill>
+                  <a:schemeClr val="tx1"/>
+                </a:solidFill>
+                <a:latin typeface="+mn-lt"/>
+                <a:ea typeface="+mn-ea"/>
+                <a:cs typeface="+mn-cs"/>
+              </a:defRPr>
+            </a:lvl7pPr>
+            <a:lvl8pPr marL="3429000" indent="-228600" algn="l" defTabSz="914400" rtl="0" eaLnBrk="1" latinLnBrk="0" hangingPunct="1">
+              <a:lnSpc>
+                <a:spcPct val="90000"/>
+              </a:lnSpc>
+              <a:spcBef>
+                <a:spcPts val="500"/>
+              </a:spcBef>
+              <a:buFont typeface="Arial" panose="020B0604020202020204" pitchFamily="34" charset="0"/>
+              <a:buChar char="•"/>
+              <a:defRPr sz="1800" kern="1200">
+                <a:solidFill>
+                  <a:schemeClr val="tx1"/>
+                </a:solidFill>
+                <a:latin typeface="+mn-lt"/>
+                <a:ea typeface="+mn-ea"/>
+                <a:cs typeface="+mn-cs"/>
+              </a:defRPr>
+            </a:lvl8pPr>
+            <a:lvl9pPr marL="3886200" indent="-228600" algn="l" defTabSz="914400" rtl="0" eaLnBrk="1" latinLnBrk="0" hangingPunct="1">
+              <a:lnSpc>
+                <a:spcPct val="90000"/>
+              </a:lnSpc>
+              <a:spcBef>
+                <a:spcPts val="500"/>
+              </a:spcBef>
+              <a:buFont typeface="Arial" panose="020B0604020202020204" pitchFamily="34" charset="0"/>
+              <a:buChar char="•"/>
+              <a:defRPr sz="1800" kern="1200">
+                <a:solidFill>
+                  <a:schemeClr val="tx1"/>
+                </a:solidFill>
+                <a:latin typeface="+mn-lt"/>
+                <a:ea typeface="+mn-ea"/>
+                <a:cs typeface="+mn-cs"/>
+              </a:defRPr>
+            </a:lvl9pPr>
+          </a:lstStyle>
+          <a:p>
+            <a:pPr marL="0" indent="0" algn="r">
+              <a:buFont typeface="Arial" panose="020B0604020202020204" pitchFamily="34" charset="0"/>
+              <a:buNone/>
+            </a:pPr>
+            <a:r>
+              <a:rPr lang="en-US" sz="1600" b="1" dirty="0">
+                <a:solidFill>
+                  <a:schemeClr val="bg1">
+                    <a:lumMod val="75000"/>
+                  </a:schemeClr>
+                </a:solidFill>
+                <a:latin typeface="Montserrat ExtraBold" panose="00000900000000000000" pitchFamily="50" charset="0"/>
+              </a:rPr>
+              <a:t>Emergencies at </a:t>
+            </a:r>
+            <a:r>
+              <a:rPr lang="en-US" sz="1600" b="1" dirty="0">
+                <a:latin typeface="Montserrat ExtraBold" panose="00000900000000000000" pitchFamily="50" charset="0"/>
+              </a:rPr>
+              <a:t>Special Events </a:t>
+            </a:r>
+            <a:r>
+              <a:rPr lang="en-US" sz="1600" b="1" dirty="0">
+                <a:solidFill>
+                  <a:schemeClr val="bg1">
+                    <a:lumMod val="75000"/>
+                  </a:schemeClr>
+                </a:solidFill>
+                <a:latin typeface="Montserrat ExtraBold" panose="00000900000000000000" pitchFamily="50" charset="0"/>
+              </a:rPr>
+              <a:t>have</a:t>
+            </a:r>
+            <a:r>
+              <a:rPr lang="en-US" sz="1600" b="1" dirty="0">
+                <a:solidFill>
+                  <a:schemeClr val="bg1">
+                    <a:lumMod val="50000"/>
+                  </a:schemeClr>
+                </a:solidFill>
+                <a:latin typeface="Montserrat ExtraBold" panose="00000900000000000000" pitchFamily="50" charset="0"/>
+              </a:rPr>
+              <a:t> </a:t>
+            </a:r>
+            <a:r>
+              <a:rPr lang="en-US" sz="1600" b="1" dirty="0">
+                <a:latin typeface="Montserrat ExtraBold" panose="00000900000000000000" pitchFamily="50" charset="0"/>
+              </a:rPr>
+              <a:t>shorter response times</a:t>
+            </a:r>
+          </a:p>
+          <a:p>
+            <a:pPr marL="0" indent="0" algn="r">
+              <a:buFont typeface="Arial" panose="020B0604020202020204" pitchFamily="34" charset="0"/>
+              <a:buNone/>
+            </a:pPr>
+            <a:endParaRPr lang="en-US" sz="1500" dirty="0">
+              <a:latin typeface="+mj-lt"/>
+            </a:endParaRPr>
+          </a:p>
+        </p:txBody>
+      </p:sp>
+      <p:sp>
+        <p:nvSpPr>
+          <p:cNvPr id="15" name="Content Placeholder 2">
+            <a:extLst>
+              <a:ext uri="{FF2B5EF4-FFF2-40B4-BE49-F238E27FC236}">
+                <a16:creationId xmlns:a16="http://schemas.microsoft.com/office/drawing/2014/main" id="{4C3D0B72-8F59-4250-A4B7-126B1428A806}"/>
               </a:ext>
             </a:extLst>
           </p:cNvPr>
@@ -11147,8 +12817,8 @@
         </p:nvSpPr>
         <p:spPr>
           <a:xfrm>
-            <a:off x="3306726" y="3567408"/>
-            <a:ext cx="2146004" cy="1611537"/>
+            <a:off x="3742347" y="2421143"/>
+            <a:ext cx="4282524" cy="1611537"/>
           </a:xfrm>
           <a:prstGeom prst="rect">
             <a:avLst/>
@@ -11324,31 +12994,63 @@
           </a:lstStyle>
           <a:p>
             <a:pPr marL="0" indent="0" algn="r">
+              <a:spcBef>
+                <a:spcPts val="0"/>
+              </a:spcBef>
               <a:buFont typeface="Arial" panose="020B0604020202020204" pitchFamily="34" charset="0"/>
               <a:buNone/>
             </a:pPr>
             <a:r>
-              <a:rPr lang="en-US" sz="1800" b="1" dirty="0">
+              <a:rPr lang="en-US" sz="1600" b="1" dirty="0">
+                <a:solidFill>
+                  <a:schemeClr val="bg1">
+                    <a:lumMod val="75000"/>
+                  </a:schemeClr>
+                </a:solidFill>
                 <a:latin typeface="Montserrat ExtraBold" panose="00000900000000000000" pitchFamily="50" charset="0"/>
               </a:rPr>
-              <a:t>Delays </a:t>
-            </a:r>
-            <a:r>
-              <a:rPr lang="en-US" sz="1800" b="1" dirty="0">
-                <a:solidFill>
-                  <a:schemeClr val="bg1">
-                    <a:lumMod val="50000"/>
-                  </a:schemeClr>
-                </a:solidFill>
+              <a:t>Emergencies requiring </a:t>
+            </a:r>
+          </a:p>
+          <a:p>
+            <a:pPr marL="0" indent="0" algn="r">
+              <a:spcBef>
+                <a:spcPts val="0"/>
+              </a:spcBef>
+              <a:buFont typeface="Arial" panose="020B0604020202020204" pitchFamily="34" charset="0"/>
+              <a:buNone/>
+            </a:pPr>
+            <a:r>
+              <a:rPr lang="en-US" sz="1600" b="1" dirty="0">
                 <a:latin typeface="Montserrat ExtraBold" panose="00000900000000000000" pitchFamily="50" charset="0"/>
               </a:rPr>
-              <a:t>are related  to</a:t>
-            </a:r>
-            <a:r>
-              <a:rPr lang="en-US" sz="1800" b="1" dirty="0">
+              <a:t>Advanced Life Support </a:t>
+            </a:r>
+          </a:p>
+          <a:p>
+            <a:pPr marL="0" indent="0" algn="r">
+              <a:spcBef>
+                <a:spcPts val="0"/>
+              </a:spcBef>
+              <a:buFont typeface="Arial" panose="020B0604020202020204" pitchFamily="34" charset="0"/>
+              <a:buNone/>
+            </a:pPr>
+            <a:r>
+              <a:rPr lang="en-US" sz="1600" b="1" dirty="0">
+                <a:solidFill>
+                  <a:schemeClr val="bg1">
+                    <a:lumMod val="75000"/>
+                  </a:schemeClr>
+                </a:solidFill>
                 <a:latin typeface="Montserrat ExtraBold" panose="00000900000000000000" pitchFamily="50" charset="0"/>
               </a:rPr>
-              <a:t> Time and space</a:t>
+              <a:t>have</a:t>
+            </a:r>
+            <a:r>
+              <a:rPr lang="en-US" sz="1600" b="1" dirty="0">
+                <a:latin typeface="Montserrat ExtraBold" panose="00000900000000000000" pitchFamily="50" charset="0"/>
+              </a:rPr>
+              <a:t> shorter response times</a:t>
             </a:r>
           </a:p>
           <a:p>
@@ -11364,101 +13066,263 @@
       </p:sp>
       <p:sp>
         <p:nvSpPr>
-          <p:cNvPr id="11" name="Oval 10">
-            <a:extLst>
-              <a:ext uri="{FF2B5EF4-FFF2-40B4-BE49-F238E27FC236}">
-                <a16:creationId xmlns:a16="http://schemas.microsoft.com/office/drawing/2014/main" id="{632DB1AF-1EA1-469F-8613-FF8093E8BCE9}"/>
-              </a:ext>
-            </a:extLst>
-          </p:cNvPr>
-          <p:cNvSpPr/>
+          <p:cNvPr id="16" name="Content Placeholder 2">
+            <a:extLst>
+              <a:ext uri="{FF2B5EF4-FFF2-40B4-BE49-F238E27FC236}">
+                <a16:creationId xmlns:a16="http://schemas.microsoft.com/office/drawing/2014/main" id="{9AEA8A15-D7FD-4661-B6BF-E9CD1FB681BC}"/>
+              </a:ext>
+            </a:extLst>
+          </p:cNvPr>
+          <p:cNvSpPr txBox="1">
+            <a:spLocks/>
+          </p:cNvSpPr>
           <p:nvPr/>
         </p:nvSpPr>
         <p:spPr>
           <a:xfrm>
-            <a:off x="10281684" y="5007937"/>
-            <a:ext cx="107209" cy="107209"/>
-          </a:xfrm>
-          <a:prstGeom prst="ellipse">
-            <a:avLst/>
-          </a:prstGeom>
-        </p:spPr>
-        <p:style>
-          <a:lnRef idx="2">
-            <a:schemeClr val="dk1"/>
-          </a:lnRef>
-          <a:fillRef idx="1">
-            <a:schemeClr val="lt1"/>
-          </a:fillRef>
-          <a:effectRef idx="0">
-            <a:schemeClr val="dk1"/>
-          </a:effectRef>
-          <a:fontRef idx="minor">
-            <a:schemeClr val="dk1"/>
-          </a:fontRef>
-        </p:style>
-        <p:txBody>
-          <a:bodyPr rtlCol="0" anchor="ctr"/>
-          <a:lstStyle/>
-          <a:p>
-            <a:pPr algn="ctr"/>
-            <a:endParaRPr lang="en-US"/>
-          </a:p>
-        </p:txBody>
-      </p:sp>
-      <p:sp>
-        <p:nvSpPr>
-          <p:cNvPr id="12" name="TextBox 11">
-            <a:extLst>
-              <a:ext uri="{FF2B5EF4-FFF2-40B4-BE49-F238E27FC236}">
-                <a16:creationId xmlns:a16="http://schemas.microsoft.com/office/drawing/2014/main" id="{5CDE9EE4-9C51-4E16-8D9B-F787655C88DB}"/>
-              </a:ext>
-            </a:extLst>
-          </p:cNvPr>
-          <p:cNvSpPr txBox="1"/>
-          <p:nvPr/>
-        </p:nvSpPr>
-        <p:spPr>
-          <a:xfrm>
-            <a:off x="10388893" y="4946125"/>
-            <a:ext cx="1007770" cy="230832"/>
+            <a:off x="7327329" y="2603077"/>
+            <a:ext cx="4282524" cy="1611537"/>
           </a:xfrm>
           <a:prstGeom prst="rect">
             <a:avLst/>
           </a:prstGeom>
-          <a:noFill/>
         </p:spPr>
         <p:txBody>
-          <a:bodyPr wrap="square" rtlCol="0">
-            <a:spAutoFit/>
+          <a:bodyPr vert="horz" lIns="91440" tIns="45720" rIns="91440" bIns="45720" rtlCol="0">
+            <a:normAutofit/>
           </a:bodyPr>
-          <a:lstStyle/>
-          <a:p>
-            <a:r>
-              <a:rPr lang="en-US" sz="900" dirty="0">
-                <a:latin typeface="Avenir Next LT Pro Light" panose="020B0604020202020204" pitchFamily="34" charset="0"/>
+          <a:lstStyle>
+            <a:lvl1pPr marL="228600" indent="-228600" algn="l" defTabSz="914400" rtl="0" eaLnBrk="1" latinLnBrk="0" hangingPunct="1">
+              <a:lnSpc>
+                <a:spcPct val="90000"/>
+              </a:lnSpc>
+              <a:spcBef>
+                <a:spcPts val="1000"/>
+              </a:spcBef>
+              <a:buFont typeface="Arial" panose="020B0604020202020204" pitchFamily="34" charset="0"/>
+              <a:buChar char="•"/>
+              <a:defRPr sz="2800" kern="1200">
+                <a:solidFill>
+                  <a:schemeClr val="tx1"/>
+                </a:solidFill>
+                <a:latin typeface="+mn-lt"/>
+                <a:ea typeface="+mn-ea"/>
+                <a:cs typeface="+mn-cs"/>
+              </a:defRPr>
+            </a:lvl1pPr>
+            <a:lvl2pPr marL="685800" indent="-228600" algn="l" defTabSz="914400" rtl="0" eaLnBrk="1" latinLnBrk="0" hangingPunct="1">
+              <a:lnSpc>
+                <a:spcPct val="90000"/>
+              </a:lnSpc>
+              <a:spcBef>
+                <a:spcPts val="500"/>
+              </a:spcBef>
+              <a:buFont typeface="Arial" panose="020B0604020202020204" pitchFamily="34" charset="0"/>
+              <a:buChar char="•"/>
+              <a:defRPr sz="2400" kern="1200">
+                <a:solidFill>
+                  <a:schemeClr val="tx1"/>
+                </a:solidFill>
+                <a:latin typeface="+mn-lt"/>
+                <a:ea typeface="+mn-ea"/>
+                <a:cs typeface="+mn-cs"/>
+              </a:defRPr>
+            </a:lvl2pPr>
+            <a:lvl3pPr marL="1143000" indent="-228600" algn="l" defTabSz="914400" rtl="0" eaLnBrk="1" latinLnBrk="0" hangingPunct="1">
+              <a:lnSpc>
+                <a:spcPct val="90000"/>
+              </a:lnSpc>
+              <a:spcBef>
+                <a:spcPts val="500"/>
+              </a:spcBef>
+              <a:buFont typeface="Arial" panose="020B0604020202020204" pitchFamily="34" charset="0"/>
+              <a:buChar char="•"/>
+              <a:defRPr sz="2000" kern="1200">
+                <a:solidFill>
+                  <a:schemeClr val="tx1"/>
+                </a:solidFill>
+                <a:latin typeface="+mn-lt"/>
+                <a:ea typeface="+mn-ea"/>
+                <a:cs typeface="+mn-cs"/>
+              </a:defRPr>
+            </a:lvl3pPr>
+            <a:lvl4pPr marL="1600200" indent="-228600" algn="l" defTabSz="914400" rtl="0" eaLnBrk="1" latinLnBrk="0" hangingPunct="1">
+              <a:lnSpc>
+                <a:spcPct val="90000"/>
+              </a:lnSpc>
+              <a:spcBef>
+                <a:spcPts val="500"/>
+              </a:spcBef>
+              <a:buFont typeface="Arial" panose="020B0604020202020204" pitchFamily="34" charset="0"/>
+              <a:buChar char="•"/>
+              <a:defRPr sz="1800" kern="1200">
+                <a:solidFill>
+                  <a:schemeClr val="tx1"/>
+                </a:solidFill>
+                <a:latin typeface="+mn-lt"/>
+                <a:ea typeface="+mn-ea"/>
+                <a:cs typeface="+mn-cs"/>
+              </a:defRPr>
+            </a:lvl4pPr>
+            <a:lvl5pPr marL="2057400" indent="-228600" algn="l" defTabSz="914400" rtl="0" eaLnBrk="1" latinLnBrk="0" hangingPunct="1">
+              <a:lnSpc>
+                <a:spcPct val="90000"/>
+              </a:lnSpc>
+              <a:spcBef>
+                <a:spcPts val="500"/>
+              </a:spcBef>
+              <a:buFont typeface="Arial" panose="020B0604020202020204" pitchFamily="34" charset="0"/>
+              <a:buChar char="•"/>
+              <a:defRPr sz="1800" kern="1200">
+                <a:solidFill>
+                  <a:schemeClr val="tx1"/>
+                </a:solidFill>
+                <a:latin typeface="+mn-lt"/>
+                <a:ea typeface="+mn-ea"/>
+                <a:cs typeface="+mn-cs"/>
+              </a:defRPr>
+            </a:lvl5pPr>
+            <a:lvl6pPr marL="2514600" indent="-228600" algn="l" defTabSz="914400" rtl="0" eaLnBrk="1" latinLnBrk="0" hangingPunct="1">
+              <a:lnSpc>
+                <a:spcPct val="90000"/>
+              </a:lnSpc>
+              <a:spcBef>
+                <a:spcPts val="500"/>
+              </a:spcBef>
+              <a:buFont typeface="Arial" panose="020B0604020202020204" pitchFamily="34" charset="0"/>
+              <a:buChar char="•"/>
+              <a:defRPr sz="1800" kern="1200">
+                <a:solidFill>
+                  <a:schemeClr val="tx1"/>
+                </a:solidFill>
+                <a:latin typeface="+mn-lt"/>
+                <a:ea typeface="+mn-ea"/>
+                <a:cs typeface="+mn-cs"/>
+              </a:defRPr>
+            </a:lvl6pPr>
+            <a:lvl7pPr marL="2971800" indent="-228600" algn="l" defTabSz="914400" rtl="0" eaLnBrk="1" latinLnBrk="0" hangingPunct="1">
+              <a:lnSpc>
+                <a:spcPct val="90000"/>
+              </a:lnSpc>
+              <a:spcBef>
+                <a:spcPts val="500"/>
+              </a:spcBef>
+              <a:buFont typeface="Arial" panose="020B0604020202020204" pitchFamily="34" charset="0"/>
+              <a:buChar char="•"/>
+              <a:defRPr sz="1800" kern="1200">
+                <a:solidFill>
+                  <a:schemeClr val="tx1"/>
+                </a:solidFill>
+                <a:latin typeface="+mn-lt"/>
+                <a:ea typeface="+mn-ea"/>
+                <a:cs typeface="+mn-cs"/>
+              </a:defRPr>
+            </a:lvl7pPr>
+            <a:lvl8pPr marL="3429000" indent="-228600" algn="l" defTabSz="914400" rtl="0" eaLnBrk="1" latinLnBrk="0" hangingPunct="1">
+              <a:lnSpc>
+                <a:spcPct val="90000"/>
+              </a:lnSpc>
+              <a:spcBef>
+                <a:spcPts val="500"/>
+              </a:spcBef>
+              <a:buFont typeface="Arial" panose="020B0604020202020204" pitchFamily="34" charset="0"/>
+              <a:buChar char="•"/>
+              <a:defRPr sz="1800" kern="1200">
+                <a:solidFill>
+                  <a:schemeClr val="tx1"/>
+                </a:solidFill>
+                <a:latin typeface="+mn-lt"/>
+                <a:ea typeface="+mn-ea"/>
+                <a:cs typeface="+mn-cs"/>
+              </a:defRPr>
+            </a:lvl8pPr>
+            <a:lvl9pPr marL="3886200" indent="-228600" algn="l" defTabSz="914400" rtl="0" eaLnBrk="1" latinLnBrk="0" hangingPunct="1">
+              <a:lnSpc>
+                <a:spcPct val="90000"/>
+              </a:lnSpc>
+              <a:spcBef>
+                <a:spcPts val="500"/>
+              </a:spcBef>
+              <a:buFont typeface="Arial" panose="020B0604020202020204" pitchFamily="34" charset="0"/>
+              <a:buChar char="•"/>
+              <a:defRPr sz="1800" kern="1200">
+                <a:solidFill>
+                  <a:schemeClr val="tx1"/>
+                </a:solidFill>
+                <a:latin typeface="+mn-lt"/>
+                <a:ea typeface="+mn-ea"/>
+                <a:cs typeface="+mn-cs"/>
+              </a:defRPr>
+            </a:lvl9pPr>
+          </a:lstStyle>
+          <a:p>
+            <a:pPr marL="0" indent="0" algn="r">
+              <a:spcBef>
+                <a:spcPts val="0"/>
+              </a:spcBef>
+              <a:buFont typeface="Arial" panose="020B0604020202020204" pitchFamily="34" charset="0"/>
+              <a:buNone/>
+            </a:pPr>
+            <a:r>
+              <a:rPr lang="en-US" sz="1600" b="1" dirty="0">
+                <a:latin typeface="Montserrat ExtraBold" panose="00000900000000000000" pitchFamily="50" charset="0"/>
               </a:rPr>
-              <a:t>EMS Stations</a:t>
-            </a:r>
+              <a:t>Fire-related Emergencies</a:t>
+            </a:r>
+          </a:p>
+          <a:p>
+            <a:pPr marL="0" indent="0" algn="r">
+              <a:spcBef>
+                <a:spcPts val="0"/>
+              </a:spcBef>
+              <a:buFont typeface="Arial" panose="020B0604020202020204" pitchFamily="34" charset="0"/>
+              <a:buNone/>
+            </a:pPr>
+            <a:r>
+              <a:rPr lang="en-US" sz="1600" b="1" dirty="0">
+                <a:solidFill>
+                  <a:schemeClr val="bg1">
+                    <a:lumMod val="75000"/>
+                  </a:schemeClr>
+                </a:solidFill>
+                <a:latin typeface="Montserrat ExtraBold" panose="00000900000000000000" pitchFamily="50" charset="0"/>
+              </a:rPr>
+              <a:t>have</a:t>
+            </a:r>
+            <a:r>
+              <a:rPr lang="en-US" sz="1600" b="1" dirty="0">
+                <a:latin typeface="Montserrat ExtraBold" panose="00000900000000000000" pitchFamily="50" charset="0"/>
+              </a:rPr>
+              <a:t> shorter response times</a:t>
+            </a:r>
+          </a:p>
+          <a:p>
+            <a:pPr marL="0" indent="0" algn="r">
+              <a:buFont typeface="Arial" panose="020B0604020202020204" pitchFamily="34" charset="0"/>
+              <a:buNone/>
+            </a:pPr>
+            <a:endParaRPr lang="en-US" sz="1500" dirty="0">
+              <a:latin typeface="+mj-lt"/>
+            </a:endParaRPr>
           </a:p>
         </p:txBody>
       </p:sp>
     </p:spTree>
     <p:extLst>
       <p:ext uri="{BB962C8B-B14F-4D97-AF65-F5344CB8AC3E}">
-        <p14:creationId xmlns:p14="http://schemas.microsoft.com/office/powerpoint/2010/main" val="3370131045"/>
+        <p14:creationId xmlns:p14="http://schemas.microsoft.com/office/powerpoint/2010/main" val="180926216"/>
       </p:ext>
     </p:extLst>
   </p:cSld>
   <p:clrMapOvr>
     <a:masterClrMapping/>
   </p:clrMapOvr>
-  <mc:AlternateContent xmlns:mc="http://schemas.openxmlformats.org/markup-compatibility/2006" xmlns:p14="http://schemas.microsoft.com/office/powerpoint/2010/main">
-    <mc:Choice Requires="p14">
-      <p:transition spd="slow" p14:dur="2000" advTm="20000"/>
+  <mc:AlternateContent xmlns:mc="http://schemas.openxmlformats.org/markup-compatibility/2006">
+    <mc:Choice xmlns:p14="http://schemas.microsoft.com/office/powerpoint/2010/main" Requires="p14">
+      <p:transition p14:dur="10" advTm="20000"/>
     </mc:Choice>
-    <mc:Fallback xmlns="">
-      <p:transition spd="slow" advTm="20000"/>
+    <mc:Fallback>
+      <p:transition advTm="20000"/>
     </mc:Fallback>
   </mc:AlternateContent>
 </p:sld>
@@ -11723,10 +13587,10 @@
       </p:sp>
       <p:pic>
         <p:nvPicPr>
-          <p:cNvPr id="6" name="Picture 5" descr="Chart, bar chart&#10;&#10;Description automatically generated">
-            <a:extLst>
-              <a:ext uri="{FF2B5EF4-FFF2-40B4-BE49-F238E27FC236}">
-                <a16:creationId xmlns:a16="http://schemas.microsoft.com/office/drawing/2014/main" id="{2B9705FA-DB3A-46DA-87BE-FAA827ADE030}"/>
+          <p:cNvPr id="5" name="Picture 4" descr="A picture containing graphical user interface&#10;&#10;Description automatically generated">
+            <a:extLst>
+              <a:ext uri="{FF2B5EF4-FFF2-40B4-BE49-F238E27FC236}">
+                <a16:creationId xmlns:a16="http://schemas.microsoft.com/office/drawing/2014/main" id="{1F677BD4-0ACE-4929-960D-1845275DE033}"/>
               </a:ext>
             </a:extLst>
           </p:cNvPr>
@@ -11749,8 +13613,8 @@
         </p:blipFill>
         <p:spPr>
           <a:xfrm>
-            <a:off x="4832596" y="694209"/>
-            <a:ext cx="6521204" cy="5643490"/>
+            <a:off x="4816548" y="344335"/>
+            <a:ext cx="7375876" cy="6476379"/>
           </a:xfrm>
           <a:prstGeom prst="rect">
             <a:avLst/>
@@ -11759,10 +13623,10 @@
       </p:pic>
       <p:sp>
         <p:nvSpPr>
-          <p:cNvPr id="11" name="Content Placeholder 2">
-            <a:extLst>
-              <a:ext uri="{FF2B5EF4-FFF2-40B4-BE49-F238E27FC236}">
-                <a16:creationId xmlns:a16="http://schemas.microsoft.com/office/drawing/2014/main" id="{B9520572-D62E-4BAD-B28E-676A5CF02EF8}"/>
+          <p:cNvPr id="8" name="Content Placeholder 2">
+            <a:extLst>
+              <a:ext uri="{FF2B5EF4-FFF2-40B4-BE49-F238E27FC236}">
+                <a16:creationId xmlns:a16="http://schemas.microsoft.com/office/drawing/2014/main" id="{C9F7D7B6-6B6E-479C-B4DD-CF4D1D6664D1}"/>
               </a:ext>
             </a:extLst>
           </p:cNvPr>
@@ -11773,8 +13637,8 @@
         </p:nvSpPr>
         <p:spPr>
           <a:xfrm>
-            <a:off x="2191193" y="2819580"/>
-            <a:ext cx="2348023" cy="1611537"/>
+            <a:off x="3306726" y="3567408"/>
+            <a:ext cx="2146004" cy="1611537"/>
           </a:xfrm>
           <a:prstGeom prst="rect">
             <a:avLst/>
@@ -11957,24 +13821,24 @@
               <a:rPr lang="en-US" sz="1800" b="1" dirty="0">
                 <a:latin typeface="Montserrat ExtraBold" panose="00000900000000000000" pitchFamily="50" charset="0"/>
               </a:rPr>
-              <a:t>Afternoon and Overnight Calls </a:t>
+              <a:t>Delays </a:t>
             </a:r>
             <a:r>
               <a:rPr lang="en-US" sz="1800" b="1" dirty="0">
                 <a:solidFill>
                   <a:schemeClr val="bg1">
-                    <a:lumMod val="65000"/>
+                    <a:lumMod val="75000"/>
                   </a:schemeClr>
                 </a:solidFill>
                 <a:latin typeface="Montserrat ExtraBold" panose="00000900000000000000" pitchFamily="50" charset="0"/>
               </a:rPr>
-              <a:t>have the </a:t>
+              <a:t>are related  to</a:t>
             </a:r>
             <a:r>
               <a:rPr lang="en-US" sz="1800" b="1" dirty="0">
                 <a:latin typeface="Montserrat ExtraBold" panose="00000900000000000000" pitchFamily="50" charset="0"/>
               </a:rPr>
-              <a:t>longest wait times</a:t>
+              <a:t> Time and space</a:t>
             </a:r>
           </a:p>
           <a:p>
@@ -11988,22 +13852,103 @@
           </a:p>
         </p:txBody>
       </p:sp>
+      <p:sp>
+        <p:nvSpPr>
+          <p:cNvPr id="11" name="Oval 10">
+            <a:extLst>
+              <a:ext uri="{FF2B5EF4-FFF2-40B4-BE49-F238E27FC236}">
+                <a16:creationId xmlns:a16="http://schemas.microsoft.com/office/drawing/2014/main" id="{632DB1AF-1EA1-469F-8613-FF8093E8BCE9}"/>
+              </a:ext>
+            </a:extLst>
+          </p:cNvPr>
+          <p:cNvSpPr/>
+          <p:nvPr/>
+        </p:nvSpPr>
+        <p:spPr>
+          <a:xfrm>
+            <a:off x="10281684" y="5007937"/>
+            <a:ext cx="107209" cy="107209"/>
+          </a:xfrm>
+          <a:prstGeom prst="ellipse">
+            <a:avLst/>
+          </a:prstGeom>
+        </p:spPr>
+        <p:style>
+          <a:lnRef idx="2">
+            <a:schemeClr val="dk1"/>
+          </a:lnRef>
+          <a:fillRef idx="1">
+            <a:schemeClr val="lt1"/>
+          </a:fillRef>
+          <a:effectRef idx="0">
+            <a:schemeClr val="dk1"/>
+          </a:effectRef>
+          <a:fontRef idx="minor">
+            <a:schemeClr val="dk1"/>
+          </a:fontRef>
+        </p:style>
+        <p:txBody>
+          <a:bodyPr rtlCol="0" anchor="ctr"/>
+          <a:lstStyle/>
+          <a:p>
+            <a:pPr algn="ctr"/>
+            <a:endParaRPr lang="en-US"/>
+          </a:p>
+        </p:txBody>
+      </p:sp>
+      <p:sp>
+        <p:nvSpPr>
+          <p:cNvPr id="12" name="TextBox 11">
+            <a:extLst>
+              <a:ext uri="{FF2B5EF4-FFF2-40B4-BE49-F238E27FC236}">
+                <a16:creationId xmlns:a16="http://schemas.microsoft.com/office/drawing/2014/main" id="{5CDE9EE4-9C51-4E16-8D9B-F787655C88DB}"/>
+              </a:ext>
+            </a:extLst>
+          </p:cNvPr>
+          <p:cNvSpPr txBox="1"/>
+          <p:nvPr/>
+        </p:nvSpPr>
+        <p:spPr>
+          <a:xfrm>
+            <a:off x="10388893" y="4946125"/>
+            <a:ext cx="1007770" cy="230832"/>
+          </a:xfrm>
+          <a:prstGeom prst="rect">
+            <a:avLst/>
+          </a:prstGeom>
+          <a:noFill/>
+        </p:spPr>
+        <p:txBody>
+          <a:bodyPr wrap="square" rtlCol="0">
+            <a:spAutoFit/>
+          </a:bodyPr>
+          <a:lstStyle/>
+          <a:p>
+            <a:r>
+              <a:rPr lang="en-US" sz="900" dirty="0">
+                <a:latin typeface="Avenir Next LT Pro Light" panose="020B0604020202020204" pitchFamily="34" charset="0"/>
+              </a:rPr>
+              <a:t>EMS Stations</a:t>
+            </a:r>
+          </a:p>
+        </p:txBody>
+      </p:sp>
     </p:spTree>
     <p:extLst>
       <p:ext uri="{BB962C8B-B14F-4D97-AF65-F5344CB8AC3E}">
-        <p14:creationId xmlns:p14="http://schemas.microsoft.com/office/powerpoint/2010/main" val="4260596392"/>
+        <p14:creationId xmlns:p14="http://schemas.microsoft.com/office/powerpoint/2010/main" val="3370131045"/>
       </p:ext>
     </p:extLst>
   </p:cSld>
   <p:clrMapOvr>
     <a:masterClrMapping/>
   </p:clrMapOvr>
-  <mc:AlternateContent xmlns:mc="http://schemas.openxmlformats.org/markup-compatibility/2006" xmlns:p14="http://schemas.microsoft.com/office/powerpoint/2010/main">
-    <mc:Choice Requires="p14">
-      <p:transition spd="slow" p14:dur="2000" advTm="20000"/>
+  <mc:AlternateContent xmlns:mc="http://schemas.openxmlformats.org/markup-compatibility/2006">
+    <mc:Choice xmlns:p14="http://schemas.microsoft.com/office/powerpoint/2010/main" Requires="p14">
+      <p:transition p14:dur="10" advTm="20000"/>
     </mc:Choice>
-    <mc:Fallback xmlns="">
-      <p:transition spd="slow" advTm="20000"/>
+    <mc:Fallback>
+      <p:transition advTm="20000"/>
     </mc:Fallback>
   </mc:AlternateContent>
 </p:sld>
